--- a/HTML_CSS/Material_Html/4 - HTML - Strutura Semantica.pptx
+++ b/HTML_CSS/Material_Html/4 - HTML - Strutura Semantica.pptx
@@ -5,21 +5,15 @@
     <p:sldMasterId id="2147483756" r:id="rId1"/>
   </p:sldMasterIdLst>
   <p:notesMasterIdLst>
-    <p:notesMasterId r:id="rId14"/>
+    <p:notesMasterId r:id="rId8"/>
   </p:notesMasterIdLst>
   <p:sldIdLst>
     <p:sldId id="261" r:id="rId2"/>
     <p:sldId id="269" r:id="rId3"/>
-    <p:sldId id="262" r:id="rId4"/>
-    <p:sldId id="266" r:id="rId5"/>
-    <p:sldId id="278" r:id="rId6"/>
-    <p:sldId id="275" r:id="rId7"/>
-    <p:sldId id="279" r:id="rId8"/>
-    <p:sldId id="280" r:id="rId9"/>
-    <p:sldId id="283" r:id="rId10"/>
-    <p:sldId id="281" r:id="rId11"/>
-    <p:sldId id="284" r:id="rId12"/>
-    <p:sldId id="282" r:id="rId13"/>
+    <p:sldId id="285" r:id="rId4"/>
+    <p:sldId id="286" r:id="rId5"/>
+    <p:sldId id="262" r:id="rId6"/>
+    <p:sldId id="287" r:id="rId7"/>
   </p:sldIdLst>
   <p:sldSz cx="12192000" cy="6858000"/>
   <p:notesSz cx="6858000" cy="9144000"/>
@@ -540,7 +534,7 @@
           <a:p>
             <a:fld id="{B83BF655-9392-4454-97F2-5750ECEF5787}" type="slidenum">
               <a:rPr lang="pt-BR" smtClean="0"/>
-              <a:t>3</a:t>
+              <a:t>5</a:t>
             </a:fld>
             <a:endParaRPr lang="pt-BR"/>
           </a:p>
@@ -654,7 +648,7 @@
           <a:effectLst/>
           <a:extLst>
             <a:ext uri="{91240B29-F687-4f45-9708-019B960494DF}">
-              <a14:hiddenLine xmlns="" xmlns:a14="http://schemas.microsoft.com/office/drawing/2010/main" w="9525">
+              <a14:hiddenLine xmlns:a14="http://schemas.microsoft.com/office/drawing/2010/main" xmlns="" w="9525">
                 <a:solidFill>
                   <a:srgbClr val="000000"/>
                 </a:solidFill>
@@ -2184,7 +2178,7 @@
           <a:ln/>
           <a:extLst>
             <a:ext uri="{91240B29-F687-4f45-9708-019B960494DF}">
-              <a14:hiddenLine xmlns="" xmlns:a14="http://schemas.microsoft.com/office/drawing/2010/main" w="9525">
+              <a14:hiddenLine xmlns:a14="http://schemas.microsoft.com/office/drawing/2010/main" xmlns="" w="9525">
                 <a:solidFill>
                   <a:srgbClr val="000000"/>
                 </a:solidFill>
@@ -2459,7 +2453,7 @@
           <a:ln/>
           <a:extLst>
             <a:ext uri="{91240B29-F687-4f45-9708-019B960494DF}">
-              <a14:hiddenLine xmlns="" xmlns:a14="http://schemas.microsoft.com/office/drawing/2010/main" w="9525">
+              <a14:hiddenLine xmlns:a14="http://schemas.microsoft.com/office/drawing/2010/main" xmlns="" w="9525">
                 <a:solidFill>
                   <a:srgbClr val="000000"/>
                 </a:solidFill>
@@ -2742,7 +2736,7 @@
           <a:ln/>
           <a:extLst>
             <a:ext uri="{91240B29-F687-4f45-9708-019B960494DF}">
-              <a14:hiddenLine xmlns="" xmlns:a14="http://schemas.microsoft.com/office/drawing/2010/main" w="9525">
+              <a14:hiddenLine xmlns:a14="http://schemas.microsoft.com/office/drawing/2010/main" xmlns="" w="9525">
                 <a:solidFill>
                   <a:srgbClr val="000000"/>
                 </a:solidFill>
@@ -3370,7 +3364,7 @@
           <a:ln/>
           <a:extLst>
             <a:ext uri="{91240B29-F687-4f45-9708-019B960494DF}">
-              <a14:hiddenLine xmlns="" xmlns:a14="http://schemas.microsoft.com/office/drawing/2010/main" w="9525">
+              <a14:hiddenLine xmlns:a14="http://schemas.microsoft.com/office/drawing/2010/main" xmlns="" w="9525">
                 <a:solidFill>
                   <a:srgbClr val="000000"/>
                 </a:solidFill>
@@ -3714,7 +3708,7 @@
           <a:ln/>
           <a:extLst>
             <a:ext uri="{91240B29-F687-4f45-9708-019B960494DF}">
-              <a14:hiddenLine xmlns="" xmlns:a14="http://schemas.microsoft.com/office/drawing/2010/main" w="9525">
+              <a14:hiddenLine xmlns:a14="http://schemas.microsoft.com/office/drawing/2010/main" xmlns="" w="9525">
                 <a:solidFill>
                   <a:srgbClr val="000000"/>
                 </a:solidFill>
@@ -4196,7 +4190,7 @@
           <a:ln/>
           <a:extLst>
             <a:ext uri="{91240B29-F687-4f45-9708-019B960494DF}">
-              <a14:hiddenLine xmlns="" xmlns:a14="http://schemas.microsoft.com/office/drawing/2010/main" w="9525">
+              <a14:hiddenLine xmlns:a14="http://schemas.microsoft.com/office/drawing/2010/main" xmlns="" w="9525">
                 <a:solidFill>
                   <a:srgbClr val="000000"/>
                 </a:solidFill>
@@ -4625,7 +4619,7 @@
           <a:ln/>
           <a:extLst>
             <a:ext uri="{91240B29-F687-4f45-9708-019B960494DF}">
-              <a14:hiddenLine xmlns="" xmlns:a14="http://schemas.microsoft.com/office/drawing/2010/main" w="9525">
+              <a14:hiddenLine xmlns:a14="http://schemas.microsoft.com/office/drawing/2010/main" xmlns="" w="9525">
                 <a:solidFill>
                   <a:srgbClr val="000000"/>
                 </a:solidFill>
@@ -6155,7 +6149,7 @@
 </p:sld>
 </file>
 
-<file path=ppt/slides/slide10.xml><?xml version="1.0" encoding="utf-8"?>
+<file path=ppt/slides/slide2.xml><?xml version="1.0" encoding="utf-8"?>
 <p:sld xmlns:a="http://schemas.openxmlformats.org/drawingml/2006/main" xmlns:r="http://schemas.openxmlformats.org/officeDocument/2006/relationships" xmlns:p="http://schemas.openxmlformats.org/presentationml/2006/main">
   <p:cSld>
     <p:spTree>
@@ -6177,7 +6171,7 @@
           <p:cNvPr id="2" name="Título 1">
             <a:extLst>
               <a:ext uri="{FF2B5EF4-FFF2-40B4-BE49-F238E27FC236}">
-                <a16:creationId xmlns:a16="http://schemas.microsoft.com/office/drawing/2014/main" id="{5C56EF69-D93E-FFD4-1D56-2AFD31211897}"/>
+                <a16:creationId xmlns:a16="http://schemas.microsoft.com/office/drawing/2014/main" id="{C7E3F66C-3E58-FA1A-CC60-111D2EA0E710}"/>
               </a:ext>
             </a:extLst>
           </p:cNvPr>
@@ -6194,853 +6188,102 @@
           <a:lstStyle/>
           <a:p>
             <a:r>
-              <a:rPr lang="pt-BR" dirty="0" err="1"/>
-              <a:t>Tags</a:t>
-            </a:r>
-            <a:r>
               <a:rPr lang="pt-BR" dirty="0"/>
-              <a:t> – </a:t>
-            </a:r>
-            <a:r>
-              <a:rPr lang="pt-BR" dirty="0" err="1"/>
-              <a:t>Semantica</a:t>
-            </a:r>
-            <a:r>
-              <a:rPr lang="pt-BR" dirty="0"/>
-              <a:t>	</a:t>
-            </a:r>
-          </a:p>
-        </p:txBody>
-      </p:sp>
-      <p:sp>
-        <p:nvSpPr>
-          <p:cNvPr id="3" name="Espaço Reservado para Conteúdo 2">
+              <a:t>Estruturas do HTML</a:t>
+            </a:r>
+          </a:p>
+        </p:txBody>
+      </p:sp>
+      <p:pic>
+        <p:nvPicPr>
+          <p:cNvPr id="1026" name="Picture 2" descr="Html png images | PNGEgg">
             <a:extLst>
               <a:ext uri="{FF2B5EF4-FFF2-40B4-BE49-F238E27FC236}">
-                <a16:creationId xmlns:a16="http://schemas.microsoft.com/office/drawing/2014/main" id="{3E3C2894-A558-2430-CF85-D37FAA3C3B2B}"/>
+                <a16:creationId xmlns:a16="http://schemas.microsoft.com/office/drawing/2014/main" id="{5D553EE5-2811-1B13-81C3-CBDD3DD6D304}"/>
               </a:ext>
             </a:extLst>
           </p:cNvPr>
-          <p:cNvSpPr>
-            <a:spLocks noGrp="1"/>
-          </p:cNvSpPr>
-          <p:nvPr>
-            <p:ph idx="1"/>
-          </p:nvPr>
-        </p:nvSpPr>
-        <p:spPr/>
-        <p:txBody>
-          <a:bodyPr>
-            <a:normAutofit/>
-          </a:bodyPr>
-          <a:lstStyle/>
-          <a:p>
-            <a:r>
-              <a:rPr lang="pt-BR" b="0" dirty="0">
-                <a:solidFill>
-                  <a:srgbClr val="808080"/>
-                </a:solidFill>
-                <a:effectLst/>
-                <a:latin typeface="Consolas" panose="020B0609020204030204" pitchFamily="49" charset="0"/>
-              </a:rPr>
-              <a:t>&lt;</a:t>
-            </a:r>
-            <a:r>
-              <a:rPr lang="pt-BR" b="0" dirty="0">
-                <a:solidFill>
-                  <a:srgbClr val="569CD6"/>
-                </a:solidFill>
-                <a:effectLst/>
-                <a:latin typeface="Consolas" panose="020B0609020204030204" pitchFamily="49" charset="0"/>
-              </a:rPr>
-              <a:t>a</a:t>
-            </a:r>
-            <a:r>
-              <a:rPr lang="pt-BR" b="0" dirty="0">
-                <a:solidFill>
-                  <a:srgbClr val="CCCCCC"/>
-                </a:solidFill>
-                <a:effectLst/>
-                <a:latin typeface="Consolas" panose="020B0609020204030204" pitchFamily="49" charset="0"/>
-              </a:rPr>
-              <a:t> </a:t>
-            </a:r>
-            <a:r>
-              <a:rPr lang="pt-BR" b="0" dirty="0" err="1">
-                <a:solidFill>
-                  <a:srgbClr val="9CDCFE"/>
-                </a:solidFill>
-                <a:effectLst/>
-                <a:latin typeface="Consolas" panose="020B0609020204030204" pitchFamily="49" charset="0"/>
-              </a:rPr>
-              <a:t>href</a:t>
-            </a:r>
-            <a:r>
-              <a:rPr lang="pt-BR" b="0" dirty="0">
-                <a:solidFill>
-                  <a:srgbClr val="CCCCCC"/>
-                </a:solidFill>
-                <a:effectLst/>
-                <a:latin typeface="Consolas" panose="020B0609020204030204" pitchFamily="49" charset="0"/>
-              </a:rPr>
-              <a:t>=</a:t>
-            </a:r>
-            <a:r>
-              <a:rPr lang="pt-BR" b="0" dirty="0">
-                <a:solidFill>
-                  <a:srgbClr val="CE9178"/>
-                </a:solidFill>
-                <a:effectLst/>
-                <a:latin typeface="Consolas" panose="020B0609020204030204" pitchFamily="49" charset="0"/>
-              </a:rPr>
-              <a:t>“</a:t>
-            </a:r>
-            <a:r>
-              <a:rPr lang="pt-BR" b="0" dirty="0" err="1">
-                <a:solidFill>
-                  <a:srgbClr val="CE9178"/>
-                </a:solidFill>
-                <a:effectLst/>
-                <a:latin typeface="Consolas" panose="020B0609020204030204" pitchFamily="49" charset="0"/>
-              </a:rPr>
-              <a:t>url</a:t>
-            </a:r>
-            <a:r>
-              <a:rPr lang="pt-BR" b="0" dirty="0">
-                <a:solidFill>
-                  <a:srgbClr val="CE9178"/>
-                </a:solidFill>
-                <a:effectLst/>
-                <a:latin typeface="Consolas" panose="020B0609020204030204" pitchFamily="49" charset="0"/>
-              </a:rPr>
-              <a:t>"</a:t>
-            </a:r>
-            <a:r>
-              <a:rPr lang="pt-BR" b="0" dirty="0">
-                <a:solidFill>
-                  <a:srgbClr val="808080"/>
-                </a:solidFill>
-                <a:effectLst/>
-                <a:latin typeface="Consolas" panose="020B0609020204030204" pitchFamily="49" charset="0"/>
-              </a:rPr>
-              <a:t>&gt;: </a:t>
-            </a:r>
-            <a:r>
-              <a:rPr lang="pt-BR" dirty="0">
-                <a:solidFill>
-                  <a:srgbClr val="CE9178"/>
-                </a:solidFill>
-                <a:latin typeface="Consolas" panose="020B0609020204030204" pitchFamily="49" charset="0"/>
-              </a:rPr>
-              <a:t>Link – Pode ser de um arquivo ou site</a:t>
-            </a:r>
-          </a:p>
-          <a:p>
-            <a:r>
-              <a:rPr lang="pt-BR" b="0" dirty="0">
-                <a:solidFill>
-                  <a:srgbClr val="9CDCFE"/>
-                </a:solidFill>
-                <a:effectLst/>
-                <a:latin typeface="Consolas" panose="020B0609020204030204" pitchFamily="49" charset="0"/>
-              </a:rPr>
-              <a:t>&lt;</a:t>
-            </a:r>
-            <a:r>
-              <a:rPr lang="pt-BR" b="0" dirty="0">
-                <a:solidFill>
-                  <a:srgbClr val="569CD6"/>
-                </a:solidFill>
-                <a:effectLst/>
-                <a:latin typeface="Consolas" panose="020B0609020204030204" pitchFamily="49" charset="0"/>
-              </a:rPr>
-              <a:t>a</a:t>
-            </a:r>
-            <a:r>
-              <a:rPr lang="pt-BR" b="0" dirty="0">
-                <a:solidFill>
-                  <a:srgbClr val="CCCCCC"/>
-                </a:solidFill>
-                <a:effectLst/>
-                <a:latin typeface="Consolas" panose="020B0609020204030204" pitchFamily="49" charset="0"/>
-              </a:rPr>
-              <a:t> </a:t>
-            </a:r>
-            <a:r>
-              <a:rPr lang="pt-BR" b="0" dirty="0" err="1">
-                <a:solidFill>
-                  <a:srgbClr val="9CDCFE"/>
-                </a:solidFill>
-                <a:effectLst/>
-                <a:latin typeface="Consolas" panose="020B0609020204030204" pitchFamily="49" charset="0"/>
-              </a:rPr>
-              <a:t>href</a:t>
-            </a:r>
-            <a:r>
-              <a:rPr lang="pt-BR" b="0" dirty="0">
-                <a:solidFill>
-                  <a:srgbClr val="CCCCCC"/>
-                </a:solidFill>
-                <a:effectLst/>
-                <a:latin typeface="Consolas" panose="020B0609020204030204" pitchFamily="49" charset="0"/>
-              </a:rPr>
-              <a:t>=</a:t>
-            </a:r>
-            <a:r>
-              <a:rPr lang="pt-BR" b="0" dirty="0">
-                <a:solidFill>
-                  <a:srgbClr val="CE9178"/>
-                </a:solidFill>
-                <a:effectLst/>
-                <a:latin typeface="Consolas" panose="020B0609020204030204" pitchFamily="49" charset="0"/>
-              </a:rPr>
-              <a:t>“</a:t>
-            </a:r>
-            <a:r>
-              <a:rPr lang="pt-BR" b="0" dirty="0" err="1">
-                <a:solidFill>
-                  <a:srgbClr val="CE9178"/>
-                </a:solidFill>
-                <a:effectLst/>
-                <a:latin typeface="Consolas" panose="020B0609020204030204" pitchFamily="49" charset="0"/>
-              </a:rPr>
-              <a:t>url</a:t>
-            </a:r>
-            <a:r>
-              <a:rPr lang="pt-BR" b="0" dirty="0">
-                <a:solidFill>
-                  <a:srgbClr val="CE9178"/>
-                </a:solidFill>
-                <a:effectLst/>
-                <a:latin typeface="Consolas" panose="020B0609020204030204" pitchFamily="49" charset="0"/>
-              </a:rPr>
-              <a:t>"</a:t>
-            </a:r>
-            <a:r>
-              <a:rPr lang="pt-BR" b="0" dirty="0">
-                <a:solidFill>
-                  <a:srgbClr val="808080"/>
-                </a:solidFill>
-                <a:effectLst/>
-                <a:latin typeface="Consolas" panose="020B0609020204030204" pitchFamily="49" charset="0"/>
-              </a:rPr>
-              <a:t> </a:t>
-            </a:r>
-            <a:r>
-              <a:rPr lang="pt-BR" b="0" dirty="0">
-                <a:solidFill>
-                  <a:srgbClr val="9CDCFE"/>
-                </a:solidFill>
-                <a:effectLst/>
-                <a:latin typeface="Consolas" panose="020B0609020204030204" pitchFamily="49" charset="0"/>
-              </a:rPr>
-              <a:t>target</a:t>
-            </a:r>
-            <a:r>
-              <a:rPr lang="pt-BR" b="0" dirty="0">
-                <a:solidFill>
-                  <a:srgbClr val="CCCCCC"/>
-                </a:solidFill>
-                <a:effectLst/>
-                <a:latin typeface="Consolas" panose="020B0609020204030204" pitchFamily="49" charset="0"/>
-              </a:rPr>
-              <a:t>=</a:t>
-            </a:r>
-            <a:r>
-              <a:rPr lang="pt-BR" b="0" dirty="0">
-                <a:solidFill>
-                  <a:srgbClr val="CE9178"/>
-                </a:solidFill>
-                <a:effectLst/>
-                <a:latin typeface="Consolas" panose="020B0609020204030204" pitchFamily="49" charset="0"/>
-              </a:rPr>
-              <a:t>"_</a:t>
-            </a:r>
-            <a:r>
-              <a:rPr lang="pt-BR" b="0" dirty="0" err="1">
-                <a:solidFill>
-                  <a:srgbClr val="CE9178"/>
-                </a:solidFill>
-                <a:effectLst/>
-                <a:latin typeface="Consolas" panose="020B0609020204030204" pitchFamily="49" charset="0"/>
-              </a:rPr>
-              <a:t>blank</a:t>
-            </a:r>
-            <a:r>
-              <a:rPr lang="pt-BR" b="0" dirty="0">
-                <a:solidFill>
-                  <a:srgbClr val="CE9178"/>
-                </a:solidFill>
-                <a:effectLst/>
-                <a:latin typeface="Consolas" panose="020B0609020204030204" pitchFamily="49" charset="0"/>
-              </a:rPr>
-              <a:t>“&gt;: Abre uma nova Aba</a:t>
-            </a:r>
-          </a:p>
-          <a:p>
-            <a:r>
-              <a:rPr lang="pt-BR" b="0" dirty="0">
-                <a:solidFill>
-                  <a:srgbClr val="808080"/>
-                </a:solidFill>
-                <a:effectLst/>
-                <a:latin typeface="Consolas" panose="020B0609020204030204" pitchFamily="49" charset="0"/>
-              </a:rPr>
-              <a:t>&lt;</a:t>
-            </a:r>
-            <a:r>
-              <a:rPr lang="pt-BR" b="0" dirty="0" err="1">
-                <a:solidFill>
-                  <a:srgbClr val="569CD6"/>
-                </a:solidFill>
-                <a:effectLst/>
-                <a:latin typeface="Consolas" panose="020B0609020204030204" pitchFamily="49" charset="0"/>
-              </a:rPr>
-              <a:t>img</a:t>
-            </a:r>
-            <a:r>
-              <a:rPr lang="pt-BR" b="0" dirty="0">
-                <a:solidFill>
-                  <a:srgbClr val="CCCCCC"/>
-                </a:solidFill>
-                <a:effectLst/>
-                <a:latin typeface="Consolas" panose="020B0609020204030204" pitchFamily="49" charset="0"/>
-              </a:rPr>
-              <a:t> </a:t>
-            </a:r>
-            <a:r>
-              <a:rPr lang="pt-BR" b="0" dirty="0" err="1">
-                <a:solidFill>
-                  <a:srgbClr val="9CDCFE"/>
-                </a:solidFill>
-                <a:effectLst/>
-                <a:latin typeface="Consolas" panose="020B0609020204030204" pitchFamily="49" charset="0"/>
-              </a:rPr>
-              <a:t>src</a:t>
-            </a:r>
-            <a:r>
-              <a:rPr lang="pt-BR" b="0" dirty="0">
-                <a:solidFill>
-                  <a:srgbClr val="CCCCCC"/>
-                </a:solidFill>
-                <a:effectLst/>
-                <a:latin typeface="Consolas" panose="020B0609020204030204" pitchFamily="49" charset="0"/>
-              </a:rPr>
-              <a:t>=</a:t>
-            </a:r>
-            <a:r>
-              <a:rPr lang="pt-BR" b="0" dirty="0">
-                <a:solidFill>
-                  <a:srgbClr val="CE9178"/>
-                </a:solidFill>
-                <a:effectLst/>
-                <a:latin typeface="Consolas" panose="020B0609020204030204" pitchFamily="49" charset="0"/>
-              </a:rPr>
-              <a:t>"/HTML_CSS/</a:t>
-            </a:r>
-            <a:r>
-              <a:rPr lang="pt-BR" b="0" dirty="0" err="1">
-                <a:solidFill>
-                  <a:srgbClr val="CE9178"/>
-                </a:solidFill>
-                <a:effectLst/>
-                <a:latin typeface="Consolas" panose="020B0609020204030204" pitchFamily="49" charset="0"/>
-              </a:rPr>
-              <a:t>img</a:t>
-            </a:r>
-            <a:r>
-              <a:rPr lang="pt-BR" b="0" dirty="0">
-                <a:solidFill>
-                  <a:srgbClr val="CE9178"/>
-                </a:solidFill>
-                <a:effectLst/>
-                <a:latin typeface="Consolas" panose="020B0609020204030204" pitchFamily="49" charset="0"/>
-              </a:rPr>
-              <a:t>/img_html.jpg"</a:t>
-            </a:r>
-            <a:r>
-              <a:rPr lang="pt-BR" b="0" dirty="0">
-                <a:solidFill>
-                  <a:srgbClr val="CCCCCC"/>
-                </a:solidFill>
-                <a:effectLst/>
-                <a:latin typeface="Consolas" panose="020B0609020204030204" pitchFamily="49" charset="0"/>
-              </a:rPr>
-              <a:t> </a:t>
-            </a:r>
-            <a:r>
-              <a:rPr lang="pt-BR" b="0" dirty="0" err="1">
-                <a:solidFill>
-                  <a:srgbClr val="9CDCFE"/>
-                </a:solidFill>
-                <a:effectLst/>
-                <a:latin typeface="Consolas" panose="020B0609020204030204" pitchFamily="49" charset="0"/>
-              </a:rPr>
-              <a:t>alt</a:t>
-            </a:r>
-            <a:r>
-              <a:rPr lang="pt-BR" b="0" dirty="0">
-                <a:solidFill>
-                  <a:srgbClr val="CCCCCC"/>
-                </a:solidFill>
-                <a:effectLst/>
-                <a:latin typeface="Consolas" panose="020B0609020204030204" pitchFamily="49" charset="0"/>
-              </a:rPr>
-              <a:t>=</a:t>
-            </a:r>
-            <a:r>
-              <a:rPr lang="pt-BR" b="0" dirty="0">
-                <a:solidFill>
-                  <a:srgbClr val="CE9178"/>
-                </a:solidFill>
-                <a:effectLst/>
-                <a:latin typeface="Consolas" panose="020B0609020204030204" pitchFamily="49" charset="0"/>
-              </a:rPr>
-              <a:t>""</a:t>
-            </a:r>
-            <a:r>
-              <a:rPr lang="pt-BR" b="0" dirty="0">
-                <a:solidFill>
-                  <a:srgbClr val="808080"/>
-                </a:solidFill>
-                <a:effectLst/>
-                <a:latin typeface="Consolas" panose="020B0609020204030204" pitchFamily="49" charset="0"/>
-              </a:rPr>
-              <a:t>&gt;: </a:t>
-            </a:r>
-            <a:r>
-              <a:rPr lang="pt-BR" dirty="0">
-                <a:solidFill>
-                  <a:srgbClr val="CE9178"/>
-                </a:solidFill>
-                <a:latin typeface="Consolas" panose="020B0609020204030204" pitchFamily="49" charset="0"/>
-              </a:rPr>
-              <a:t>Imagem – Alt: Descrever Imagem</a:t>
-            </a:r>
-          </a:p>
-          <a:p>
-            <a:r>
-              <a:rPr lang="pt-BR" b="0" dirty="0">
-                <a:solidFill>
-                  <a:srgbClr val="808080"/>
-                </a:solidFill>
-                <a:effectLst/>
-                <a:latin typeface="Consolas" panose="020B0609020204030204" pitchFamily="49" charset="0"/>
-              </a:rPr>
-              <a:t>&lt;</a:t>
-            </a:r>
-            <a:r>
-              <a:rPr lang="pt-BR" b="0" dirty="0" err="1">
-                <a:solidFill>
-                  <a:srgbClr val="569CD6"/>
-                </a:solidFill>
-                <a:effectLst/>
-                <a:latin typeface="Consolas" panose="020B0609020204030204" pitchFamily="49" charset="0"/>
-              </a:rPr>
-              <a:t>img</a:t>
-            </a:r>
-            <a:r>
-              <a:rPr lang="pt-BR" b="0" dirty="0">
-                <a:solidFill>
-                  <a:srgbClr val="569CD6"/>
-                </a:solidFill>
-                <a:effectLst/>
-                <a:latin typeface="Consolas" panose="020B0609020204030204" pitchFamily="49" charset="0"/>
-              </a:rPr>
-              <a:t> </a:t>
-            </a:r>
-            <a:r>
-              <a:rPr lang="pt-BR" b="0" dirty="0" err="1">
-                <a:solidFill>
-                  <a:srgbClr val="569CD6"/>
-                </a:solidFill>
-                <a:effectLst/>
-                <a:latin typeface="Consolas" panose="020B0609020204030204" pitchFamily="49" charset="0"/>
-              </a:rPr>
-              <a:t>title</a:t>
-            </a:r>
-            <a:r>
-              <a:rPr lang="pt-BR" b="0" dirty="0">
-                <a:solidFill>
-                  <a:srgbClr val="CCCCCC"/>
-                </a:solidFill>
-                <a:effectLst/>
-                <a:latin typeface="Consolas" panose="020B0609020204030204" pitchFamily="49" charset="0"/>
-              </a:rPr>
-              <a:t>=</a:t>
-            </a:r>
-            <a:r>
-              <a:rPr lang="pt-BR" b="0" dirty="0">
-                <a:solidFill>
-                  <a:srgbClr val="CE9178"/>
-                </a:solidFill>
-                <a:effectLst/>
-                <a:latin typeface="Consolas" panose="020B0609020204030204" pitchFamily="49" charset="0"/>
-              </a:rPr>
-              <a:t>""&gt; Aparece nome da imagem quando ponteiro do mouse está acima</a:t>
-            </a:r>
-          </a:p>
-          <a:p>
-            <a:r>
-              <a:rPr lang="pt-BR" b="0" dirty="0">
-                <a:solidFill>
-                  <a:srgbClr val="808080"/>
-                </a:solidFill>
-                <a:effectLst/>
-                <a:latin typeface="Consolas" panose="020B0609020204030204" pitchFamily="49" charset="0"/>
-              </a:rPr>
-              <a:t>&lt;</a:t>
-            </a:r>
-            <a:r>
-              <a:rPr lang="pt-BR" b="0" dirty="0" err="1">
-                <a:solidFill>
-                  <a:srgbClr val="569CD6"/>
-                </a:solidFill>
-                <a:effectLst/>
-                <a:latin typeface="Consolas" panose="020B0609020204030204" pitchFamily="49" charset="0"/>
-              </a:rPr>
-              <a:t>nav</a:t>
-            </a:r>
-            <a:r>
-              <a:rPr lang="pt-BR" b="0" dirty="0">
-                <a:solidFill>
-                  <a:srgbClr val="808080"/>
-                </a:solidFill>
-                <a:effectLst/>
-                <a:latin typeface="Consolas" panose="020B0609020204030204" pitchFamily="49" charset="0"/>
-              </a:rPr>
-              <a:t>&gt; </a:t>
-            </a:r>
-            <a:r>
-              <a:rPr lang="pt-BR" dirty="0">
-                <a:solidFill>
-                  <a:srgbClr val="CE9178"/>
-                </a:solidFill>
-                <a:latin typeface="Consolas" panose="020B0609020204030204" pitchFamily="49" charset="0"/>
-              </a:rPr>
-              <a:t>Cria</a:t>
-            </a:r>
-            <a:r>
-              <a:rPr lang="pt-BR" b="0" dirty="0">
-                <a:solidFill>
-                  <a:srgbClr val="808080"/>
-                </a:solidFill>
-                <a:effectLst/>
-                <a:latin typeface="Consolas" panose="020B0609020204030204" pitchFamily="49" charset="0"/>
-              </a:rPr>
-              <a:t> </a:t>
-            </a:r>
-            <a:r>
-              <a:rPr lang="pt-BR" dirty="0">
-                <a:solidFill>
-                  <a:srgbClr val="CE9178"/>
-                </a:solidFill>
-                <a:latin typeface="Consolas" panose="020B0609020204030204" pitchFamily="49" charset="0"/>
-              </a:rPr>
-              <a:t>Menu de Navegação</a:t>
-            </a:r>
-          </a:p>
-          <a:p>
-            <a:r>
-              <a:rPr lang="pt-BR" b="0" dirty="0">
-                <a:solidFill>
-                  <a:srgbClr val="808080"/>
-                </a:solidFill>
-                <a:effectLst/>
-                <a:latin typeface="Consolas" panose="020B0609020204030204" pitchFamily="49" charset="0"/>
-              </a:rPr>
-              <a:t>&lt;</a:t>
-            </a:r>
-            <a:r>
-              <a:rPr lang="pt-BR" b="0" dirty="0" err="1">
-                <a:solidFill>
-                  <a:srgbClr val="569CD6"/>
-                </a:solidFill>
-                <a:effectLst/>
-                <a:latin typeface="Consolas" panose="020B0609020204030204" pitchFamily="49" charset="0"/>
-              </a:rPr>
-              <a:t>ul</a:t>
-            </a:r>
-            <a:r>
-              <a:rPr lang="pt-BR" b="0" dirty="0">
-                <a:solidFill>
-                  <a:srgbClr val="CCCCCC"/>
-                </a:solidFill>
-                <a:effectLst/>
-                <a:latin typeface="Consolas" panose="020B0609020204030204" pitchFamily="49" charset="0"/>
-              </a:rPr>
-              <a:t> </a:t>
-            </a:r>
-            <a:r>
-              <a:rPr lang="pt-BR" b="0" dirty="0" err="1">
-                <a:solidFill>
-                  <a:srgbClr val="9CDCFE"/>
-                </a:solidFill>
-                <a:effectLst/>
-                <a:latin typeface="Consolas" panose="020B0609020204030204" pitchFamily="49" charset="0"/>
-              </a:rPr>
-              <a:t>class</a:t>
-            </a:r>
-            <a:r>
-              <a:rPr lang="pt-BR" b="0" dirty="0">
-                <a:solidFill>
-                  <a:srgbClr val="CCCCCC"/>
-                </a:solidFill>
-                <a:effectLst/>
-                <a:latin typeface="Consolas" panose="020B0609020204030204" pitchFamily="49" charset="0"/>
-              </a:rPr>
-              <a:t>=</a:t>
-            </a:r>
-            <a:r>
-              <a:rPr lang="pt-BR" b="0" dirty="0">
-                <a:solidFill>
-                  <a:srgbClr val="CE9178"/>
-                </a:solidFill>
-                <a:effectLst/>
-                <a:latin typeface="Consolas" panose="020B0609020204030204" pitchFamily="49" charset="0"/>
-              </a:rPr>
-              <a:t>"menu"</a:t>
-            </a:r>
-            <a:r>
-              <a:rPr lang="pt-BR" b="0" dirty="0">
-                <a:solidFill>
-                  <a:srgbClr val="808080"/>
-                </a:solidFill>
-                <a:effectLst/>
-                <a:latin typeface="Consolas" panose="020B0609020204030204" pitchFamily="49" charset="0"/>
-              </a:rPr>
-              <a:t>&gt; </a:t>
-            </a:r>
-            <a:r>
-              <a:rPr lang="pt-BR" dirty="0">
-                <a:solidFill>
-                  <a:srgbClr val="CE9178"/>
-                </a:solidFill>
-                <a:latin typeface="Consolas" panose="020B0609020204030204" pitchFamily="49" charset="0"/>
-              </a:rPr>
-              <a:t>Cria uma lista ordenada </a:t>
-            </a:r>
-          </a:p>
-          <a:p>
-            <a:r>
-              <a:rPr lang="pt-BR" b="0" dirty="0">
-                <a:solidFill>
-                  <a:srgbClr val="808080"/>
-                </a:solidFill>
-                <a:effectLst/>
-                <a:latin typeface="Consolas" panose="020B0609020204030204" pitchFamily="49" charset="0"/>
-              </a:rPr>
-              <a:t>&lt;</a:t>
-            </a:r>
-            <a:r>
-              <a:rPr lang="pt-BR" b="0" dirty="0">
-                <a:solidFill>
-                  <a:srgbClr val="569CD6"/>
-                </a:solidFill>
-                <a:effectLst/>
-                <a:latin typeface="Consolas" panose="020B0609020204030204" pitchFamily="49" charset="0"/>
-              </a:rPr>
-              <a:t>li</a:t>
-            </a:r>
-            <a:r>
-              <a:rPr lang="pt-BR" b="0" dirty="0">
-                <a:solidFill>
-                  <a:srgbClr val="808080"/>
-                </a:solidFill>
-                <a:effectLst/>
-                <a:latin typeface="Consolas" panose="020B0609020204030204" pitchFamily="49" charset="0"/>
-              </a:rPr>
-              <a:t>&gt;&lt;</a:t>
-            </a:r>
-            <a:r>
-              <a:rPr lang="pt-BR" b="0" dirty="0">
-                <a:solidFill>
-                  <a:srgbClr val="569CD6"/>
-                </a:solidFill>
-                <a:effectLst/>
-                <a:latin typeface="Consolas" panose="020B0609020204030204" pitchFamily="49" charset="0"/>
-              </a:rPr>
-              <a:t>a</a:t>
-            </a:r>
-            <a:r>
-              <a:rPr lang="pt-BR" b="0" dirty="0">
-                <a:solidFill>
-                  <a:srgbClr val="CCCCCC"/>
-                </a:solidFill>
-                <a:effectLst/>
-                <a:latin typeface="Consolas" panose="020B0609020204030204" pitchFamily="49" charset="0"/>
-              </a:rPr>
-              <a:t> </a:t>
-            </a:r>
-            <a:r>
-              <a:rPr lang="pt-BR" b="0" dirty="0" err="1">
-                <a:solidFill>
-                  <a:srgbClr val="9CDCFE"/>
-                </a:solidFill>
-                <a:effectLst/>
-                <a:latin typeface="Consolas" panose="020B0609020204030204" pitchFamily="49" charset="0"/>
-              </a:rPr>
-              <a:t>href</a:t>
-            </a:r>
-            <a:r>
-              <a:rPr lang="pt-BR" b="0" dirty="0">
-                <a:solidFill>
-                  <a:srgbClr val="CCCCCC"/>
-                </a:solidFill>
-                <a:effectLst/>
-                <a:latin typeface="Consolas" panose="020B0609020204030204" pitchFamily="49" charset="0"/>
-              </a:rPr>
-              <a:t>=</a:t>
-            </a:r>
-            <a:r>
-              <a:rPr lang="pt-BR" b="0" dirty="0">
-                <a:solidFill>
-                  <a:srgbClr val="CE9178"/>
-                </a:solidFill>
-                <a:effectLst/>
-                <a:latin typeface="Consolas" panose="020B0609020204030204" pitchFamily="49" charset="0"/>
-              </a:rPr>
-              <a:t>"#home"</a:t>
-            </a:r>
-            <a:r>
-              <a:rPr lang="pt-BR" b="0" dirty="0">
-                <a:solidFill>
-                  <a:srgbClr val="808080"/>
-                </a:solidFill>
-                <a:effectLst/>
-                <a:latin typeface="Consolas" panose="020B0609020204030204" pitchFamily="49" charset="0"/>
-              </a:rPr>
-              <a:t>&gt;</a:t>
-            </a:r>
-            <a:r>
-              <a:rPr lang="pt-BR" b="0" dirty="0">
-                <a:solidFill>
-                  <a:srgbClr val="CCCCCC"/>
-                </a:solidFill>
-                <a:effectLst/>
-                <a:latin typeface="Consolas" panose="020B0609020204030204" pitchFamily="49" charset="0"/>
-              </a:rPr>
-              <a:t>Home</a:t>
-            </a:r>
-            <a:r>
-              <a:rPr lang="pt-BR" b="0" dirty="0">
-                <a:solidFill>
-                  <a:srgbClr val="808080"/>
-                </a:solidFill>
-                <a:effectLst/>
-                <a:latin typeface="Consolas" panose="020B0609020204030204" pitchFamily="49" charset="0"/>
-              </a:rPr>
-              <a:t>&lt;/</a:t>
-            </a:r>
-            <a:r>
-              <a:rPr lang="pt-BR" b="0" dirty="0">
-                <a:solidFill>
-                  <a:srgbClr val="569CD6"/>
-                </a:solidFill>
-                <a:effectLst/>
-                <a:latin typeface="Consolas" panose="020B0609020204030204" pitchFamily="49" charset="0"/>
-              </a:rPr>
-              <a:t>a</a:t>
-            </a:r>
-            <a:r>
-              <a:rPr lang="pt-BR" b="0" dirty="0">
-                <a:solidFill>
-                  <a:srgbClr val="808080"/>
-                </a:solidFill>
-                <a:effectLst/>
-                <a:latin typeface="Consolas" panose="020B0609020204030204" pitchFamily="49" charset="0"/>
-              </a:rPr>
-              <a:t>&gt;&lt;/</a:t>
-            </a:r>
-            <a:r>
-              <a:rPr lang="pt-BR" b="0" dirty="0">
-                <a:solidFill>
-                  <a:srgbClr val="569CD6"/>
-                </a:solidFill>
-                <a:effectLst/>
-                <a:latin typeface="Consolas" panose="020B0609020204030204" pitchFamily="49" charset="0"/>
-              </a:rPr>
-              <a:t>li</a:t>
-            </a:r>
-            <a:r>
-              <a:rPr lang="pt-BR" b="0" dirty="0">
-                <a:solidFill>
-                  <a:srgbClr val="808080"/>
-                </a:solidFill>
-                <a:effectLst/>
-                <a:latin typeface="Consolas" panose="020B0609020204030204" pitchFamily="49" charset="0"/>
-              </a:rPr>
-              <a:t>&gt; </a:t>
-            </a:r>
-            <a:r>
-              <a:rPr lang="pt-BR" dirty="0">
-                <a:solidFill>
-                  <a:srgbClr val="CE9178"/>
-                </a:solidFill>
-                <a:latin typeface="Consolas" panose="020B0609020204030204" pitchFamily="49" charset="0"/>
-              </a:rPr>
-              <a:t>Cria itens da lista</a:t>
-            </a:r>
-            <a:endParaRPr lang="pt-BR" dirty="0"/>
-          </a:p>
-          <a:p>
-            <a:endParaRPr lang="pt-BR" dirty="0"/>
-          </a:p>
-        </p:txBody>
-      </p:sp>
-      <p:sp>
-        <p:nvSpPr>
-          <p:cNvPr id="6" name="CaixaDeTexto 5">
+          <p:cNvPicPr>
+            <a:picLocks noChangeAspect="1" noChangeArrowheads="1"/>
+          </p:cNvPicPr>
+          <p:nvPr/>
+        </p:nvPicPr>
+        <p:blipFill>
+          <a:blip r:embed="rId2">
             <a:extLst>
-              <a:ext uri="{FF2B5EF4-FFF2-40B4-BE49-F238E27FC236}">
-                <a16:creationId xmlns:a16="http://schemas.microsoft.com/office/drawing/2014/main" id="{33B2F627-A823-E87C-FE3D-282B06D617B6}"/>
+              <a:ext uri="{BEBA8EAE-BF5A-486C-A8C5-ECC9F3942E4B}">
+                <a14:imgProps xmlns:a14="http://schemas.microsoft.com/office/drawing/2010/main">
+                  <a14:imgLayer r:embed="rId3">
+                    <a14:imgEffect>
+                      <a14:backgroundRemoval t="3324" b="95112" l="10000" r="90000">
+                        <a14:foregroundMark x1="22333" y1="11046" x2="22333" y2="11046"/>
+                        <a14:foregroundMark x1="30222" y1="12121" x2="30222" y2="12121"/>
+                        <a14:foregroundMark x1="27778" y1="12121" x2="27778" y2="12121"/>
+                        <a14:foregroundMark x1="40444" y1="10459" x2="40444" y2="10459"/>
+                        <a14:foregroundMark x1="43111" y1="8700" x2="43111" y2="8700"/>
+                        <a14:foregroundMark x1="41778" y1="12805" x2="41778" y2="12805"/>
+                        <a14:foregroundMark x1="59222" y1="11046" x2="59222" y2="11046"/>
+                        <a14:foregroundMark x1="54889" y1="12023" x2="54889" y2="12023"/>
+                        <a14:foregroundMark x1="51889" y1="14174" x2="51889" y2="14174"/>
+                        <a14:foregroundMark x1="62222" y1="13685" x2="62222" y2="13685"/>
+                        <a14:foregroundMark x1="61556" y1="8700" x2="61556" y2="8700"/>
+                        <a14:foregroundMark x1="51667" y1="9677" x2="51667" y2="9677"/>
+                        <a14:foregroundMark x1="53778" y1="9873" x2="53778" y2="9873"/>
+                        <a14:foregroundMark x1="46000" y1="8798" x2="46000" y2="8798"/>
+                        <a14:foregroundMark x1="67333" y1="9971" x2="67333" y2="9971"/>
+                        <a14:foregroundMark x1="69889" y1="16031" x2="69889" y2="16031"/>
+                        <a14:foregroundMark x1="74222" y1="16813" x2="74222" y2="16813"/>
+                        <a14:foregroundMark x1="68111" y1="13978" x2="68111" y2="13978"/>
+                        <a14:foregroundMark x1="68667" y1="8504" x2="68667" y2="8504"/>
+                        <a14:foregroundMark x1="61889" y1="11046" x2="61889" y2="11046"/>
+                        <a14:foregroundMark x1="62111" y1="16325" x2="62111" y2="16325"/>
+                        <a14:foregroundMark x1="52222" y1="13001" x2="52222" y2="13001"/>
+                        <a14:foregroundMark x1="57333" y1="13294" x2="57333" y2="13294"/>
+                        <a14:foregroundMark x1="52222" y1="16325" x2="52222" y2="16325"/>
+                        <a14:foregroundMark x1="41778" y1="15640" x2="41778" y2="15640"/>
+                        <a14:foregroundMark x1="37667" y1="8798" x2="37667" y2="8798"/>
+                        <a14:foregroundMark x1="39556" y1="8700" x2="39556" y2="8700"/>
+                        <a14:foregroundMark x1="30444" y1="9971" x2="30444" y2="9971"/>
+                        <a14:foregroundMark x1="32556" y1="15543" x2="32556" y2="15543"/>
+                      </a14:backgroundRemoval>
+                    </a14:imgEffect>
+                  </a14:imgLayer>
+                </a14:imgProps>
+              </a:ext>
+              <a:ext uri="{28A0092B-C50C-407E-A947-70E740481C1C}">
+                <a14:useLocalDpi xmlns:a14="http://schemas.microsoft.com/office/drawing/2010/main" val="0"/>
               </a:ext>
             </a:extLst>
-          </p:cNvPr>
-          <p:cNvSpPr txBox="1"/>
-          <p:nvPr/>
-        </p:nvSpPr>
-        <p:spPr>
+          </a:blip>
+          <a:srcRect/>
+          <a:stretch>
+            <a:fillRect/>
+          </a:stretch>
+        </p:blipFill>
+        <p:spPr bwMode="auto">
           <a:xfrm>
-            <a:off x="1354667" y="6211669"/>
-            <a:ext cx="11421533" cy="646331"/>
+            <a:off x="0" y="4952339"/>
+            <a:ext cx="1676717" cy="1905661"/>
           </a:xfrm>
           <a:prstGeom prst="rect">
             <a:avLst/>
           </a:prstGeom>
           <a:noFill/>
+          <a:extLst>
+            <a:ext uri="{909E8E84-426E-40DD-AFC4-6F175D3DCCD1}">
+              <a14:hiddenFill xmlns:a14="http://schemas.microsoft.com/office/drawing/2010/main">
+                <a:solidFill>
+                  <a:srgbClr val="FFFFFF"/>
+                </a:solidFill>
+              </a14:hiddenFill>
+            </a:ext>
+          </a:extLst>
         </p:spPr>
-        <p:txBody>
-          <a:bodyPr wrap="square">
-            <a:spAutoFit/>
-          </a:bodyPr>
-          <a:lstStyle/>
-          <a:p>
-            <a:r>
-              <a:rPr lang="pt-BR" dirty="0"/>
-              <a:t>Link especificações </a:t>
-            </a:r>
-            <a:r>
-              <a:rPr lang="pt-BR" dirty="0" err="1"/>
-              <a:t>rel</a:t>
-            </a:r>
-            <a:r>
-              <a:rPr lang="pt-BR" dirty="0"/>
-              <a:t> em link:</a:t>
-            </a:r>
-          </a:p>
-          <a:p>
-            <a:r>
-              <a:rPr lang="pt-BR" dirty="0"/>
-              <a:t>https://developers.google.com/search/docs/crawling-indexing/qualify-outbound-links?hl=pt-br</a:t>
-            </a:r>
-          </a:p>
-        </p:txBody>
-      </p:sp>
+      </p:pic>
     </p:spTree>
     <p:extLst>
       <p:ext uri="{BB962C8B-B14F-4D97-AF65-F5344CB8AC3E}">
-        <p14:creationId xmlns:p14="http://schemas.microsoft.com/office/powerpoint/2010/main" val="3667752622"/>
+        <p14:creationId xmlns:p14="http://schemas.microsoft.com/office/powerpoint/2010/main" val="3368242987"/>
       </p:ext>
     </p:extLst>
   </p:cSld>
@@ -7050,7 +6293,7 @@
 </p:sld>
 </file>
 
-<file path=ppt/slides/slide11.xml><?xml version="1.0" encoding="utf-8"?>
+<file path=ppt/slides/slide3.xml><?xml version="1.0" encoding="utf-8"?>
 <p:sld xmlns:a="http://schemas.openxmlformats.org/drawingml/2006/main" xmlns:r="http://schemas.openxmlformats.org/officeDocument/2006/relationships" xmlns:p="http://schemas.openxmlformats.org/presentationml/2006/main">
   <p:cSld>
     <p:spTree>
@@ -7067,12 +6310,380 @@
           <a:chExt cx="0" cy="0"/>
         </a:xfrm>
       </p:grpSpPr>
-      <p:sp>
-        <p:nvSpPr>
-          <p:cNvPr id="4" name="Retângulo 3">
+      <p:pic>
+        <p:nvPicPr>
+          <p:cNvPr id="3" name="Imagem 2">
             <a:extLst>
               <a:ext uri="{FF2B5EF4-FFF2-40B4-BE49-F238E27FC236}">
-                <a16:creationId xmlns:a16="http://schemas.microsoft.com/office/drawing/2014/main" id="{EA0E46D5-C427-2231-6072-F05B6C7E4BBF}"/>
+                <a16:creationId xmlns:a16="http://schemas.microsoft.com/office/drawing/2014/main" id="{9167F38F-23A8-1D76-87C7-BFB66EB8F033}"/>
+              </a:ext>
+            </a:extLst>
+          </p:cNvPr>
+          <p:cNvPicPr>
+            <a:picLocks noChangeAspect="1"/>
+          </p:cNvPicPr>
+          <p:nvPr/>
+        </p:nvPicPr>
+        <p:blipFill>
+          <a:blip r:embed="rId2"/>
+          <a:stretch>
+            <a:fillRect/>
+          </a:stretch>
+        </p:blipFill>
+        <p:spPr>
+          <a:xfrm>
+            <a:off x="0" y="0"/>
+            <a:ext cx="12192000" cy="6858000"/>
+          </a:xfrm>
+          <a:prstGeom prst="rect">
+            <a:avLst/>
+          </a:prstGeom>
+        </p:spPr>
+      </p:pic>
+    </p:spTree>
+    <p:extLst>
+      <p:ext uri="{BB962C8B-B14F-4D97-AF65-F5344CB8AC3E}">
+        <p14:creationId xmlns:p14="http://schemas.microsoft.com/office/powerpoint/2010/main" val="3499129630"/>
+      </p:ext>
+    </p:extLst>
+  </p:cSld>
+  <p:clrMapOvr>
+    <a:masterClrMapping/>
+  </p:clrMapOvr>
+</p:sld>
+</file>
+
+<file path=ppt/slides/slide4.xml><?xml version="1.0" encoding="utf-8"?>
+<p:sld xmlns:a="http://schemas.openxmlformats.org/drawingml/2006/main" xmlns:r="http://schemas.openxmlformats.org/officeDocument/2006/relationships" xmlns:p="http://schemas.openxmlformats.org/presentationml/2006/main">
+  <p:cSld>
+    <p:spTree>
+      <p:nvGrpSpPr>
+        <p:cNvPr id="1" name=""/>
+        <p:cNvGrpSpPr/>
+        <p:nvPr/>
+      </p:nvGrpSpPr>
+      <p:grpSpPr>
+        <a:xfrm>
+          <a:off x="0" y="0"/>
+          <a:ext cx="0" cy="0"/>
+          <a:chOff x="0" y="0"/>
+          <a:chExt cx="0" cy="0"/>
+        </a:xfrm>
+      </p:grpSpPr>
+      <p:pic>
+        <p:nvPicPr>
+          <p:cNvPr id="2050" name="Picture 2" descr="Como o HTML5 Semântico ajuda o tráfego do seu site | Daniel Digital">
+            <a:extLst>
+              <a:ext uri="{FF2B5EF4-FFF2-40B4-BE49-F238E27FC236}">
+                <a16:creationId xmlns:a16="http://schemas.microsoft.com/office/drawing/2014/main" id="{AD16A159-6BF7-01DF-0030-61431ABDE068}"/>
+              </a:ext>
+            </a:extLst>
+          </p:cNvPr>
+          <p:cNvPicPr>
+            <a:picLocks noChangeAspect="1" noChangeArrowheads="1"/>
+          </p:cNvPicPr>
+          <p:nvPr/>
+        </p:nvPicPr>
+        <p:blipFill>
+          <a:blip r:embed="rId2">
+            <a:extLst>
+              <a:ext uri="{28A0092B-C50C-407E-A947-70E740481C1C}">
+                <a14:useLocalDpi xmlns:a14="http://schemas.microsoft.com/office/drawing/2010/main" val="0"/>
+              </a:ext>
+            </a:extLst>
+          </a:blip>
+          <a:srcRect/>
+          <a:stretch>
+            <a:fillRect/>
+          </a:stretch>
+        </p:blipFill>
+        <p:spPr bwMode="auto">
+          <a:xfrm>
+            <a:off x="0" y="0"/>
+            <a:ext cx="12192000" cy="6858000"/>
+          </a:xfrm>
+          <a:prstGeom prst="rect">
+            <a:avLst/>
+          </a:prstGeom>
+          <a:noFill/>
+          <a:extLst>
+            <a:ext uri="{909E8E84-426E-40DD-AFC4-6F175D3DCCD1}">
+              <a14:hiddenFill xmlns:a14="http://schemas.microsoft.com/office/drawing/2010/main">
+                <a:solidFill>
+                  <a:srgbClr val="FFFFFF"/>
+                </a:solidFill>
+              </a14:hiddenFill>
+            </a:ext>
+          </a:extLst>
+        </p:spPr>
+      </p:pic>
+    </p:spTree>
+    <p:extLst>
+      <p:ext uri="{BB962C8B-B14F-4D97-AF65-F5344CB8AC3E}">
+        <p14:creationId xmlns:p14="http://schemas.microsoft.com/office/powerpoint/2010/main" val="2173383904"/>
+      </p:ext>
+    </p:extLst>
+  </p:cSld>
+  <p:clrMapOvr>
+    <a:masterClrMapping/>
+  </p:clrMapOvr>
+</p:sld>
+</file>
+
+<file path=ppt/slides/slide5.xml><?xml version="1.0" encoding="utf-8"?>
+<p:sld xmlns:a="http://schemas.openxmlformats.org/drawingml/2006/main" xmlns:r="http://schemas.openxmlformats.org/officeDocument/2006/relationships" xmlns:p="http://schemas.openxmlformats.org/presentationml/2006/main">
+  <p:cSld>
+    <p:spTree>
+      <p:nvGrpSpPr>
+        <p:cNvPr id="1" name=""/>
+        <p:cNvGrpSpPr/>
+        <p:nvPr/>
+      </p:nvGrpSpPr>
+      <p:grpSpPr>
+        <a:xfrm>
+          <a:off x="0" y="0"/>
+          <a:ext cx="0" cy="0"/>
+          <a:chOff x="0" y="0"/>
+          <a:chExt cx="0" cy="0"/>
+        </a:xfrm>
+      </p:grpSpPr>
+      <p:sp>
+        <p:nvSpPr>
+          <p:cNvPr id="2" name="Título 1">
+            <a:extLst>
+              <a:ext uri="{FF2B5EF4-FFF2-40B4-BE49-F238E27FC236}">
+                <a16:creationId xmlns:a16="http://schemas.microsoft.com/office/drawing/2014/main" id="{8A74411B-B5D4-4285-7C39-DCD053484824}"/>
+              </a:ext>
+            </a:extLst>
+          </p:cNvPr>
+          <p:cNvSpPr>
+            <a:spLocks noGrp="1"/>
+          </p:cNvSpPr>
+          <p:nvPr>
+            <p:ph type="title"/>
+          </p:nvPr>
+        </p:nvSpPr>
+        <p:spPr/>
+        <p:txBody>
+          <a:bodyPr/>
+          <a:lstStyle/>
+          <a:p>
+            <a:r>
+              <a:rPr lang="pt-BR" dirty="0"/>
+              <a:t>Estrutura HTML 5</a:t>
+            </a:r>
+          </a:p>
+        </p:txBody>
+      </p:sp>
+      <p:sp>
+        <p:nvSpPr>
+          <p:cNvPr id="3" name="Espaço Reservado para Conteúdo 2">
+            <a:extLst>
+              <a:ext uri="{FF2B5EF4-FFF2-40B4-BE49-F238E27FC236}">
+                <a16:creationId xmlns:a16="http://schemas.microsoft.com/office/drawing/2014/main" id="{C12D7085-4C92-EF10-2661-5B929DFF4C71}"/>
+              </a:ext>
+            </a:extLst>
+          </p:cNvPr>
+          <p:cNvSpPr>
+            <a:spLocks noGrp="1"/>
+          </p:cNvSpPr>
+          <p:nvPr>
+            <p:ph idx="1"/>
+          </p:nvPr>
+        </p:nvSpPr>
+        <p:spPr>
+          <a:xfrm>
+            <a:off x="818712" y="2607733"/>
+            <a:ext cx="11170088" cy="3803079"/>
+          </a:xfrm>
+        </p:spPr>
+        <p:txBody>
+          <a:bodyPr>
+            <a:normAutofit/>
+          </a:bodyPr>
+          <a:lstStyle/>
+          <a:p>
+            <a:r>
+              <a:rPr lang="pt-BR" sz="2400" b="0" dirty="0">
+                <a:solidFill>
+                  <a:srgbClr val="808080"/>
+                </a:solidFill>
+                <a:effectLst/>
+                <a:latin typeface="Consolas" panose="020B0609020204030204" pitchFamily="49" charset="0"/>
+              </a:rPr>
+              <a:t>&lt;</a:t>
+            </a:r>
+            <a:r>
+              <a:rPr lang="pt-BR" sz="2400" b="0" dirty="0">
+                <a:solidFill>
+                  <a:srgbClr val="569CD6"/>
+                </a:solidFill>
+                <a:effectLst/>
+                <a:latin typeface="Consolas" panose="020B0609020204030204" pitchFamily="49" charset="0"/>
+              </a:rPr>
+              <a:t>header</a:t>
+            </a:r>
+            <a:r>
+              <a:rPr lang="pt-BR" sz="2400" b="0" dirty="0">
+                <a:solidFill>
+                  <a:srgbClr val="808080"/>
+                </a:solidFill>
+                <a:effectLst/>
+                <a:latin typeface="Consolas" panose="020B0609020204030204" pitchFamily="49" charset="0"/>
+              </a:rPr>
+              <a:t>&gt; Cabeçalho da página com a navegação principal</a:t>
+            </a:r>
+          </a:p>
+          <a:p>
+            <a:r>
+              <a:rPr lang="pt-BR" sz="2400" b="0" dirty="0">
+                <a:solidFill>
+                  <a:srgbClr val="808080"/>
+                </a:solidFill>
+                <a:effectLst/>
+                <a:latin typeface="Consolas" panose="020B0609020204030204" pitchFamily="49" charset="0"/>
+              </a:rPr>
+              <a:t>&lt;</a:t>
+            </a:r>
+            <a:r>
+              <a:rPr lang="pt-BR" sz="2400" b="0" dirty="0" err="1">
+                <a:solidFill>
+                  <a:srgbClr val="569CD6"/>
+                </a:solidFill>
+                <a:effectLst/>
+                <a:latin typeface="Consolas" panose="020B0609020204030204" pitchFamily="49" charset="0"/>
+              </a:rPr>
+              <a:t>main</a:t>
+            </a:r>
+            <a:r>
+              <a:rPr lang="pt-BR" sz="2400" b="0" dirty="0">
+                <a:solidFill>
+                  <a:srgbClr val="808080"/>
+                </a:solidFill>
+                <a:effectLst/>
+                <a:latin typeface="Consolas" panose="020B0609020204030204" pitchFamily="49" charset="0"/>
+              </a:rPr>
+              <a:t>&gt; Conteúdo principal da página</a:t>
+            </a:r>
+          </a:p>
+          <a:p>
+            <a:r>
+              <a:rPr lang="pt-BR" sz="2400" b="0" dirty="0">
+                <a:solidFill>
+                  <a:srgbClr val="808080"/>
+                </a:solidFill>
+                <a:effectLst/>
+                <a:latin typeface="Consolas" panose="020B0609020204030204" pitchFamily="49" charset="0"/>
+              </a:rPr>
+              <a:t>&lt;</a:t>
+            </a:r>
+            <a:r>
+              <a:rPr lang="pt-BR" sz="2400" b="0" dirty="0" err="1">
+                <a:solidFill>
+                  <a:srgbClr val="569CD6"/>
+                </a:solidFill>
+                <a:effectLst/>
+                <a:latin typeface="Consolas" panose="020B0609020204030204" pitchFamily="49" charset="0"/>
+              </a:rPr>
+              <a:t>section</a:t>
+            </a:r>
+            <a:r>
+              <a:rPr lang="pt-BR" sz="2400" b="0" dirty="0">
+                <a:solidFill>
+                  <a:srgbClr val="569CD6"/>
+                </a:solidFill>
+                <a:effectLst/>
+                <a:latin typeface="Consolas" panose="020B0609020204030204" pitchFamily="49" charset="0"/>
+              </a:rPr>
+              <a:t>&gt; </a:t>
+            </a:r>
+            <a:r>
+              <a:rPr lang="pt-BR" sz="2400" dirty="0">
+                <a:solidFill>
+                  <a:srgbClr val="808080"/>
+                </a:solidFill>
+                <a:latin typeface="Consolas" panose="020B0609020204030204" pitchFamily="49" charset="0"/>
+              </a:rPr>
+              <a:t>Seção de introdução</a:t>
+            </a:r>
+          </a:p>
+          <a:p>
+            <a:r>
+              <a:rPr lang="pt-BR" sz="2400" b="0" dirty="0">
+                <a:solidFill>
+                  <a:srgbClr val="808080"/>
+                </a:solidFill>
+                <a:effectLst/>
+                <a:latin typeface="Consolas" panose="020B0609020204030204" pitchFamily="49" charset="0"/>
+              </a:rPr>
+              <a:t>&lt;</a:t>
+            </a:r>
+            <a:r>
+              <a:rPr lang="pt-BR" sz="2400" b="0" dirty="0" err="1">
+                <a:solidFill>
+                  <a:srgbClr val="569CD6"/>
+                </a:solidFill>
+                <a:effectLst/>
+                <a:latin typeface="Consolas" panose="020B0609020204030204" pitchFamily="49" charset="0"/>
+              </a:rPr>
+              <a:t>article</a:t>
+            </a:r>
+            <a:r>
+              <a:rPr lang="pt-BR" sz="2400" b="0" dirty="0">
+                <a:solidFill>
+                  <a:srgbClr val="808080"/>
+                </a:solidFill>
+                <a:effectLst/>
+                <a:latin typeface="Consolas" panose="020B0609020204030204" pitchFamily="49" charset="0"/>
+              </a:rPr>
+              <a:t>&gt; Conteúdo independente e autossuficiente no documento</a:t>
+            </a:r>
+            <a:endParaRPr lang="pt-BR" sz="2400" b="0" dirty="0">
+              <a:solidFill>
+                <a:srgbClr val="CCCCCC"/>
+              </a:solidFill>
+              <a:effectLst/>
+              <a:latin typeface="Consolas" panose="020B0609020204030204" pitchFamily="49" charset="0"/>
+            </a:endParaRPr>
+          </a:p>
+        </p:txBody>
+      </p:sp>
+    </p:spTree>
+    <p:extLst>
+      <p:ext uri="{BB962C8B-B14F-4D97-AF65-F5344CB8AC3E}">
+        <p14:creationId xmlns:p14="http://schemas.microsoft.com/office/powerpoint/2010/main" val="3815438511"/>
+      </p:ext>
+    </p:extLst>
+  </p:cSld>
+  <p:clrMapOvr>
+    <a:masterClrMapping/>
+  </p:clrMapOvr>
+</p:sld>
+</file>
+
+<file path=ppt/slides/slide6.xml><?xml version="1.0" encoding="utf-8"?>
+<p:sld xmlns:a="http://schemas.openxmlformats.org/drawingml/2006/main" xmlns:r="http://schemas.openxmlformats.org/officeDocument/2006/relationships" xmlns:p="http://schemas.openxmlformats.org/presentationml/2006/main">
+  <p:cSld>
+    <p:spTree>
+      <p:nvGrpSpPr>
+        <p:cNvPr id="1" name=""/>
+        <p:cNvGrpSpPr/>
+        <p:nvPr/>
+      </p:nvGrpSpPr>
+      <p:grpSpPr>
+        <a:xfrm>
+          <a:off x="0" y="0"/>
+          <a:ext cx="0" cy="0"/>
+          <a:chOff x="0" y="0"/>
+          <a:chExt cx="0" cy="0"/>
+        </a:xfrm>
+      </p:grpSpPr>
+      <p:sp>
+        <p:nvSpPr>
+          <p:cNvPr id="2" name="Retângulo 1">
+            <a:extLst>
+              <a:ext uri="{FF2B5EF4-FFF2-40B4-BE49-F238E27FC236}">
+                <a16:creationId xmlns:a16="http://schemas.microsoft.com/office/drawing/2014/main" id="{19524584-76D6-EF60-D235-5A78A6B9EC15}"/>
               </a:ext>
             </a:extLst>
           </p:cNvPr>
@@ -7081,7 +6692,7 @@
         </p:nvSpPr>
         <p:spPr>
           <a:xfrm>
-            <a:off x="199350" y="212846"/>
+            <a:off x="146756" y="145113"/>
             <a:ext cx="3845925" cy="923330"/>
           </a:xfrm>
           <a:prstGeom prst="rect">
@@ -7115,17 +6726,17 @@
                   </a:outerShdw>
                 </a:effectLst>
               </a:rPr>
-              <a:t>Exercício 5</a:t>
-            </a:r>
-          </a:p>
-        </p:txBody>
-      </p:sp>
-      <p:sp>
-        <p:nvSpPr>
-          <p:cNvPr id="5" name="Espaço Reservado para Conteúdo 2">
+              <a:t>Exercício 6</a:t>
+            </a:r>
+          </a:p>
+        </p:txBody>
+      </p:sp>
+      <p:sp>
+        <p:nvSpPr>
+          <p:cNvPr id="3" name="Espaço Reservado para Conteúdo 2">
             <a:extLst>
               <a:ext uri="{FF2B5EF4-FFF2-40B4-BE49-F238E27FC236}">
-                <a16:creationId xmlns:a16="http://schemas.microsoft.com/office/drawing/2014/main" id="{E5AC051A-DFD9-6193-3127-2A5C308D2BB0}"/>
+                <a16:creationId xmlns:a16="http://schemas.microsoft.com/office/drawing/2014/main" id="{996A52A8-404D-CE16-0CC5-C5D5821B4B52}"/>
               </a:ext>
             </a:extLst>
           </p:cNvPr>
@@ -7136,15 +6747,17 @@
         </p:nvSpPr>
         <p:spPr>
           <a:xfrm>
-            <a:off x="818712" y="2222287"/>
-            <a:ext cx="10554574" cy="3636511"/>
+            <a:off x="299423" y="1411111"/>
+            <a:ext cx="11170088" cy="3803079"/>
           </a:xfrm>
           <a:prstGeom prst="rect">
             <a:avLst/>
           </a:prstGeom>
         </p:spPr>
         <p:txBody>
-          <a:bodyPr/>
+          <a:bodyPr>
+            <a:normAutofit/>
+          </a:bodyPr>
           <a:lstStyle>
             <a:lvl1pPr marL="342900" indent="-342900" algn="l" defTabSz="457200" rtl="0" eaLnBrk="1" latinLnBrk="0" hangingPunct="1">
               <a:spcBef>
@@ -7337,4003 +6950,94 @@
             </a:lvl9pPr>
           </a:lstStyle>
           <a:p>
-            <a:pPr>
-              <a:buFont typeface="+mj-lt"/>
-              <a:buAutoNum type="arabicPeriod"/>
+            <a:r>
+              <a:rPr lang="pt-BR" sz="2400" dirty="0">
+                <a:latin typeface="Consolas" panose="020B0609020204030204" pitchFamily="49" charset="0"/>
+              </a:rPr>
+              <a:t>Crie um HTML com a estrutura semântica.</a:t>
+            </a:r>
+          </a:p>
+          <a:p>
+            <a:r>
+              <a:rPr lang="pt-BR" sz="2400" dirty="0">
+                <a:latin typeface="Consolas" panose="020B0609020204030204" pitchFamily="49" charset="0"/>
+              </a:rPr>
+              <a:t>Header</a:t>
+            </a:r>
+          </a:p>
+          <a:p>
+            <a:r>
+              <a:rPr lang="pt-BR" sz="2400" dirty="0" err="1">
+                <a:latin typeface="Consolas" panose="020B0609020204030204" pitchFamily="49" charset="0"/>
+              </a:rPr>
+              <a:t>Main</a:t>
+            </a:r>
+            <a:endParaRPr lang="pt-BR" sz="2400" dirty="0">
+              <a:latin typeface="Consolas" panose="020B0609020204030204" pitchFamily="49" charset="0"/>
+            </a:endParaRPr>
+          </a:p>
+          <a:p>
+            <a:r>
+              <a:rPr lang="pt-BR" sz="2400" dirty="0" err="1">
+                <a:latin typeface="Consolas" panose="020B0609020204030204" pitchFamily="49" charset="0"/>
+              </a:rPr>
+              <a:t>Section</a:t>
+            </a:r>
+            <a:endParaRPr lang="pt-BR" sz="2400" dirty="0">
+              <a:latin typeface="Consolas" panose="020B0609020204030204" pitchFamily="49" charset="0"/>
+            </a:endParaRPr>
+          </a:p>
+          <a:p>
+            <a:r>
+              <a:rPr lang="pt-BR" sz="2400" dirty="0" err="1">
+                <a:latin typeface="Consolas" panose="020B0609020204030204" pitchFamily="49" charset="0"/>
+              </a:rPr>
+              <a:t>Footer</a:t>
+            </a:r>
+            <a:endParaRPr lang="pt-BR" sz="2400" dirty="0">
+              <a:latin typeface="Consolas" panose="020B0609020204030204" pitchFamily="49" charset="0"/>
+            </a:endParaRPr>
+          </a:p>
+          <a:p>
+            <a:r>
+              <a:rPr lang="pt-BR" sz="2400" dirty="0">
+                <a:latin typeface="Consolas" panose="020B0609020204030204" pitchFamily="49" charset="0"/>
+              </a:rPr>
+              <a:t>Desenhe a borda em </a:t>
+            </a:r>
+            <a:r>
+              <a:rPr lang="pt-BR" sz="2400" dirty="0" err="1">
+                <a:latin typeface="Consolas" panose="020B0609020204030204" pitchFamily="49" charset="0"/>
+              </a:rPr>
+              <a:t>css</a:t>
+            </a:r>
+            <a:r>
+              <a:rPr lang="pt-BR" sz="2400">
+                <a:latin typeface="Consolas" panose="020B0609020204030204" pitchFamily="49" charset="0"/>
+              </a:rPr>
+              <a:t> neles</a:t>
+            </a:r>
+            <a:endParaRPr lang="pt-BR" sz="2400" dirty="0">
+              <a:latin typeface="Consolas" panose="020B0609020204030204" pitchFamily="49" charset="0"/>
+            </a:endParaRPr>
+          </a:p>
+          <a:p>
+            <a:pPr marL="0" indent="0">
+              <a:buNone/>
             </a:pPr>
-            <a:r>
-              <a:rPr lang="pt-BR" dirty="0"/>
-              <a:t>Criar Html.</a:t>
-            </a:r>
-          </a:p>
-          <a:p>
-            <a:pPr>
-              <a:buFont typeface="+mj-lt"/>
-              <a:buAutoNum type="arabicPeriod"/>
-            </a:pPr>
-            <a:r>
-              <a:rPr lang="pt-BR" dirty="0"/>
-              <a:t> Menu de navegação para os exercícios anteriores</a:t>
-            </a:r>
-          </a:p>
-          <a:p>
-            <a:pPr>
-              <a:buFont typeface="+mj-lt"/>
-              <a:buAutoNum type="arabicPeriod"/>
-            </a:pPr>
-            <a:r>
-              <a:rPr lang="pt-BR" dirty="0"/>
-              <a:t>Colocar uma imagem do nosso curso de HTML</a:t>
-            </a:r>
-          </a:p>
-          <a:p>
-            <a:pPr>
-              <a:buFont typeface="+mj-lt"/>
-              <a:buAutoNum type="arabicPeriod"/>
-            </a:pPr>
-            <a:r>
-              <a:rPr lang="pt-BR" dirty="0"/>
-              <a:t>Coloque uma imagem dentro de uma DIV</a:t>
-            </a:r>
-          </a:p>
-          <a:p>
-            <a:pPr>
-              <a:buFont typeface="+mj-lt"/>
-              <a:buAutoNum type="arabicPeriod"/>
-            </a:pPr>
-            <a:r>
-              <a:rPr lang="pt-BR" dirty="0"/>
-              <a:t>Alinhe a imagem no centro utilizando CSS</a:t>
-            </a:r>
-          </a:p>
-          <a:p>
-            <a:pPr>
-              <a:buFont typeface="+mj-lt"/>
-              <a:buAutoNum type="arabicPeriod"/>
-            </a:pPr>
-            <a:r>
-              <a:rPr lang="pt-BR" dirty="0"/>
-              <a:t>No texto coloque uma palavra em negrito uma em itálico e uma sublinhada</a:t>
-            </a:r>
+            <a:endParaRPr lang="pt-BR" sz="2400" dirty="0">
+              <a:solidFill>
+                <a:srgbClr val="CCCCCC"/>
+              </a:solidFill>
+              <a:latin typeface="Consolas" panose="020B0609020204030204" pitchFamily="49" charset="0"/>
+            </a:endParaRPr>
           </a:p>
         </p:txBody>
       </p:sp>
     </p:spTree>
     <p:extLst>
       <p:ext uri="{BB962C8B-B14F-4D97-AF65-F5344CB8AC3E}">
-        <p14:creationId xmlns:p14="http://schemas.microsoft.com/office/powerpoint/2010/main" val="1503129488"/>
-      </p:ext>
-    </p:extLst>
-  </p:cSld>
-  <p:clrMapOvr>
-    <a:masterClrMapping/>
-  </p:clrMapOvr>
-</p:sld>
-</file>
-
-<file path=ppt/slides/slide12.xml><?xml version="1.0" encoding="utf-8"?>
-<p:sld xmlns:a="http://schemas.openxmlformats.org/drawingml/2006/main" xmlns:r="http://schemas.openxmlformats.org/officeDocument/2006/relationships" xmlns:p="http://schemas.openxmlformats.org/presentationml/2006/main">
-  <p:cSld>
-    <p:spTree>
-      <p:nvGrpSpPr>
-        <p:cNvPr id="1" name=""/>
-        <p:cNvGrpSpPr/>
-        <p:nvPr/>
-      </p:nvGrpSpPr>
-      <p:grpSpPr>
-        <a:xfrm>
-          <a:off x="0" y="0"/>
-          <a:ext cx="0" cy="0"/>
-          <a:chOff x="0" y="0"/>
-          <a:chExt cx="0" cy="0"/>
-        </a:xfrm>
-      </p:grpSpPr>
-      <p:sp>
-        <p:nvSpPr>
-          <p:cNvPr id="2" name="Título 1">
-            <a:extLst>
-              <a:ext uri="{FF2B5EF4-FFF2-40B4-BE49-F238E27FC236}">
-                <a16:creationId xmlns:a16="http://schemas.microsoft.com/office/drawing/2014/main" id="{77B0DA7F-57B1-F592-D43B-1373F64C1DF4}"/>
-              </a:ext>
-            </a:extLst>
-          </p:cNvPr>
-          <p:cNvSpPr>
-            <a:spLocks noGrp="1"/>
-          </p:cNvSpPr>
-          <p:nvPr>
-            <p:ph type="title"/>
-          </p:nvPr>
-        </p:nvSpPr>
-        <p:spPr/>
-        <p:txBody>
-          <a:bodyPr/>
-          <a:lstStyle/>
-          <a:p>
-            <a:r>
-              <a:rPr lang="pt-BR" dirty="0"/>
-              <a:t>Link </a:t>
-            </a:r>
-            <a:r>
-              <a:rPr lang="pt-BR" dirty="0" err="1"/>
-              <a:t>Tags</a:t>
-            </a:r>
-            <a:r>
-              <a:rPr lang="pt-BR" dirty="0"/>
-              <a:t> HTML</a:t>
-            </a:r>
-          </a:p>
-        </p:txBody>
-      </p:sp>
-      <p:sp>
-        <p:nvSpPr>
-          <p:cNvPr id="4" name="CaixaDeTexto 3">
-            <a:extLst>
-              <a:ext uri="{FF2B5EF4-FFF2-40B4-BE49-F238E27FC236}">
-                <a16:creationId xmlns:a16="http://schemas.microsoft.com/office/drawing/2014/main" id="{96531478-BFF2-94DA-334E-ECC7F1F632F3}"/>
-              </a:ext>
-            </a:extLst>
-          </p:cNvPr>
-          <p:cNvSpPr txBox="1"/>
-          <p:nvPr/>
-        </p:nvSpPr>
-        <p:spPr>
-          <a:xfrm>
-            <a:off x="1152173" y="2675467"/>
-            <a:ext cx="9887654" cy="707886"/>
-          </a:xfrm>
-          <a:prstGeom prst="rect">
-            <a:avLst/>
-          </a:prstGeom>
-          <a:noFill/>
-        </p:spPr>
-        <p:txBody>
-          <a:bodyPr wrap="square">
-            <a:spAutoFit/>
-          </a:bodyPr>
-          <a:lstStyle/>
-          <a:p>
-            <a:r>
-              <a:rPr lang="pt-BR" sz="2000" b="1" dirty="0" err="1"/>
-              <a:t>Tags</a:t>
-            </a:r>
-            <a:r>
-              <a:rPr lang="pt-BR" sz="2000" b="1" dirty="0"/>
-              <a:t>:</a:t>
-            </a:r>
-          </a:p>
-          <a:p>
-            <a:r>
-              <a:rPr lang="pt-BR" sz="2000" b="1" dirty="0"/>
-              <a:t>https://developer.mozilla.org/pt-BR/docs/Web/HTML/Element</a:t>
-            </a:r>
-          </a:p>
-        </p:txBody>
-      </p:sp>
-      <p:sp>
-        <p:nvSpPr>
-          <p:cNvPr id="6" name="CaixaDeTexto 5">
-            <a:extLst>
-              <a:ext uri="{FF2B5EF4-FFF2-40B4-BE49-F238E27FC236}">
-                <a16:creationId xmlns:a16="http://schemas.microsoft.com/office/drawing/2014/main" id="{D66AFE3C-65A7-E6B1-ED7D-C57A8678D86F}"/>
-              </a:ext>
-            </a:extLst>
-          </p:cNvPr>
-          <p:cNvSpPr txBox="1"/>
-          <p:nvPr/>
-        </p:nvSpPr>
-        <p:spPr>
-          <a:xfrm>
-            <a:off x="1152173" y="3782424"/>
-            <a:ext cx="10735027" cy="1015663"/>
-          </a:xfrm>
-          <a:prstGeom prst="rect">
-            <a:avLst/>
-          </a:prstGeom>
-          <a:noFill/>
-        </p:spPr>
-        <p:txBody>
-          <a:bodyPr wrap="square">
-            <a:spAutoFit/>
-          </a:bodyPr>
-          <a:lstStyle/>
-          <a:p>
-            <a:r>
-              <a:rPr lang="pt-BR" sz="2000" b="1" dirty="0"/>
-              <a:t>Estruturas:</a:t>
-            </a:r>
-          </a:p>
-          <a:p>
-            <a:r>
-              <a:rPr lang="pt-BR" sz="2000" b="1" dirty="0"/>
-              <a:t>https://developer.mozilla.org/pt-BR/search?q=Sections%20and%20Outlines%20of%20an%20HTML5%20document</a:t>
-            </a:r>
-          </a:p>
-        </p:txBody>
-      </p:sp>
-    </p:spTree>
-    <p:extLst>
-      <p:ext uri="{BB962C8B-B14F-4D97-AF65-F5344CB8AC3E}">
-        <p14:creationId xmlns:p14="http://schemas.microsoft.com/office/powerpoint/2010/main" val="1621874732"/>
-      </p:ext>
-    </p:extLst>
-  </p:cSld>
-  <p:clrMapOvr>
-    <a:masterClrMapping/>
-  </p:clrMapOvr>
-</p:sld>
-</file>
-
-<file path=ppt/slides/slide2.xml><?xml version="1.0" encoding="utf-8"?>
-<p:sld xmlns:a="http://schemas.openxmlformats.org/drawingml/2006/main" xmlns:r="http://schemas.openxmlformats.org/officeDocument/2006/relationships" xmlns:p="http://schemas.openxmlformats.org/presentationml/2006/main">
-  <p:cSld>
-    <p:spTree>
-      <p:nvGrpSpPr>
-        <p:cNvPr id="1" name=""/>
-        <p:cNvGrpSpPr/>
-        <p:nvPr/>
-      </p:nvGrpSpPr>
-      <p:grpSpPr>
-        <a:xfrm>
-          <a:off x="0" y="0"/>
-          <a:ext cx="0" cy="0"/>
-          <a:chOff x="0" y="0"/>
-          <a:chExt cx="0" cy="0"/>
-        </a:xfrm>
-      </p:grpSpPr>
-      <p:sp>
-        <p:nvSpPr>
-          <p:cNvPr id="2" name="Título 1">
-            <a:extLst>
-              <a:ext uri="{FF2B5EF4-FFF2-40B4-BE49-F238E27FC236}">
-                <a16:creationId xmlns:a16="http://schemas.microsoft.com/office/drawing/2014/main" id="{C7E3F66C-3E58-FA1A-CC60-111D2EA0E710}"/>
-              </a:ext>
-            </a:extLst>
-          </p:cNvPr>
-          <p:cNvSpPr>
-            <a:spLocks noGrp="1"/>
-          </p:cNvSpPr>
-          <p:nvPr>
-            <p:ph type="title"/>
-          </p:nvPr>
-        </p:nvSpPr>
-        <p:spPr/>
-        <p:txBody>
-          <a:bodyPr/>
-          <a:lstStyle/>
-          <a:p>
-            <a:r>
-              <a:rPr lang="pt-BR" dirty="0" err="1"/>
-              <a:t>Tags</a:t>
-            </a:r>
-            <a:r>
-              <a:rPr lang="pt-BR" dirty="0"/>
-              <a:t> - Títulos e Subtítulos</a:t>
-            </a:r>
-          </a:p>
-        </p:txBody>
-      </p:sp>
-      <p:pic>
-        <p:nvPicPr>
-          <p:cNvPr id="1026" name="Picture 2" descr="Html png images | PNGEgg">
-            <a:extLst>
-              <a:ext uri="{FF2B5EF4-FFF2-40B4-BE49-F238E27FC236}">
-                <a16:creationId xmlns:a16="http://schemas.microsoft.com/office/drawing/2014/main" id="{5D553EE5-2811-1B13-81C3-CBDD3DD6D304}"/>
-              </a:ext>
-            </a:extLst>
-          </p:cNvPr>
-          <p:cNvPicPr>
-            <a:picLocks noChangeAspect="1" noChangeArrowheads="1"/>
-          </p:cNvPicPr>
-          <p:nvPr/>
-        </p:nvPicPr>
-        <p:blipFill>
-          <a:blip r:embed="rId2">
-            <a:extLst>
-              <a:ext uri="{BEBA8EAE-BF5A-486C-A8C5-ECC9F3942E4B}">
-                <a14:imgProps xmlns:a14="http://schemas.microsoft.com/office/drawing/2010/main">
-                  <a14:imgLayer r:embed="rId3">
-                    <a14:imgEffect>
-                      <a14:backgroundRemoval t="3324" b="95112" l="10000" r="90000">
-                        <a14:foregroundMark x1="22333" y1="11046" x2="22333" y2="11046"/>
-                        <a14:foregroundMark x1="30222" y1="12121" x2="30222" y2="12121"/>
-                        <a14:foregroundMark x1="27778" y1="12121" x2="27778" y2="12121"/>
-                        <a14:foregroundMark x1="40444" y1="10459" x2="40444" y2="10459"/>
-                        <a14:foregroundMark x1="43111" y1="8700" x2="43111" y2="8700"/>
-                        <a14:foregroundMark x1="41778" y1="12805" x2="41778" y2="12805"/>
-                        <a14:foregroundMark x1="59222" y1="11046" x2="59222" y2="11046"/>
-                        <a14:foregroundMark x1="54889" y1="12023" x2="54889" y2="12023"/>
-                        <a14:foregroundMark x1="51889" y1="14174" x2="51889" y2="14174"/>
-                        <a14:foregroundMark x1="62222" y1="13685" x2="62222" y2="13685"/>
-                        <a14:foregroundMark x1="61556" y1="8700" x2="61556" y2="8700"/>
-                        <a14:foregroundMark x1="51667" y1="9677" x2="51667" y2="9677"/>
-                        <a14:foregroundMark x1="53778" y1="9873" x2="53778" y2="9873"/>
-                        <a14:foregroundMark x1="46000" y1="8798" x2="46000" y2="8798"/>
-                        <a14:foregroundMark x1="67333" y1="9971" x2="67333" y2="9971"/>
-                        <a14:foregroundMark x1="69889" y1="16031" x2="69889" y2="16031"/>
-                        <a14:foregroundMark x1="74222" y1="16813" x2="74222" y2="16813"/>
-                        <a14:foregroundMark x1="68111" y1="13978" x2="68111" y2="13978"/>
-                        <a14:foregroundMark x1="68667" y1="8504" x2="68667" y2="8504"/>
-                        <a14:foregroundMark x1="61889" y1="11046" x2="61889" y2="11046"/>
-                        <a14:foregroundMark x1="62111" y1="16325" x2="62111" y2="16325"/>
-                        <a14:foregroundMark x1="52222" y1="13001" x2="52222" y2="13001"/>
-                        <a14:foregroundMark x1="57333" y1="13294" x2="57333" y2="13294"/>
-                        <a14:foregroundMark x1="52222" y1="16325" x2="52222" y2="16325"/>
-                        <a14:foregroundMark x1="41778" y1="15640" x2="41778" y2="15640"/>
-                        <a14:foregroundMark x1="37667" y1="8798" x2="37667" y2="8798"/>
-                        <a14:foregroundMark x1="39556" y1="8700" x2="39556" y2="8700"/>
-                        <a14:foregroundMark x1="30444" y1="9971" x2="30444" y2="9971"/>
-                        <a14:foregroundMark x1="32556" y1="15543" x2="32556" y2="15543"/>
-                      </a14:backgroundRemoval>
-                    </a14:imgEffect>
-                  </a14:imgLayer>
-                </a14:imgProps>
-              </a:ext>
-              <a:ext uri="{28A0092B-C50C-407E-A947-70E740481C1C}">
-                <a14:useLocalDpi xmlns:a14="http://schemas.microsoft.com/office/drawing/2010/main" val="0"/>
-              </a:ext>
-            </a:extLst>
-          </a:blip>
-          <a:srcRect/>
-          <a:stretch>
-            <a:fillRect/>
-          </a:stretch>
-        </p:blipFill>
-        <p:spPr bwMode="auto">
-          <a:xfrm>
-            <a:off x="0" y="4952339"/>
-            <a:ext cx="1676717" cy="1905661"/>
-          </a:xfrm>
-          <a:prstGeom prst="rect">
-            <a:avLst/>
-          </a:prstGeom>
-          <a:noFill/>
-          <a:extLst>
-            <a:ext uri="{909E8E84-426E-40DD-AFC4-6F175D3DCCD1}">
-              <a14:hiddenFill xmlns:a14="http://schemas.microsoft.com/office/drawing/2010/main">
-                <a:solidFill>
-                  <a:srgbClr val="FFFFFF"/>
-                </a:solidFill>
-              </a14:hiddenFill>
-            </a:ext>
-          </a:extLst>
-        </p:spPr>
-      </p:pic>
-    </p:spTree>
-    <p:extLst>
-      <p:ext uri="{BB962C8B-B14F-4D97-AF65-F5344CB8AC3E}">
-        <p14:creationId xmlns:p14="http://schemas.microsoft.com/office/powerpoint/2010/main" val="3368242987"/>
-      </p:ext>
-    </p:extLst>
-  </p:cSld>
-  <p:clrMapOvr>
-    <a:masterClrMapping/>
-  </p:clrMapOvr>
-</p:sld>
-</file>
-
-<file path=ppt/slides/slide3.xml><?xml version="1.0" encoding="utf-8"?>
-<p:sld xmlns:a="http://schemas.openxmlformats.org/drawingml/2006/main" xmlns:r="http://schemas.openxmlformats.org/officeDocument/2006/relationships" xmlns:p="http://schemas.openxmlformats.org/presentationml/2006/main">
-  <p:cSld>
-    <p:spTree>
-      <p:nvGrpSpPr>
-        <p:cNvPr id="1" name=""/>
-        <p:cNvGrpSpPr/>
-        <p:nvPr/>
-      </p:nvGrpSpPr>
-      <p:grpSpPr>
-        <a:xfrm>
-          <a:off x="0" y="0"/>
-          <a:ext cx="0" cy="0"/>
-          <a:chOff x="0" y="0"/>
-          <a:chExt cx="0" cy="0"/>
-        </a:xfrm>
-      </p:grpSpPr>
-      <p:sp>
-        <p:nvSpPr>
-          <p:cNvPr id="2" name="Título 1">
-            <a:extLst>
-              <a:ext uri="{FF2B5EF4-FFF2-40B4-BE49-F238E27FC236}">
-                <a16:creationId xmlns:a16="http://schemas.microsoft.com/office/drawing/2014/main" id="{8A74411B-B5D4-4285-7C39-DCD053484824}"/>
-              </a:ext>
-            </a:extLst>
-          </p:cNvPr>
-          <p:cNvSpPr>
-            <a:spLocks noGrp="1"/>
-          </p:cNvSpPr>
-          <p:nvPr>
-            <p:ph type="title"/>
-          </p:nvPr>
-        </p:nvSpPr>
-        <p:spPr/>
-        <p:txBody>
-          <a:bodyPr/>
-          <a:lstStyle/>
-          <a:p>
-            <a:r>
-              <a:rPr lang="pt-BR" dirty="0" err="1"/>
-              <a:t>Tags</a:t>
-            </a:r>
-            <a:r>
-              <a:rPr lang="pt-BR" dirty="0"/>
-              <a:t> – Títulos e Subtítulos</a:t>
-            </a:r>
-          </a:p>
-        </p:txBody>
-      </p:sp>
-      <p:sp>
-        <p:nvSpPr>
-          <p:cNvPr id="3" name="Espaço Reservado para Conteúdo 2">
-            <a:extLst>
-              <a:ext uri="{FF2B5EF4-FFF2-40B4-BE49-F238E27FC236}">
-                <a16:creationId xmlns:a16="http://schemas.microsoft.com/office/drawing/2014/main" id="{C12D7085-4C92-EF10-2661-5B929DFF4C71}"/>
-              </a:ext>
-            </a:extLst>
-          </p:cNvPr>
-          <p:cNvSpPr>
-            <a:spLocks noGrp="1"/>
-          </p:cNvSpPr>
-          <p:nvPr>
-            <p:ph idx="1"/>
-          </p:nvPr>
-        </p:nvSpPr>
-        <p:spPr>
-          <a:xfrm>
-            <a:off x="818712" y="2222287"/>
-            <a:ext cx="10554574" cy="4188525"/>
-          </a:xfrm>
-        </p:spPr>
-        <p:txBody>
-          <a:bodyPr>
-            <a:normAutofit fontScale="70000" lnSpcReduction="20000"/>
-          </a:bodyPr>
-          <a:lstStyle/>
-          <a:p>
-            <a:r>
-              <a:rPr lang="pt-BR" sz="2400" dirty="0" err="1"/>
-              <a:t>Tags</a:t>
-            </a:r>
-            <a:r>
-              <a:rPr lang="pt-BR" sz="2400" dirty="0"/>
-              <a:t> são elementos fundamentais em HTML, e são usados para estruturar e organizar o conteúdo de uma página da web. As </a:t>
-            </a:r>
-            <a:r>
-              <a:rPr lang="pt-BR" sz="2400" dirty="0" err="1"/>
-              <a:t>tags</a:t>
-            </a:r>
-            <a:r>
-              <a:rPr lang="pt-BR" sz="2400" dirty="0"/>
-              <a:t> &lt;h1&gt; até &lt;h6&gt; são usadas para definir títulos e subtítulos, sendo que &lt;h1&gt; é o título principal e &lt;h6&gt; é o subtítulo de menor importância.</a:t>
-            </a:r>
-          </a:p>
-          <a:p>
-            <a:r>
-              <a:rPr lang="pt-BR" sz="2400" dirty="0"/>
-              <a:t>&lt;h1&gt;: Este é o título principal da página. Normalmente, é usado para o título mais importante ou para identificar o conteúdo principal da página.</a:t>
-            </a:r>
-          </a:p>
-          <a:p>
-            <a:endParaRPr lang="pt-BR" sz="2400" dirty="0"/>
-          </a:p>
-          <a:p>
-            <a:r>
-              <a:rPr lang="pt-BR" sz="2400" dirty="0"/>
-              <a:t>&lt;h2&gt;: Este é um subtítulo de nível 2. É utilizado para títulos secundários que são um pouco menos importantes do que o &lt;h1&gt;, mas ainda assim significativos.</a:t>
-            </a:r>
-          </a:p>
-          <a:p>
-            <a:endParaRPr lang="pt-BR" sz="2400" dirty="0"/>
-          </a:p>
-          <a:p>
-            <a:r>
-              <a:rPr lang="pt-BR" sz="2400" dirty="0"/>
-              <a:t>&lt;h3&gt;: Similar ao &lt;h2&gt;, mas um nível abaixo. Pode ser usado para subdividir seções de conteúdo mais específicas.</a:t>
-            </a:r>
-          </a:p>
-          <a:p>
-            <a:endParaRPr lang="pt-BR" sz="2400" dirty="0"/>
-          </a:p>
-          <a:p>
-            <a:r>
-              <a:rPr lang="pt-BR" sz="2400" dirty="0"/>
-              <a:t>&lt;h4&gt;, &lt;h5&gt;, &lt;h6&gt;: Estes são títulos e subtítulos de nível inferior, com &lt;h6&gt; sendo o menos importante. São úteis para subdividir o conteúdo em seções menores e mais específicas.</a:t>
-            </a:r>
-          </a:p>
-        </p:txBody>
-      </p:sp>
-    </p:spTree>
-    <p:extLst>
-      <p:ext uri="{BB962C8B-B14F-4D97-AF65-F5344CB8AC3E}">
-        <p14:creationId xmlns:p14="http://schemas.microsoft.com/office/powerpoint/2010/main" val="3815438511"/>
-      </p:ext>
-    </p:extLst>
-  </p:cSld>
-  <p:clrMapOvr>
-    <a:masterClrMapping/>
-  </p:clrMapOvr>
-</p:sld>
-</file>
-
-<file path=ppt/slides/slide4.xml><?xml version="1.0" encoding="utf-8"?>
-<p:sld xmlns:a="http://schemas.openxmlformats.org/drawingml/2006/main" xmlns:r="http://schemas.openxmlformats.org/officeDocument/2006/relationships" xmlns:p="http://schemas.openxmlformats.org/presentationml/2006/main">
-  <p:cSld>
-    <p:spTree>
-      <p:nvGrpSpPr>
-        <p:cNvPr id="1" name=""/>
-        <p:cNvGrpSpPr/>
-        <p:nvPr/>
-      </p:nvGrpSpPr>
-      <p:grpSpPr>
-        <a:xfrm>
-          <a:off x="0" y="0"/>
-          <a:ext cx="0" cy="0"/>
-          <a:chOff x="0" y="0"/>
-          <a:chExt cx="0" cy="0"/>
-        </a:xfrm>
-      </p:grpSpPr>
-      <p:sp>
-        <p:nvSpPr>
-          <p:cNvPr id="2" name="Título 1">
-            <a:extLst>
-              <a:ext uri="{FF2B5EF4-FFF2-40B4-BE49-F238E27FC236}">
-                <a16:creationId xmlns:a16="http://schemas.microsoft.com/office/drawing/2014/main" id="{F776A909-C4DB-D29A-249B-0D384222A855}"/>
-              </a:ext>
-            </a:extLst>
-          </p:cNvPr>
-          <p:cNvSpPr>
-            <a:spLocks noGrp="1"/>
-          </p:cNvSpPr>
-          <p:nvPr>
-            <p:ph type="title"/>
-          </p:nvPr>
-        </p:nvSpPr>
-        <p:spPr/>
-        <p:txBody>
-          <a:bodyPr/>
-          <a:lstStyle/>
-          <a:p>
-            <a:r>
-              <a:rPr lang="pt-BR" dirty="0"/>
-              <a:t>Semântica</a:t>
-            </a:r>
-          </a:p>
-        </p:txBody>
-      </p:sp>
-      <p:sp>
-        <p:nvSpPr>
-          <p:cNvPr id="3" name="Espaço Reservado para Conteúdo 2">
-            <a:extLst>
-              <a:ext uri="{FF2B5EF4-FFF2-40B4-BE49-F238E27FC236}">
-                <a16:creationId xmlns:a16="http://schemas.microsoft.com/office/drawing/2014/main" id="{C6DAEF84-6D92-CE3A-34A7-A6562F798170}"/>
-              </a:ext>
-            </a:extLst>
-          </p:cNvPr>
-          <p:cNvSpPr>
-            <a:spLocks noGrp="1"/>
-          </p:cNvSpPr>
-          <p:nvPr>
-            <p:ph idx="1"/>
-          </p:nvPr>
-        </p:nvSpPr>
-        <p:spPr/>
-        <p:txBody>
-          <a:bodyPr>
-            <a:normAutofit/>
-          </a:bodyPr>
-          <a:lstStyle/>
-          <a:p>
-            <a:r>
-              <a:rPr lang="pt-BR" sz="2400" b="1" i="0" dirty="0">
-                <a:solidFill>
-                  <a:srgbClr val="ECECEC"/>
-                </a:solidFill>
-                <a:effectLst/>
-                <a:latin typeface="Söhne"/>
-              </a:rPr>
-              <a:t>A semântica do HTML refere-se ao significado ou propósito dos elementos HTML em um documento web. Em outras palavras, trata-se de usar os elementos HTML de acordo com sua função semântica correta, o que melhora a compreensão do conteúdo pelo navegador, mecanismos de busca e outras tecnologias que interpretam a página.</a:t>
-            </a:r>
-            <a:endParaRPr lang="pt-BR" sz="2400" dirty="0"/>
-          </a:p>
-        </p:txBody>
-      </p:sp>
-    </p:spTree>
-    <p:extLst>
-      <p:ext uri="{BB962C8B-B14F-4D97-AF65-F5344CB8AC3E}">
-        <p14:creationId xmlns:p14="http://schemas.microsoft.com/office/powerpoint/2010/main" val="3451365751"/>
-      </p:ext>
-    </p:extLst>
-  </p:cSld>
-  <p:clrMapOvr>
-    <a:masterClrMapping/>
-  </p:clrMapOvr>
-</p:sld>
-</file>
-
-<file path=ppt/slides/slide5.xml><?xml version="1.0" encoding="utf-8"?>
-<p:sld xmlns:a="http://schemas.openxmlformats.org/drawingml/2006/main" xmlns:r="http://schemas.openxmlformats.org/officeDocument/2006/relationships" xmlns:p="http://schemas.openxmlformats.org/presentationml/2006/main">
-  <p:cSld>
-    <p:spTree>
-      <p:nvGrpSpPr>
-        <p:cNvPr id="1" name=""/>
-        <p:cNvGrpSpPr/>
-        <p:nvPr/>
-      </p:nvGrpSpPr>
-      <p:grpSpPr>
-        <a:xfrm>
-          <a:off x="0" y="0"/>
-          <a:ext cx="0" cy="0"/>
-          <a:chOff x="0" y="0"/>
-          <a:chExt cx="0" cy="0"/>
-        </a:xfrm>
-      </p:grpSpPr>
-      <p:sp>
-        <p:nvSpPr>
-          <p:cNvPr id="3" name="CaixaDeTexto 2">
-            <a:extLst>
-              <a:ext uri="{FF2B5EF4-FFF2-40B4-BE49-F238E27FC236}">
-                <a16:creationId xmlns:a16="http://schemas.microsoft.com/office/drawing/2014/main" id="{A8A074D3-F55B-D83A-A4E5-A3A83FE0DF49}"/>
-              </a:ext>
-            </a:extLst>
-          </p:cNvPr>
-          <p:cNvSpPr txBox="1"/>
-          <p:nvPr/>
-        </p:nvSpPr>
-        <p:spPr>
-          <a:xfrm>
-            <a:off x="1174044" y="1098926"/>
-            <a:ext cx="9843911" cy="5355312"/>
-          </a:xfrm>
-          <a:prstGeom prst="rect">
-            <a:avLst/>
-          </a:prstGeom>
-          <a:noFill/>
-        </p:spPr>
-        <p:txBody>
-          <a:bodyPr wrap="square">
-            <a:spAutoFit/>
-          </a:bodyPr>
-          <a:lstStyle/>
-          <a:p>
-            <a:r>
-              <a:rPr lang="pt-BR" b="0" dirty="0">
-                <a:solidFill>
-                  <a:srgbClr val="808080"/>
-                </a:solidFill>
-                <a:effectLst/>
-                <a:latin typeface="Consolas" panose="020B0609020204030204" pitchFamily="49" charset="0"/>
-              </a:rPr>
-              <a:t>&lt;!</a:t>
-            </a:r>
-            <a:r>
-              <a:rPr lang="pt-BR" b="0" dirty="0">
-                <a:solidFill>
-                  <a:srgbClr val="569CD6"/>
-                </a:solidFill>
-                <a:effectLst/>
-                <a:latin typeface="Consolas" panose="020B0609020204030204" pitchFamily="49" charset="0"/>
-              </a:rPr>
-              <a:t>DOCTYPE</a:t>
-            </a:r>
-            <a:r>
-              <a:rPr lang="pt-BR" b="0" dirty="0">
-                <a:solidFill>
-                  <a:srgbClr val="CCCCCC"/>
-                </a:solidFill>
-                <a:effectLst/>
-                <a:latin typeface="Consolas" panose="020B0609020204030204" pitchFamily="49" charset="0"/>
-              </a:rPr>
-              <a:t> </a:t>
-            </a:r>
-            <a:r>
-              <a:rPr lang="pt-BR" b="0" dirty="0" err="1">
-                <a:solidFill>
-                  <a:srgbClr val="9CDCFE"/>
-                </a:solidFill>
-                <a:effectLst/>
-                <a:latin typeface="Consolas" panose="020B0609020204030204" pitchFamily="49" charset="0"/>
-              </a:rPr>
-              <a:t>html</a:t>
-            </a:r>
-            <a:r>
-              <a:rPr lang="pt-BR" b="0" dirty="0">
-                <a:solidFill>
-                  <a:srgbClr val="808080"/>
-                </a:solidFill>
-                <a:effectLst/>
-                <a:latin typeface="Consolas" panose="020B0609020204030204" pitchFamily="49" charset="0"/>
-              </a:rPr>
-              <a:t>&gt;</a:t>
-            </a:r>
-            <a:endParaRPr lang="pt-BR" b="0" dirty="0">
-              <a:solidFill>
-                <a:srgbClr val="CCCCCC"/>
-              </a:solidFill>
-              <a:effectLst/>
-              <a:latin typeface="Consolas" panose="020B0609020204030204" pitchFamily="49" charset="0"/>
-            </a:endParaRPr>
-          </a:p>
-          <a:p>
-            <a:r>
-              <a:rPr lang="pt-BR" b="0" dirty="0">
-                <a:solidFill>
-                  <a:srgbClr val="808080"/>
-                </a:solidFill>
-                <a:effectLst/>
-                <a:latin typeface="Consolas" panose="020B0609020204030204" pitchFamily="49" charset="0"/>
-              </a:rPr>
-              <a:t>&lt;</a:t>
-            </a:r>
-            <a:r>
-              <a:rPr lang="pt-BR" b="0" dirty="0" err="1">
-                <a:solidFill>
-                  <a:srgbClr val="569CD6"/>
-                </a:solidFill>
-                <a:effectLst/>
-                <a:latin typeface="Consolas" panose="020B0609020204030204" pitchFamily="49" charset="0"/>
-              </a:rPr>
-              <a:t>html</a:t>
-            </a:r>
-            <a:r>
-              <a:rPr lang="pt-BR" b="0" dirty="0">
-                <a:solidFill>
-                  <a:srgbClr val="CCCCCC"/>
-                </a:solidFill>
-                <a:effectLst/>
-                <a:latin typeface="Consolas" panose="020B0609020204030204" pitchFamily="49" charset="0"/>
-              </a:rPr>
-              <a:t> </a:t>
-            </a:r>
-            <a:r>
-              <a:rPr lang="pt-BR" b="0" dirty="0" err="1">
-                <a:solidFill>
-                  <a:srgbClr val="9CDCFE"/>
-                </a:solidFill>
-                <a:effectLst/>
-                <a:latin typeface="Consolas" panose="020B0609020204030204" pitchFamily="49" charset="0"/>
-              </a:rPr>
-              <a:t>lang</a:t>
-            </a:r>
-            <a:r>
-              <a:rPr lang="pt-BR" b="0" dirty="0">
-                <a:solidFill>
-                  <a:srgbClr val="CCCCCC"/>
-                </a:solidFill>
-                <a:effectLst/>
-                <a:latin typeface="Consolas" panose="020B0609020204030204" pitchFamily="49" charset="0"/>
-              </a:rPr>
-              <a:t>=</a:t>
-            </a:r>
-            <a:r>
-              <a:rPr lang="pt-BR" b="0" dirty="0">
-                <a:solidFill>
-                  <a:srgbClr val="CE9178"/>
-                </a:solidFill>
-                <a:effectLst/>
-                <a:latin typeface="Consolas" panose="020B0609020204030204" pitchFamily="49" charset="0"/>
-              </a:rPr>
-              <a:t>"</a:t>
-            </a:r>
-            <a:r>
-              <a:rPr lang="pt-BR" b="0" dirty="0" err="1">
-                <a:solidFill>
-                  <a:srgbClr val="CE9178"/>
-                </a:solidFill>
-                <a:effectLst/>
-                <a:latin typeface="Consolas" panose="020B0609020204030204" pitchFamily="49" charset="0"/>
-              </a:rPr>
-              <a:t>pt</a:t>
-            </a:r>
-            <a:r>
-              <a:rPr lang="pt-BR" b="0" dirty="0">
-                <a:solidFill>
-                  <a:srgbClr val="CE9178"/>
-                </a:solidFill>
-                <a:effectLst/>
-                <a:latin typeface="Consolas" panose="020B0609020204030204" pitchFamily="49" charset="0"/>
-              </a:rPr>
-              <a:t>-BR"</a:t>
-            </a:r>
-            <a:r>
-              <a:rPr lang="pt-BR" b="0" dirty="0">
-                <a:solidFill>
-                  <a:srgbClr val="808080"/>
-                </a:solidFill>
-                <a:effectLst/>
-                <a:latin typeface="Consolas" panose="020B0609020204030204" pitchFamily="49" charset="0"/>
-              </a:rPr>
-              <a:t>&gt;</a:t>
-            </a:r>
-            <a:endParaRPr lang="pt-BR" b="0" dirty="0">
-              <a:solidFill>
-                <a:srgbClr val="CCCCCC"/>
-              </a:solidFill>
-              <a:effectLst/>
-              <a:latin typeface="Consolas" panose="020B0609020204030204" pitchFamily="49" charset="0"/>
-            </a:endParaRPr>
-          </a:p>
-          <a:p>
-            <a:r>
-              <a:rPr lang="pt-BR" b="0" dirty="0">
-                <a:solidFill>
-                  <a:srgbClr val="808080"/>
-                </a:solidFill>
-                <a:effectLst/>
-                <a:latin typeface="Consolas" panose="020B0609020204030204" pitchFamily="49" charset="0"/>
-              </a:rPr>
-              <a:t>&lt;</a:t>
-            </a:r>
-            <a:r>
-              <a:rPr lang="pt-BR" b="0" dirty="0" err="1">
-                <a:solidFill>
-                  <a:srgbClr val="569CD6"/>
-                </a:solidFill>
-                <a:effectLst/>
-                <a:latin typeface="Consolas" panose="020B0609020204030204" pitchFamily="49" charset="0"/>
-              </a:rPr>
-              <a:t>head</a:t>
-            </a:r>
-            <a:r>
-              <a:rPr lang="pt-BR" b="0" dirty="0">
-                <a:solidFill>
-                  <a:srgbClr val="808080"/>
-                </a:solidFill>
-                <a:effectLst/>
-                <a:latin typeface="Consolas" panose="020B0609020204030204" pitchFamily="49" charset="0"/>
-              </a:rPr>
-              <a:t>&gt;</a:t>
-            </a:r>
-            <a:endParaRPr lang="pt-BR" b="0" dirty="0">
-              <a:solidFill>
-                <a:srgbClr val="CCCCCC"/>
-              </a:solidFill>
-              <a:effectLst/>
-              <a:latin typeface="Consolas" panose="020B0609020204030204" pitchFamily="49" charset="0"/>
-            </a:endParaRPr>
-          </a:p>
-          <a:p>
-            <a:r>
-              <a:rPr lang="pt-BR" b="0" dirty="0">
-                <a:solidFill>
-                  <a:srgbClr val="CCCCCC"/>
-                </a:solidFill>
-                <a:effectLst/>
-                <a:latin typeface="Consolas" panose="020B0609020204030204" pitchFamily="49" charset="0"/>
-              </a:rPr>
-              <a:t>    </a:t>
-            </a:r>
-            <a:r>
-              <a:rPr lang="pt-BR" b="0" dirty="0">
-                <a:solidFill>
-                  <a:srgbClr val="808080"/>
-                </a:solidFill>
-                <a:effectLst/>
-                <a:latin typeface="Consolas" panose="020B0609020204030204" pitchFamily="49" charset="0"/>
-              </a:rPr>
-              <a:t>&lt;</a:t>
-            </a:r>
-            <a:r>
-              <a:rPr lang="pt-BR" b="0" dirty="0">
-                <a:solidFill>
-                  <a:srgbClr val="569CD6"/>
-                </a:solidFill>
-                <a:effectLst/>
-                <a:latin typeface="Consolas" panose="020B0609020204030204" pitchFamily="49" charset="0"/>
-              </a:rPr>
-              <a:t>meta</a:t>
-            </a:r>
-            <a:r>
-              <a:rPr lang="pt-BR" b="0" dirty="0">
-                <a:solidFill>
-                  <a:srgbClr val="CCCCCC"/>
-                </a:solidFill>
-                <a:effectLst/>
-                <a:latin typeface="Consolas" panose="020B0609020204030204" pitchFamily="49" charset="0"/>
-              </a:rPr>
-              <a:t> </a:t>
-            </a:r>
-            <a:r>
-              <a:rPr lang="pt-BR" b="0" dirty="0" err="1">
-                <a:solidFill>
-                  <a:srgbClr val="9CDCFE"/>
-                </a:solidFill>
-                <a:effectLst/>
-                <a:latin typeface="Consolas" panose="020B0609020204030204" pitchFamily="49" charset="0"/>
-              </a:rPr>
-              <a:t>charset</a:t>
-            </a:r>
-            <a:r>
-              <a:rPr lang="pt-BR" b="0" dirty="0">
-                <a:solidFill>
-                  <a:srgbClr val="CCCCCC"/>
-                </a:solidFill>
-                <a:effectLst/>
-                <a:latin typeface="Consolas" panose="020B0609020204030204" pitchFamily="49" charset="0"/>
-              </a:rPr>
-              <a:t>=</a:t>
-            </a:r>
-            <a:r>
-              <a:rPr lang="pt-BR" b="0" dirty="0">
-                <a:solidFill>
-                  <a:srgbClr val="CE9178"/>
-                </a:solidFill>
-                <a:effectLst/>
-                <a:latin typeface="Consolas" panose="020B0609020204030204" pitchFamily="49" charset="0"/>
-              </a:rPr>
-              <a:t>"UTF-8"</a:t>
-            </a:r>
-            <a:r>
-              <a:rPr lang="pt-BR" b="0" dirty="0">
-                <a:solidFill>
-                  <a:srgbClr val="808080"/>
-                </a:solidFill>
-                <a:effectLst/>
-                <a:latin typeface="Consolas" panose="020B0609020204030204" pitchFamily="49" charset="0"/>
-              </a:rPr>
-              <a:t>&gt;</a:t>
-            </a:r>
-            <a:endParaRPr lang="pt-BR" b="0" dirty="0">
-              <a:solidFill>
-                <a:srgbClr val="CCCCCC"/>
-              </a:solidFill>
-              <a:effectLst/>
-              <a:latin typeface="Consolas" panose="020B0609020204030204" pitchFamily="49" charset="0"/>
-            </a:endParaRPr>
-          </a:p>
-          <a:p>
-            <a:r>
-              <a:rPr lang="pt-BR" b="0" dirty="0">
-                <a:solidFill>
-                  <a:srgbClr val="CCCCCC"/>
-                </a:solidFill>
-                <a:effectLst/>
-                <a:latin typeface="Consolas" panose="020B0609020204030204" pitchFamily="49" charset="0"/>
-              </a:rPr>
-              <a:t>    </a:t>
-            </a:r>
-            <a:r>
-              <a:rPr lang="pt-BR" b="0" dirty="0">
-                <a:solidFill>
-                  <a:srgbClr val="808080"/>
-                </a:solidFill>
-                <a:effectLst/>
-                <a:latin typeface="Consolas" panose="020B0609020204030204" pitchFamily="49" charset="0"/>
-              </a:rPr>
-              <a:t>&lt;</a:t>
-            </a:r>
-            <a:r>
-              <a:rPr lang="pt-BR" b="0" dirty="0">
-                <a:solidFill>
-                  <a:srgbClr val="569CD6"/>
-                </a:solidFill>
-                <a:effectLst/>
-                <a:latin typeface="Consolas" panose="020B0609020204030204" pitchFamily="49" charset="0"/>
-              </a:rPr>
-              <a:t>meta</a:t>
-            </a:r>
-            <a:r>
-              <a:rPr lang="pt-BR" b="0" dirty="0">
-                <a:solidFill>
-                  <a:srgbClr val="CCCCCC"/>
-                </a:solidFill>
-                <a:effectLst/>
-                <a:latin typeface="Consolas" panose="020B0609020204030204" pitchFamily="49" charset="0"/>
-              </a:rPr>
-              <a:t> </a:t>
-            </a:r>
-            <a:r>
-              <a:rPr lang="pt-BR" b="0" dirty="0" err="1">
-                <a:solidFill>
-                  <a:srgbClr val="9CDCFE"/>
-                </a:solidFill>
-                <a:effectLst/>
-                <a:latin typeface="Consolas" panose="020B0609020204030204" pitchFamily="49" charset="0"/>
-              </a:rPr>
-              <a:t>name</a:t>
-            </a:r>
-            <a:r>
-              <a:rPr lang="pt-BR" b="0" dirty="0">
-                <a:solidFill>
-                  <a:srgbClr val="CCCCCC"/>
-                </a:solidFill>
-                <a:effectLst/>
-                <a:latin typeface="Consolas" panose="020B0609020204030204" pitchFamily="49" charset="0"/>
-              </a:rPr>
-              <a:t>=</a:t>
-            </a:r>
-            <a:r>
-              <a:rPr lang="pt-BR" b="0" dirty="0">
-                <a:solidFill>
-                  <a:srgbClr val="CE9178"/>
-                </a:solidFill>
-                <a:effectLst/>
-                <a:latin typeface="Consolas" panose="020B0609020204030204" pitchFamily="49" charset="0"/>
-              </a:rPr>
-              <a:t>"</a:t>
-            </a:r>
-            <a:r>
-              <a:rPr lang="pt-BR" b="0" dirty="0" err="1">
-                <a:solidFill>
-                  <a:srgbClr val="CE9178"/>
-                </a:solidFill>
-                <a:effectLst/>
-                <a:latin typeface="Consolas" panose="020B0609020204030204" pitchFamily="49" charset="0"/>
-              </a:rPr>
-              <a:t>viewport</a:t>
-            </a:r>
-            <a:r>
-              <a:rPr lang="pt-BR" b="0" dirty="0">
-                <a:solidFill>
-                  <a:srgbClr val="CE9178"/>
-                </a:solidFill>
-                <a:effectLst/>
-                <a:latin typeface="Consolas" panose="020B0609020204030204" pitchFamily="49" charset="0"/>
-              </a:rPr>
-              <a:t>"</a:t>
-            </a:r>
-            <a:r>
-              <a:rPr lang="pt-BR" b="0" dirty="0">
-                <a:solidFill>
-                  <a:srgbClr val="CCCCCC"/>
-                </a:solidFill>
-                <a:effectLst/>
-                <a:latin typeface="Consolas" panose="020B0609020204030204" pitchFamily="49" charset="0"/>
-              </a:rPr>
-              <a:t> </a:t>
-            </a:r>
-            <a:r>
-              <a:rPr lang="pt-BR" b="0" dirty="0" err="1">
-                <a:solidFill>
-                  <a:srgbClr val="9CDCFE"/>
-                </a:solidFill>
-                <a:effectLst/>
-                <a:latin typeface="Consolas" panose="020B0609020204030204" pitchFamily="49" charset="0"/>
-              </a:rPr>
-              <a:t>content</a:t>
-            </a:r>
-            <a:r>
-              <a:rPr lang="pt-BR" b="0" dirty="0">
-                <a:solidFill>
-                  <a:srgbClr val="CCCCCC"/>
-                </a:solidFill>
-                <a:effectLst/>
-                <a:latin typeface="Consolas" panose="020B0609020204030204" pitchFamily="49" charset="0"/>
-              </a:rPr>
-              <a:t>=</a:t>
-            </a:r>
-            <a:r>
-              <a:rPr lang="pt-BR" b="0" dirty="0">
-                <a:solidFill>
-                  <a:srgbClr val="CE9178"/>
-                </a:solidFill>
-                <a:effectLst/>
-                <a:latin typeface="Consolas" panose="020B0609020204030204" pitchFamily="49" charset="0"/>
-              </a:rPr>
-              <a:t>"</a:t>
-            </a:r>
-            <a:r>
-              <a:rPr lang="pt-BR" b="0" dirty="0" err="1">
-                <a:solidFill>
-                  <a:srgbClr val="CE9178"/>
-                </a:solidFill>
-                <a:effectLst/>
-                <a:latin typeface="Consolas" panose="020B0609020204030204" pitchFamily="49" charset="0"/>
-              </a:rPr>
-              <a:t>width</a:t>
-            </a:r>
-            <a:r>
-              <a:rPr lang="pt-BR" b="0" dirty="0">
-                <a:solidFill>
-                  <a:srgbClr val="CE9178"/>
-                </a:solidFill>
-                <a:effectLst/>
-                <a:latin typeface="Consolas" panose="020B0609020204030204" pitchFamily="49" charset="0"/>
-              </a:rPr>
-              <a:t>=device-</a:t>
-            </a:r>
-            <a:r>
-              <a:rPr lang="pt-BR" b="0" dirty="0" err="1">
-                <a:solidFill>
-                  <a:srgbClr val="CE9178"/>
-                </a:solidFill>
-                <a:effectLst/>
-                <a:latin typeface="Consolas" panose="020B0609020204030204" pitchFamily="49" charset="0"/>
-              </a:rPr>
-              <a:t>width</a:t>
-            </a:r>
-            <a:r>
-              <a:rPr lang="pt-BR" b="0" dirty="0">
-                <a:solidFill>
-                  <a:srgbClr val="CE9178"/>
-                </a:solidFill>
-                <a:effectLst/>
-                <a:latin typeface="Consolas" panose="020B0609020204030204" pitchFamily="49" charset="0"/>
-              </a:rPr>
-              <a:t>, </a:t>
-            </a:r>
-            <a:r>
-              <a:rPr lang="pt-BR" b="0" dirty="0" err="1">
-                <a:solidFill>
-                  <a:srgbClr val="CE9178"/>
-                </a:solidFill>
-                <a:effectLst/>
-                <a:latin typeface="Consolas" panose="020B0609020204030204" pitchFamily="49" charset="0"/>
-              </a:rPr>
-              <a:t>initial-scale</a:t>
-            </a:r>
-            <a:r>
-              <a:rPr lang="pt-BR" b="0" dirty="0">
-                <a:solidFill>
-                  <a:srgbClr val="CE9178"/>
-                </a:solidFill>
-                <a:effectLst/>
-                <a:latin typeface="Consolas" panose="020B0609020204030204" pitchFamily="49" charset="0"/>
-              </a:rPr>
-              <a:t>=1.0"</a:t>
-            </a:r>
-            <a:r>
-              <a:rPr lang="pt-BR" b="0" dirty="0">
-                <a:solidFill>
-                  <a:srgbClr val="808080"/>
-                </a:solidFill>
-                <a:effectLst/>
-                <a:latin typeface="Consolas" panose="020B0609020204030204" pitchFamily="49" charset="0"/>
-              </a:rPr>
-              <a:t>&gt;</a:t>
-            </a:r>
-            <a:endParaRPr lang="pt-BR" b="0" dirty="0">
-              <a:solidFill>
-                <a:srgbClr val="CCCCCC"/>
-              </a:solidFill>
-              <a:effectLst/>
-              <a:latin typeface="Consolas" panose="020B0609020204030204" pitchFamily="49" charset="0"/>
-            </a:endParaRPr>
-          </a:p>
-          <a:p>
-            <a:r>
-              <a:rPr lang="pt-BR" b="0" dirty="0">
-                <a:solidFill>
-                  <a:srgbClr val="CCCCCC"/>
-                </a:solidFill>
-                <a:effectLst/>
-                <a:latin typeface="Consolas" panose="020B0609020204030204" pitchFamily="49" charset="0"/>
-              </a:rPr>
-              <a:t>    </a:t>
-            </a:r>
-            <a:r>
-              <a:rPr lang="pt-BR" b="0" dirty="0">
-                <a:solidFill>
-                  <a:srgbClr val="808080"/>
-                </a:solidFill>
-                <a:effectLst/>
-                <a:latin typeface="Consolas" panose="020B0609020204030204" pitchFamily="49" charset="0"/>
-              </a:rPr>
-              <a:t>&lt;</a:t>
-            </a:r>
-            <a:r>
-              <a:rPr lang="pt-BR" b="0" dirty="0" err="1">
-                <a:solidFill>
-                  <a:srgbClr val="569CD6"/>
-                </a:solidFill>
-                <a:effectLst/>
-                <a:latin typeface="Consolas" panose="020B0609020204030204" pitchFamily="49" charset="0"/>
-              </a:rPr>
-              <a:t>title</a:t>
-            </a:r>
-            <a:r>
-              <a:rPr lang="pt-BR" b="0" dirty="0">
-                <a:solidFill>
-                  <a:srgbClr val="808080"/>
-                </a:solidFill>
-                <a:effectLst/>
-                <a:latin typeface="Consolas" panose="020B0609020204030204" pitchFamily="49" charset="0"/>
-              </a:rPr>
-              <a:t>&gt;</a:t>
-            </a:r>
-            <a:r>
-              <a:rPr lang="pt-BR" b="0" dirty="0">
-                <a:solidFill>
-                  <a:srgbClr val="CCCCCC"/>
-                </a:solidFill>
-                <a:effectLst/>
-                <a:latin typeface="Consolas" panose="020B0609020204030204" pitchFamily="49" charset="0"/>
-              </a:rPr>
-              <a:t>Exemplo de Títulos HTML</a:t>
-            </a:r>
-            <a:r>
-              <a:rPr lang="pt-BR" b="0" dirty="0">
-                <a:solidFill>
-                  <a:srgbClr val="808080"/>
-                </a:solidFill>
-                <a:effectLst/>
-                <a:latin typeface="Consolas" panose="020B0609020204030204" pitchFamily="49" charset="0"/>
-              </a:rPr>
-              <a:t>&lt;/</a:t>
-            </a:r>
-            <a:r>
-              <a:rPr lang="pt-BR" b="0" dirty="0" err="1">
-                <a:solidFill>
-                  <a:srgbClr val="569CD6"/>
-                </a:solidFill>
-                <a:effectLst/>
-                <a:latin typeface="Consolas" panose="020B0609020204030204" pitchFamily="49" charset="0"/>
-              </a:rPr>
-              <a:t>title</a:t>
-            </a:r>
-            <a:r>
-              <a:rPr lang="pt-BR" b="0" dirty="0">
-                <a:solidFill>
-                  <a:srgbClr val="808080"/>
-                </a:solidFill>
-                <a:effectLst/>
-                <a:latin typeface="Consolas" panose="020B0609020204030204" pitchFamily="49" charset="0"/>
-              </a:rPr>
-              <a:t>&gt;</a:t>
-            </a:r>
-            <a:endParaRPr lang="pt-BR" b="0" dirty="0">
-              <a:solidFill>
-                <a:srgbClr val="CCCCCC"/>
-              </a:solidFill>
-              <a:effectLst/>
-              <a:latin typeface="Consolas" panose="020B0609020204030204" pitchFamily="49" charset="0"/>
-            </a:endParaRPr>
-          </a:p>
-          <a:p>
-            <a:r>
-              <a:rPr lang="pt-BR" b="0" dirty="0">
-                <a:solidFill>
-                  <a:srgbClr val="808080"/>
-                </a:solidFill>
-                <a:effectLst/>
-                <a:latin typeface="Consolas" panose="020B0609020204030204" pitchFamily="49" charset="0"/>
-              </a:rPr>
-              <a:t>&lt;/</a:t>
-            </a:r>
-            <a:r>
-              <a:rPr lang="pt-BR" b="0" dirty="0" err="1">
-                <a:solidFill>
-                  <a:srgbClr val="569CD6"/>
-                </a:solidFill>
-                <a:effectLst/>
-                <a:latin typeface="Consolas" panose="020B0609020204030204" pitchFamily="49" charset="0"/>
-              </a:rPr>
-              <a:t>head</a:t>
-            </a:r>
-            <a:r>
-              <a:rPr lang="pt-BR" b="0" dirty="0">
-                <a:solidFill>
-                  <a:srgbClr val="808080"/>
-                </a:solidFill>
-                <a:effectLst/>
-                <a:latin typeface="Consolas" panose="020B0609020204030204" pitchFamily="49" charset="0"/>
-              </a:rPr>
-              <a:t>&gt;</a:t>
-            </a:r>
-            <a:endParaRPr lang="pt-BR" b="0" dirty="0">
-              <a:solidFill>
-                <a:srgbClr val="CCCCCC"/>
-              </a:solidFill>
-              <a:effectLst/>
-              <a:latin typeface="Consolas" panose="020B0609020204030204" pitchFamily="49" charset="0"/>
-            </a:endParaRPr>
-          </a:p>
-          <a:p>
-            <a:r>
-              <a:rPr lang="pt-BR" b="0" dirty="0">
-                <a:solidFill>
-                  <a:srgbClr val="808080"/>
-                </a:solidFill>
-                <a:effectLst/>
-                <a:latin typeface="Consolas" panose="020B0609020204030204" pitchFamily="49" charset="0"/>
-              </a:rPr>
-              <a:t>&lt;</a:t>
-            </a:r>
-            <a:r>
-              <a:rPr lang="pt-BR" b="0" dirty="0">
-                <a:solidFill>
-                  <a:srgbClr val="569CD6"/>
-                </a:solidFill>
-                <a:effectLst/>
-                <a:latin typeface="Consolas" panose="020B0609020204030204" pitchFamily="49" charset="0"/>
-              </a:rPr>
-              <a:t>body</a:t>
-            </a:r>
-            <a:r>
-              <a:rPr lang="pt-BR" b="0" dirty="0">
-                <a:solidFill>
-                  <a:srgbClr val="808080"/>
-                </a:solidFill>
-                <a:effectLst/>
-                <a:latin typeface="Consolas" panose="020B0609020204030204" pitchFamily="49" charset="0"/>
-              </a:rPr>
-              <a:t>&gt;</a:t>
-            </a:r>
-            <a:endParaRPr lang="pt-BR" b="0" dirty="0">
-              <a:solidFill>
-                <a:srgbClr val="CCCCCC"/>
-              </a:solidFill>
-              <a:effectLst/>
-              <a:latin typeface="Consolas" panose="020B0609020204030204" pitchFamily="49" charset="0"/>
-            </a:endParaRPr>
-          </a:p>
-          <a:p>
-            <a:r>
-              <a:rPr lang="pt-BR" b="0" dirty="0">
-                <a:solidFill>
-                  <a:srgbClr val="CCCCCC"/>
-                </a:solidFill>
-                <a:effectLst/>
-                <a:latin typeface="Consolas" panose="020B0609020204030204" pitchFamily="49" charset="0"/>
-              </a:rPr>
-              <a:t>        </a:t>
-            </a:r>
-            <a:r>
-              <a:rPr lang="pt-BR" b="0" dirty="0">
-                <a:solidFill>
-                  <a:srgbClr val="6A9955"/>
-                </a:solidFill>
-                <a:effectLst/>
-                <a:latin typeface="Consolas" panose="020B0609020204030204" pitchFamily="49" charset="0"/>
-              </a:rPr>
-              <a:t>&lt;!--Influencia na semântica -&gt; interpretação--&gt;</a:t>
-            </a:r>
-            <a:endParaRPr lang="pt-BR" b="0" dirty="0">
-              <a:solidFill>
-                <a:srgbClr val="CCCCCC"/>
-              </a:solidFill>
-              <a:effectLst/>
-              <a:latin typeface="Consolas" panose="020B0609020204030204" pitchFamily="49" charset="0"/>
-            </a:endParaRPr>
-          </a:p>
-          <a:p>
-            <a:r>
-              <a:rPr lang="pt-BR" b="0" dirty="0">
-                <a:solidFill>
-                  <a:srgbClr val="CCCCCC"/>
-                </a:solidFill>
-                <a:effectLst/>
-                <a:latin typeface="Consolas" panose="020B0609020204030204" pitchFamily="49" charset="0"/>
-              </a:rPr>
-              <a:t>        </a:t>
-            </a:r>
-            <a:r>
-              <a:rPr lang="pt-BR" b="0" dirty="0">
-                <a:solidFill>
-                  <a:srgbClr val="6A9955"/>
-                </a:solidFill>
-                <a:effectLst/>
-                <a:latin typeface="Consolas" panose="020B0609020204030204" pitchFamily="49" charset="0"/>
-              </a:rPr>
-              <a:t>&lt;!--o que melhora a compreensão do conteúdo pelo navegador--&gt;</a:t>
-            </a:r>
-            <a:endParaRPr lang="pt-BR" b="0" dirty="0">
-              <a:solidFill>
-                <a:srgbClr val="CCCCCC"/>
-              </a:solidFill>
-              <a:effectLst/>
-              <a:latin typeface="Consolas" panose="020B0609020204030204" pitchFamily="49" charset="0"/>
-            </a:endParaRPr>
-          </a:p>
-          <a:p>
-            <a:r>
-              <a:rPr lang="pt-BR" b="0" dirty="0">
-                <a:solidFill>
-                  <a:srgbClr val="CCCCCC"/>
-                </a:solidFill>
-                <a:effectLst/>
-                <a:latin typeface="Consolas" panose="020B0609020204030204" pitchFamily="49" charset="0"/>
-              </a:rPr>
-              <a:t>        </a:t>
-            </a:r>
-            <a:r>
-              <a:rPr lang="pt-BR" b="0" dirty="0">
-                <a:solidFill>
-                  <a:srgbClr val="808080"/>
-                </a:solidFill>
-                <a:effectLst/>
-                <a:latin typeface="Consolas" panose="020B0609020204030204" pitchFamily="49" charset="0"/>
-              </a:rPr>
-              <a:t>&lt;</a:t>
-            </a:r>
-            <a:r>
-              <a:rPr lang="pt-BR" b="0" dirty="0">
-                <a:solidFill>
-                  <a:srgbClr val="569CD6"/>
-                </a:solidFill>
-                <a:effectLst/>
-                <a:latin typeface="Consolas" panose="020B0609020204030204" pitchFamily="49" charset="0"/>
-              </a:rPr>
-              <a:t>h1</a:t>
-            </a:r>
-            <a:r>
-              <a:rPr lang="pt-BR" b="0" dirty="0">
-                <a:solidFill>
-                  <a:srgbClr val="808080"/>
-                </a:solidFill>
-                <a:effectLst/>
-                <a:latin typeface="Consolas" panose="020B0609020204030204" pitchFamily="49" charset="0"/>
-              </a:rPr>
-              <a:t>&gt;</a:t>
-            </a:r>
-            <a:r>
-              <a:rPr lang="pt-BR" b="0" dirty="0">
-                <a:solidFill>
-                  <a:srgbClr val="CCCCCC"/>
-                </a:solidFill>
-                <a:effectLst/>
-                <a:latin typeface="Consolas" panose="020B0609020204030204" pitchFamily="49" charset="0"/>
-              </a:rPr>
-              <a:t>H1</a:t>
-            </a:r>
-            <a:r>
-              <a:rPr lang="pt-BR" b="0" dirty="0">
-                <a:solidFill>
-                  <a:srgbClr val="808080"/>
-                </a:solidFill>
-                <a:effectLst/>
-                <a:latin typeface="Consolas" panose="020B0609020204030204" pitchFamily="49" charset="0"/>
-              </a:rPr>
-              <a:t>&lt;/</a:t>
-            </a:r>
-            <a:r>
-              <a:rPr lang="pt-BR" b="0" dirty="0">
-                <a:solidFill>
-                  <a:srgbClr val="569CD6"/>
-                </a:solidFill>
-                <a:effectLst/>
-                <a:latin typeface="Consolas" panose="020B0609020204030204" pitchFamily="49" charset="0"/>
-              </a:rPr>
-              <a:t>h1</a:t>
-            </a:r>
-            <a:r>
-              <a:rPr lang="pt-BR" b="0" dirty="0">
-                <a:solidFill>
-                  <a:srgbClr val="808080"/>
-                </a:solidFill>
-                <a:effectLst/>
-                <a:latin typeface="Consolas" panose="020B0609020204030204" pitchFamily="49" charset="0"/>
-              </a:rPr>
-              <a:t>&gt;</a:t>
-            </a:r>
-            <a:endParaRPr lang="pt-BR" b="0" dirty="0">
-              <a:solidFill>
-                <a:srgbClr val="CCCCCC"/>
-              </a:solidFill>
-              <a:effectLst/>
-              <a:latin typeface="Consolas" panose="020B0609020204030204" pitchFamily="49" charset="0"/>
-            </a:endParaRPr>
-          </a:p>
-          <a:p>
-            <a:r>
-              <a:rPr lang="pt-BR" b="0" dirty="0">
-                <a:solidFill>
-                  <a:srgbClr val="CCCCCC"/>
-                </a:solidFill>
-                <a:effectLst/>
-                <a:latin typeface="Consolas" panose="020B0609020204030204" pitchFamily="49" charset="0"/>
-              </a:rPr>
-              <a:t>        </a:t>
-            </a:r>
-            <a:r>
-              <a:rPr lang="pt-BR" b="0" dirty="0">
-                <a:solidFill>
-                  <a:srgbClr val="808080"/>
-                </a:solidFill>
-                <a:effectLst/>
-                <a:latin typeface="Consolas" panose="020B0609020204030204" pitchFamily="49" charset="0"/>
-              </a:rPr>
-              <a:t>&lt;</a:t>
-            </a:r>
-            <a:r>
-              <a:rPr lang="pt-BR" b="0" dirty="0">
-                <a:solidFill>
-                  <a:srgbClr val="569CD6"/>
-                </a:solidFill>
-                <a:effectLst/>
-                <a:latin typeface="Consolas" panose="020B0609020204030204" pitchFamily="49" charset="0"/>
-              </a:rPr>
-              <a:t>h2</a:t>
-            </a:r>
-            <a:r>
-              <a:rPr lang="pt-BR" b="0" dirty="0">
-                <a:solidFill>
-                  <a:srgbClr val="808080"/>
-                </a:solidFill>
-                <a:effectLst/>
-                <a:latin typeface="Consolas" panose="020B0609020204030204" pitchFamily="49" charset="0"/>
-              </a:rPr>
-              <a:t>&gt;</a:t>
-            </a:r>
-            <a:r>
-              <a:rPr lang="pt-BR" b="0" dirty="0">
-                <a:solidFill>
-                  <a:srgbClr val="CCCCCC"/>
-                </a:solidFill>
-                <a:effectLst/>
-                <a:latin typeface="Consolas" panose="020B0609020204030204" pitchFamily="49" charset="0"/>
-              </a:rPr>
-              <a:t>H2</a:t>
-            </a:r>
-            <a:r>
-              <a:rPr lang="pt-BR" b="0" dirty="0">
-                <a:solidFill>
-                  <a:srgbClr val="808080"/>
-                </a:solidFill>
-                <a:effectLst/>
-                <a:latin typeface="Consolas" panose="020B0609020204030204" pitchFamily="49" charset="0"/>
-              </a:rPr>
-              <a:t>&lt;/</a:t>
-            </a:r>
-            <a:r>
-              <a:rPr lang="pt-BR" b="0" dirty="0">
-                <a:solidFill>
-                  <a:srgbClr val="569CD6"/>
-                </a:solidFill>
-                <a:effectLst/>
-                <a:latin typeface="Consolas" panose="020B0609020204030204" pitchFamily="49" charset="0"/>
-              </a:rPr>
-              <a:t>h2</a:t>
-            </a:r>
-            <a:r>
-              <a:rPr lang="pt-BR" b="0" dirty="0">
-                <a:solidFill>
-                  <a:srgbClr val="808080"/>
-                </a:solidFill>
-                <a:effectLst/>
-                <a:latin typeface="Consolas" panose="020B0609020204030204" pitchFamily="49" charset="0"/>
-              </a:rPr>
-              <a:t>&gt;</a:t>
-            </a:r>
-            <a:endParaRPr lang="pt-BR" b="0" dirty="0">
-              <a:solidFill>
-                <a:srgbClr val="CCCCCC"/>
-              </a:solidFill>
-              <a:effectLst/>
-              <a:latin typeface="Consolas" panose="020B0609020204030204" pitchFamily="49" charset="0"/>
-            </a:endParaRPr>
-          </a:p>
-          <a:p>
-            <a:r>
-              <a:rPr lang="pt-BR" b="0" dirty="0">
-                <a:solidFill>
-                  <a:srgbClr val="CCCCCC"/>
-                </a:solidFill>
-                <a:effectLst/>
-                <a:latin typeface="Consolas" panose="020B0609020204030204" pitchFamily="49" charset="0"/>
-              </a:rPr>
-              <a:t>        </a:t>
-            </a:r>
-            <a:r>
-              <a:rPr lang="pt-BR" b="0" dirty="0">
-                <a:solidFill>
-                  <a:srgbClr val="808080"/>
-                </a:solidFill>
-                <a:effectLst/>
-                <a:latin typeface="Consolas" panose="020B0609020204030204" pitchFamily="49" charset="0"/>
-              </a:rPr>
-              <a:t>&lt;</a:t>
-            </a:r>
-            <a:r>
-              <a:rPr lang="pt-BR" b="0" dirty="0">
-                <a:solidFill>
-                  <a:srgbClr val="569CD6"/>
-                </a:solidFill>
-                <a:effectLst/>
-                <a:latin typeface="Consolas" panose="020B0609020204030204" pitchFamily="49" charset="0"/>
-              </a:rPr>
-              <a:t>h3</a:t>
-            </a:r>
-            <a:r>
-              <a:rPr lang="pt-BR" b="0" dirty="0">
-                <a:solidFill>
-                  <a:srgbClr val="808080"/>
-                </a:solidFill>
-                <a:effectLst/>
-                <a:latin typeface="Consolas" panose="020B0609020204030204" pitchFamily="49" charset="0"/>
-              </a:rPr>
-              <a:t>&gt;</a:t>
-            </a:r>
-            <a:r>
-              <a:rPr lang="pt-BR" b="0" dirty="0">
-                <a:solidFill>
-                  <a:srgbClr val="CCCCCC"/>
-                </a:solidFill>
-                <a:effectLst/>
-                <a:latin typeface="Consolas" panose="020B0609020204030204" pitchFamily="49" charset="0"/>
-              </a:rPr>
-              <a:t>H3</a:t>
-            </a:r>
-            <a:r>
-              <a:rPr lang="pt-BR" b="0" dirty="0">
-                <a:solidFill>
-                  <a:srgbClr val="808080"/>
-                </a:solidFill>
-                <a:effectLst/>
-                <a:latin typeface="Consolas" panose="020B0609020204030204" pitchFamily="49" charset="0"/>
-              </a:rPr>
-              <a:t>&lt;/</a:t>
-            </a:r>
-            <a:r>
-              <a:rPr lang="pt-BR" b="0" dirty="0">
-                <a:solidFill>
-                  <a:srgbClr val="569CD6"/>
-                </a:solidFill>
-                <a:effectLst/>
-                <a:latin typeface="Consolas" panose="020B0609020204030204" pitchFamily="49" charset="0"/>
-              </a:rPr>
-              <a:t>h3</a:t>
-            </a:r>
-            <a:r>
-              <a:rPr lang="pt-BR" b="0" dirty="0">
-                <a:solidFill>
-                  <a:srgbClr val="808080"/>
-                </a:solidFill>
-                <a:effectLst/>
-                <a:latin typeface="Consolas" panose="020B0609020204030204" pitchFamily="49" charset="0"/>
-              </a:rPr>
-              <a:t>&gt;</a:t>
-            </a:r>
-            <a:endParaRPr lang="pt-BR" b="0" dirty="0">
-              <a:solidFill>
-                <a:srgbClr val="CCCCCC"/>
-              </a:solidFill>
-              <a:effectLst/>
-              <a:latin typeface="Consolas" panose="020B0609020204030204" pitchFamily="49" charset="0"/>
-            </a:endParaRPr>
-          </a:p>
-          <a:p>
-            <a:r>
-              <a:rPr lang="pt-BR" b="0" dirty="0">
-                <a:solidFill>
-                  <a:srgbClr val="CCCCCC"/>
-                </a:solidFill>
-                <a:effectLst/>
-                <a:latin typeface="Consolas" panose="020B0609020204030204" pitchFamily="49" charset="0"/>
-              </a:rPr>
-              <a:t>        </a:t>
-            </a:r>
-            <a:r>
-              <a:rPr lang="pt-BR" b="0" dirty="0">
-                <a:solidFill>
-                  <a:srgbClr val="808080"/>
-                </a:solidFill>
-                <a:effectLst/>
-                <a:latin typeface="Consolas" panose="020B0609020204030204" pitchFamily="49" charset="0"/>
-              </a:rPr>
-              <a:t>&lt;</a:t>
-            </a:r>
-            <a:r>
-              <a:rPr lang="pt-BR" b="0" dirty="0">
-                <a:solidFill>
-                  <a:srgbClr val="569CD6"/>
-                </a:solidFill>
-                <a:effectLst/>
-                <a:latin typeface="Consolas" panose="020B0609020204030204" pitchFamily="49" charset="0"/>
-              </a:rPr>
-              <a:t>h4</a:t>
-            </a:r>
-            <a:r>
-              <a:rPr lang="pt-BR" b="0" dirty="0">
-                <a:solidFill>
-                  <a:srgbClr val="808080"/>
-                </a:solidFill>
-                <a:effectLst/>
-                <a:latin typeface="Consolas" panose="020B0609020204030204" pitchFamily="49" charset="0"/>
-              </a:rPr>
-              <a:t>&gt;</a:t>
-            </a:r>
-            <a:r>
-              <a:rPr lang="pt-BR" b="0" dirty="0">
-                <a:solidFill>
-                  <a:srgbClr val="CCCCCC"/>
-                </a:solidFill>
-                <a:effectLst/>
-                <a:latin typeface="Consolas" panose="020B0609020204030204" pitchFamily="49" charset="0"/>
-              </a:rPr>
-              <a:t>H4</a:t>
-            </a:r>
-            <a:r>
-              <a:rPr lang="pt-BR" b="0" dirty="0">
-                <a:solidFill>
-                  <a:srgbClr val="808080"/>
-                </a:solidFill>
-                <a:effectLst/>
-                <a:latin typeface="Consolas" panose="020B0609020204030204" pitchFamily="49" charset="0"/>
-              </a:rPr>
-              <a:t>&lt;/</a:t>
-            </a:r>
-            <a:r>
-              <a:rPr lang="pt-BR" b="0" dirty="0">
-                <a:solidFill>
-                  <a:srgbClr val="569CD6"/>
-                </a:solidFill>
-                <a:effectLst/>
-                <a:latin typeface="Consolas" panose="020B0609020204030204" pitchFamily="49" charset="0"/>
-              </a:rPr>
-              <a:t>h4</a:t>
-            </a:r>
-            <a:r>
-              <a:rPr lang="pt-BR" b="0" dirty="0">
-                <a:solidFill>
-                  <a:srgbClr val="808080"/>
-                </a:solidFill>
-                <a:effectLst/>
-                <a:latin typeface="Consolas" panose="020B0609020204030204" pitchFamily="49" charset="0"/>
-              </a:rPr>
-              <a:t>&gt;</a:t>
-            </a:r>
-            <a:endParaRPr lang="pt-BR" b="0" dirty="0">
-              <a:solidFill>
-                <a:srgbClr val="CCCCCC"/>
-              </a:solidFill>
-              <a:effectLst/>
-              <a:latin typeface="Consolas" panose="020B0609020204030204" pitchFamily="49" charset="0"/>
-            </a:endParaRPr>
-          </a:p>
-          <a:p>
-            <a:r>
-              <a:rPr lang="pt-BR" b="0" dirty="0">
-                <a:solidFill>
-                  <a:srgbClr val="CCCCCC"/>
-                </a:solidFill>
-                <a:effectLst/>
-                <a:latin typeface="Consolas" panose="020B0609020204030204" pitchFamily="49" charset="0"/>
-              </a:rPr>
-              <a:t>        </a:t>
-            </a:r>
-            <a:r>
-              <a:rPr lang="pt-BR" b="0" dirty="0">
-                <a:solidFill>
-                  <a:srgbClr val="808080"/>
-                </a:solidFill>
-                <a:effectLst/>
-                <a:latin typeface="Consolas" panose="020B0609020204030204" pitchFamily="49" charset="0"/>
-              </a:rPr>
-              <a:t>&lt;</a:t>
-            </a:r>
-            <a:r>
-              <a:rPr lang="pt-BR" b="0" dirty="0">
-                <a:solidFill>
-                  <a:srgbClr val="569CD6"/>
-                </a:solidFill>
-                <a:effectLst/>
-                <a:latin typeface="Consolas" panose="020B0609020204030204" pitchFamily="49" charset="0"/>
-              </a:rPr>
-              <a:t>h5</a:t>
-            </a:r>
-            <a:r>
-              <a:rPr lang="pt-BR" b="0" dirty="0">
-                <a:solidFill>
-                  <a:srgbClr val="808080"/>
-                </a:solidFill>
-                <a:effectLst/>
-                <a:latin typeface="Consolas" panose="020B0609020204030204" pitchFamily="49" charset="0"/>
-              </a:rPr>
-              <a:t>&gt;</a:t>
-            </a:r>
-            <a:r>
-              <a:rPr lang="pt-BR" b="0" dirty="0">
-                <a:solidFill>
-                  <a:srgbClr val="CCCCCC"/>
-                </a:solidFill>
-                <a:effectLst/>
-                <a:latin typeface="Consolas" panose="020B0609020204030204" pitchFamily="49" charset="0"/>
-              </a:rPr>
-              <a:t>H5</a:t>
-            </a:r>
-            <a:r>
-              <a:rPr lang="pt-BR" b="0" dirty="0">
-                <a:solidFill>
-                  <a:srgbClr val="808080"/>
-                </a:solidFill>
-                <a:effectLst/>
-                <a:latin typeface="Consolas" panose="020B0609020204030204" pitchFamily="49" charset="0"/>
-              </a:rPr>
-              <a:t>&lt;/</a:t>
-            </a:r>
-            <a:r>
-              <a:rPr lang="pt-BR" b="0" dirty="0">
-                <a:solidFill>
-                  <a:srgbClr val="569CD6"/>
-                </a:solidFill>
-                <a:effectLst/>
-                <a:latin typeface="Consolas" panose="020B0609020204030204" pitchFamily="49" charset="0"/>
-              </a:rPr>
-              <a:t>h5</a:t>
-            </a:r>
-            <a:r>
-              <a:rPr lang="pt-BR" b="0" dirty="0">
-                <a:solidFill>
-                  <a:srgbClr val="808080"/>
-                </a:solidFill>
-                <a:effectLst/>
-                <a:latin typeface="Consolas" panose="020B0609020204030204" pitchFamily="49" charset="0"/>
-              </a:rPr>
-              <a:t>&gt;</a:t>
-            </a:r>
-            <a:endParaRPr lang="pt-BR" b="0" dirty="0">
-              <a:solidFill>
-                <a:srgbClr val="CCCCCC"/>
-              </a:solidFill>
-              <a:effectLst/>
-              <a:latin typeface="Consolas" panose="020B0609020204030204" pitchFamily="49" charset="0"/>
-            </a:endParaRPr>
-          </a:p>
-          <a:p>
-            <a:r>
-              <a:rPr lang="pt-BR" b="0" dirty="0">
-                <a:solidFill>
-                  <a:srgbClr val="CCCCCC"/>
-                </a:solidFill>
-                <a:effectLst/>
-                <a:latin typeface="Consolas" panose="020B0609020204030204" pitchFamily="49" charset="0"/>
-              </a:rPr>
-              <a:t>        </a:t>
-            </a:r>
-            <a:r>
-              <a:rPr lang="pt-BR" b="0" dirty="0">
-                <a:solidFill>
-                  <a:srgbClr val="808080"/>
-                </a:solidFill>
-                <a:effectLst/>
-                <a:latin typeface="Consolas" panose="020B0609020204030204" pitchFamily="49" charset="0"/>
-              </a:rPr>
-              <a:t>&lt;</a:t>
-            </a:r>
-            <a:r>
-              <a:rPr lang="pt-BR" b="0" dirty="0">
-                <a:solidFill>
-                  <a:srgbClr val="569CD6"/>
-                </a:solidFill>
-                <a:effectLst/>
-                <a:latin typeface="Consolas" panose="020B0609020204030204" pitchFamily="49" charset="0"/>
-              </a:rPr>
-              <a:t>h6</a:t>
-            </a:r>
-            <a:r>
-              <a:rPr lang="pt-BR" b="0" dirty="0">
-                <a:solidFill>
-                  <a:srgbClr val="808080"/>
-                </a:solidFill>
-                <a:effectLst/>
-                <a:latin typeface="Consolas" panose="020B0609020204030204" pitchFamily="49" charset="0"/>
-              </a:rPr>
-              <a:t>&gt;</a:t>
-            </a:r>
-            <a:r>
-              <a:rPr lang="pt-BR" b="0" dirty="0">
-                <a:solidFill>
-                  <a:srgbClr val="CCCCCC"/>
-                </a:solidFill>
-                <a:effectLst/>
-                <a:latin typeface="Consolas" panose="020B0609020204030204" pitchFamily="49" charset="0"/>
-              </a:rPr>
-              <a:t>H6</a:t>
-            </a:r>
-            <a:r>
-              <a:rPr lang="pt-BR" b="0" dirty="0">
-                <a:solidFill>
-                  <a:srgbClr val="808080"/>
-                </a:solidFill>
-                <a:effectLst/>
-                <a:latin typeface="Consolas" panose="020B0609020204030204" pitchFamily="49" charset="0"/>
-              </a:rPr>
-              <a:t>&lt;/</a:t>
-            </a:r>
-            <a:r>
-              <a:rPr lang="pt-BR" b="0" dirty="0">
-                <a:solidFill>
-                  <a:srgbClr val="569CD6"/>
-                </a:solidFill>
-                <a:effectLst/>
-                <a:latin typeface="Consolas" panose="020B0609020204030204" pitchFamily="49" charset="0"/>
-              </a:rPr>
-              <a:t>h6</a:t>
-            </a:r>
-            <a:r>
-              <a:rPr lang="pt-BR" b="0" dirty="0">
-                <a:solidFill>
-                  <a:srgbClr val="808080"/>
-                </a:solidFill>
-                <a:effectLst/>
-                <a:latin typeface="Consolas" panose="020B0609020204030204" pitchFamily="49" charset="0"/>
-              </a:rPr>
-              <a:t>&gt;</a:t>
-            </a:r>
-            <a:endParaRPr lang="pt-BR" b="0" dirty="0">
-              <a:solidFill>
-                <a:srgbClr val="CCCCCC"/>
-              </a:solidFill>
-              <a:effectLst/>
-              <a:latin typeface="Consolas" panose="020B0609020204030204" pitchFamily="49" charset="0"/>
-            </a:endParaRPr>
-          </a:p>
-          <a:p>
-            <a:br>
-              <a:rPr lang="pt-BR" b="0" dirty="0">
-                <a:solidFill>
-                  <a:srgbClr val="CCCCCC"/>
-                </a:solidFill>
-                <a:effectLst/>
-                <a:latin typeface="Consolas" panose="020B0609020204030204" pitchFamily="49" charset="0"/>
-              </a:rPr>
-            </a:br>
-            <a:r>
-              <a:rPr lang="pt-BR" b="0" dirty="0">
-                <a:solidFill>
-                  <a:srgbClr val="808080"/>
-                </a:solidFill>
-                <a:effectLst/>
-                <a:latin typeface="Consolas" panose="020B0609020204030204" pitchFamily="49" charset="0"/>
-              </a:rPr>
-              <a:t>&lt;/</a:t>
-            </a:r>
-            <a:r>
-              <a:rPr lang="pt-BR" b="0" dirty="0">
-                <a:solidFill>
-                  <a:srgbClr val="569CD6"/>
-                </a:solidFill>
-                <a:effectLst/>
-                <a:latin typeface="Consolas" panose="020B0609020204030204" pitchFamily="49" charset="0"/>
-              </a:rPr>
-              <a:t>body</a:t>
-            </a:r>
-            <a:r>
-              <a:rPr lang="pt-BR" b="0" dirty="0">
-                <a:solidFill>
-                  <a:srgbClr val="808080"/>
-                </a:solidFill>
-                <a:effectLst/>
-                <a:latin typeface="Consolas" panose="020B0609020204030204" pitchFamily="49" charset="0"/>
-              </a:rPr>
-              <a:t>&gt;</a:t>
-            </a:r>
-            <a:endParaRPr lang="pt-BR" b="0" dirty="0">
-              <a:solidFill>
-                <a:srgbClr val="CCCCCC"/>
-              </a:solidFill>
-              <a:effectLst/>
-              <a:latin typeface="Consolas" panose="020B0609020204030204" pitchFamily="49" charset="0"/>
-            </a:endParaRPr>
-          </a:p>
-          <a:p>
-            <a:r>
-              <a:rPr lang="pt-BR" b="0" dirty="0">
-                <a:solidFill>
-                  <a:srgbClr val="808080"/>
-                </a:solidFill>
-                <a:effectLst/>
-                <a:latin typeface="Consolas" panose="020B0609020204030204" pitchFamily="49" charset="0"/>
-              </a:rPr>
-              <a:t>&lt;/</a:t>
-            </a:r>
-            <a:r>
-              <a:rPr lang="pt-BR" b="0" dirty="0" err="1">
-                <a:solidFill>
-                  <a:srgbClr val="569CD6"/>
-                </a:solidFill>
-                <a:effectLst/>
-                <a:latin typeface="Consolas" panose="020B0609020204030204" pitchFamily="49" charset="0"/>
-              </a:rPr>
-              <a:t>html</a:t>
-            </a:r>
-            <a:r>
-              <a:rPr lang="pt-BR" b="0" dirty="0">
-                <a:solidFill>
-                  <a:srgbClr val="808080"/>
-                </a:solidFill>
-                <a:effectLst/>
-                <a:latin typeface="Consolas" panose="020B0609020204030204" pitchFamily="49" charset="0"/>
-              </a:rPr>
-              <a:t>&gt;</a:t>
-            </a:r>
-            <a:endParaRPr lang="pt-BR" b="0" dirty="0">
-              <a:solidFill>
-                <a:srgbClr val="CCCCCC"/>
-              </a:solidFill>
-              <a:effectLst/>
-              <a:latin typeface="Consolas" panose="020B0609020204030204" pitchFamily="49" charset="0"/>
-            </a:endParaRPr>
-          </a:p>
-        </p:txBody>
-      </p:sp>
-      <p:sp>
-        <p:nvSpPr>
-          <p:cNvPr id="4" name="Título 1">
-            <a:extLst>
-              <a:ext uri="{FF2B5EF4-FFF2-40B4-BE49-F238E27FC236}">
-                <a16:creationId xmlns:a16="http://schemas.microsoft.com/office/drawing/2014/main" id="{D4DB6032-620B-B310-7904-60B217EFC041}"/>
-              </a:ext>
-            </a:extLst>
-          </p:cNvPr>
-          <p:cNvSpPr txBox="1">
-            <a:spLocks/>
-          </p:cNvSpPr>
-          <p:nvPr/>
-        </p:nvSpPr>
-        <p:spPr>
-          <a:xfrm>
-            <a:off x="222978" y="128476"/>
-            <a:ext cx="10571998" cy="970450"/>
-          </a:xfrm>
-          <a:prstGeom prst="rect">
-            <a:avLst/>
-          </a:prstGeom>
-        </p:spPr>
-        <p:txBody>
-          <a:bodyPr/>
-          <a:lstStyle>
-            <a:lvl1pPr algn="l" defTabSz="457200" rtl="0" eaLnBrk="1" latinLnBrk="0" hangingPunct="1">
-              <a:spcBef>
-                <a:spcPct val="0"/>
-              </a:spcBef>
-              <a:buNone/>
-              <a:defRPr sz="4000" b="1" kern="1200">
-                <a:solidFill>
-                  <a:srgbClr val="FEFEFE"/>
-                </a:solidFill>
-                <a:latin typeface="+mj-lt"/>
-                <a:ea typeface="+mj-ea"/>
-                <a:cs typeface="+mj-cs"/>
-              </a:defRPr>
-            </a:lvl1pPr>
-            <a:lvl2pPr eaLnBrk="1" hangingPunct="1">
-              <a:defRPr>
-                <a:solidFill>
-                  <a:schemeClr val="tx2"/>
-                </a:solidFill>
-              </a:defRPr>
-            </a:lvl2pPr>
-            <a:lvl3pPr eaLnBrk="1" hangingPunct="1">
-              <a:defRPr>
-                <a:solidFill>
-                  <a:schemeClr val="tx2"/>
-                </a:solidFill>
-              </a:defRPr>
-            </a:lvl3pPr>
-            <a:lvl4pPr eaLnBrk="1" hangingPunct="1">
-              <a:defRPr>
-                <a:solidFill>
-                  <a:schemeClr val="tx2"/>
-                </a:solidFill>
-              </a:defRPr>
-            </a:lvl4pPr>
-            <a:lvl5pPr eaLnBrk="1" hangingPunct="1">
-              <a:defRPr>
-                <a:solidFill>
-                  <a:schemeClr val="tx2"/>
-                </a:solidFill>
-              </a:defRPr>
-            </a:lvl5pPr>
-            <a:lvl6pPr eaLnBrk="1" hangingPunct="1">
-              <a:defRPr>
-                <a:solidFill>
-                  <a:schemeClr val="tx2"/>
-                </a:solidFill>
-              </a:defRPr>
-            </a:lvl6pPr>
-            <a:lvl7pPr eaLnBrk="1" hangingPunct="1">
-              <a:defRPr>
-                <a:solidFill>
-                  <a:schemeClr val="tx2"/>
-                </a:solidFill>
-              </a:defRPr>
-            </a:lvl7pPr>
-            <a:lvl8pPr eaLnBrk="1" hangingPunct="1">
-              <a:defRPr>
-                <a:solidFill>
-                  <a:schemeClr val="tx2"/>
-                </a:solidFill>
-              </a:defRPr>
-            </a:lvl8pPr>
-            <a:lvl9pPr eaLnBrk="1" hangingPunct="1">
-              <a:defRPr>
-                <a:solidFill>
-                  <a:schemeClr val="tx2"/>
-                </a:solidFill>
-              </a:defRPr>
-            </a:lvl9pPr>
-          </a:lstStyle>
-          <a:p>
-            <a:r>
-              <a:rPr lang="pt-BR" dirty="0"/>
-              <a:t>Semântica</a:t>
-            </a:r>
-          </a:p>
-        </p:txBody>
-      </p:sp>
-      <p:sp>
-        <p:nvSpPr>
-          <p:cNvPr id="5" name="Texto Explicativo: Linha 4">
-            <a:extLst>
-              <a:ext uri="{FF2B5EF4-FFF2-40B4-BE49-F238E27FC236}">
-                <a16:creationId xmlns:a16="http://schemas.microsoft.com/office/drawing/2014/main" id="{8EAB00B2-B35D-9CF7-ACD2-7C7F6C3DE810}"/>
-              </a:ext>
-            </a:extLst>
-          </p:cNvPr>
-          <p:cNvSpPr/>
-          <p:nvPr/>
-        </p:nvSpPr>
-        <p:spPr>
-          <a:xfrm>
-            <a:off x="6197601" y="487374"/>
-            <a:ext cx="4597376" cy="1488182"/>
-          </a:xfrm>
-          <a:prstGeom prst="borderCallout1">
-            <a:avLst>
-              <a:gd name="adj1" fmla="val 54403"/>
-              <a:gd name="adj2" fmla="val -5141"/>
-              <a:gd name="adj3" fmla="val 189918"/>
-              <a:gd name="adj4" fmla="val -60630"/>
-            </a:avLst>
-          </a:prstGeom>
-        </p:spPr>
-        <p:style>
-          <a:lnRef idx="2">
-            <a:schemeClr val="accent1">
-              <a:shade val="50000"/>
-            </a:schemeClr>
-          </a:lnRef>
-          <a:fillRef idx="1">
-            <a:schemeClr val="accent1"/>
-          </a:fillRef>
-          <a:effectRef idx="0">
-            <a:schemeClr val="accent1"/>
-          </a:effectRef>
-          <a:fontRef idx="minor">
-            <a:schemeClr val="lt1"/>
-          </a:fontRef>
-        </p:style>
-        <p:txBody>
-          <a:bodyPr rtlCol="0" anchor="ctr"/>
-          <a:lstStyle/>
-          <a:p>
-            <a:pPr algn="ctr"/>
-            <a:r>
-              <a:rPr lang="pt-BR" dirty="0"/>
-              <a:t>Evitar usar </a:t>
-            </a:r>
-            <a:r>
-              <a:rPr lang="pt-BR" dirty="0" err="1"/>
-              <a:t>tags</a:t>
-            </a:r>
-            <a:r>
-              <a:rPr lang="pt-BR" dirty="0"/>
-              <a:t> genéricas.</a:t>
-            </a:r>
-          </a:p>
-          <a:p>
-            <a:pPr algn="ctr"/>
-            <a:r>
-              <a:rPr lang="pt-BR" dirty="0"/>
-              <a:t>Leitores de tela utilizam os cabeçarios  entre outras ferramentas</a:t>
-            </a:r>
-          </a:p>
-          <a:p>
-            <a:pPr algn="ctr"/>
-            <a:endParaRPr lang="pt-BR" dirty="0"/>
-          </a:p>
-        </p:txBody>
-      </p:sp>
-      <p:sp>
-        <p:nvSpPr>
-          <p:cNvPr id="9" name="CaixaDeTexto 8">
-            <a:extLst>
-              <a:ext uri="{FF2B5EF4-FFF2-40B4-BE49-F238E27FC236}">
-                <a16:creationId xmlns:a16="http://schemas.microsoft.com/office/drawing/2014/main" id="{F103FA90-F31D-144F-3ADE-3D64DE37C788}"/>
-              </a:ext>
-            </a:extLst>
-          </p:cNvPr>
-          <p:cNvSpPr txBox="1"/>
-          <p:nvPr/>
-        </p:nvSpPr>
-        <p:spPr>
-          <a:xfrm>
-            <a:off x="3759200" y="5657671"/>
-            <a:ext cx="8288843" cy="1200329"/>
-          </a:xfrm>
-          <a:prstGeom prst="rect">
-            <a:avLst/>
-          </a:prstGeom>
-          <a:noFill/>
-        </p:spPr>
-        <p:txBody>
-          <a:bodyPr wrap="square">
-            <a:spAutoFit/>
-          </a:bodyPr>
-          <a:lstStyle/>
-          <a:p>
-            <a:r>
-              <a:rPr lang="pt-BR" b="1" dirty="0"/>
-              <a:t>Usar elementos apropriados para o conteúdo: </a:t>
-            </a:r>
-            <a:r>
-              <a:rPr lang="pt-BR" b="1" dirty="0">
-                <a:solidFill>
-                  <a:schemeClr val="accent1"/>
-                </a:solidFill>
-              </a:rPr>
-              <a:t>Em vez de usar elementos genéricos como &lt;</a:t>
-            </a:r>
-            <a:r>
-              <a:rPr lang="pt-BR" b="1" dirty="0" err="1">
-                <a:solidFill>
-                  <a:schemeClr val="accent1"/>
-                </a:solidFill>
-              </a:rPr>
-              <a:t>div</a:t>
-            </a:r>
-            <a:r>
-              <a:rPr lang="pt-BR" b="1" dirty="0">
-                <a:solidFill>
-                  <a:schemeClr val="accent1"/>
-                </a:solidFill>
-              </a:rPr>
-              <a:t>&gt; e &lt;</a:t>
-            </a:r>
-            <a:r>
-              <a:rPr lang="pt-BR" b="1" dirty="0" err="1">
-                <a:solidFill>
-                  <a:schemeClr val="accent1"/>
-                </a:solidFill>
-              </a:rPr>
-              <a:t>span</a:t>
-            </a:r>
-            <a:r>
-              <a:rPr lang="pt-BR" b="1" dirty="0">
-                <a:solidFill>
-                  <a:schemeClr val="accent1"/>
-                </a:solidFill>
-              </a:rPr>
-              <a:t>&gt; para todo o conteúdo, é preferível escolher elementos HTML específicos que melhor descrevam o conteúdo, como &lt;header&gt;, &lt;</a:t>
-            </a:r>
-            <a:r>
-              <a:rPr lang="pt-BR" b="1" dirty="0" err="1">
-                <a:solidFill>
-                  <a:schemeClr val="accent1"/>
-                </a:solidFill>
-              </a:rPr>
-              <a:t>nav</a:t>
-            </a:r>
-            <a:r>
-              <a:rPr lang="pt-BR" b="1" dirty="0">
-                <a:solidFill>
-                  <a:schemeClr val="accent1"/>
-                </a:solidFill>
-              </a:rPr>
-              <a:t>&gt;, &lt;</a:t>
-            </a:r>
-            <a:r>
-              <a:rPr lang="pt-BR" b="1" dirty="0" err="1">
-                <a:solidFill>
-                  <a:schemeClr val="accent1"/>
-                </a:solidFill>
-              </a:rPr>
-              <a:t>article</a:t>
-            </a:r>
-            <a:r>
-              <a:rPr lang="pt-BR" b="1" dirty="0">
-                <a:solidFill>
-                  <a:schemeClr val="accent1"/>
-                </a:solidFill>
-              </a:rPr>
-              <a:t>&gt;, &lt;</a:t>
-            </a:r>
-            <a:r>
-              <a:rPr lang="pt-BR" b="1" dirty="0" err="1">
-                <a:solidFill>
-                  <a:schemeClr val="accent1"/>
-                </a:solidFill>
-              </a:rPr>
-              <a:t>section</a:t>
-            </a:r>
-            <a:r>
-              <a:rPr lang="pt-BR" b="1" dirty="0">
-                <a:solidFill>
-                  <a:schemeClr val="accent1"/>
-                </a:solidFill>
-              </a:rPr>
-              <a:t>&gt;, &lt;</a:t>
-            </a:r>
-            <a:r>
-              <a:rPr lang="pt-BR" b="1" dirty="0" err="1">
-                <a:solidFill>
-                  <a:schemeClr val="accent1"/>
-                </a:solidFill>
-              </a:rPr>
-              <a:t>footer</a:t>
-            </a:r>
-            <a:r>
-              <a:rPr lang="pt-BR" b="1" dirty="0">
-                <a:solidFill>
-                  <a:schemeClr val="accent1"/>
-                </a:solidFill>
-              </a:rPr>
-              <a:t>&gt;, etc.</a:t>
-            </a:r>
-          </a:p>
-        </p:txBody>
-      </p:sp>
-    </p:spTree>
-    <p:extLst>
-      <p:ext uri="{BB962C8B-B14F-4D97-AF65-F5344CB8AC3E}">
-        <p14:creationId xmlns:p14="http://schemas.microsoft.com/office/powerpoint/2010/main" val="2111596027"/>
-      </p:ext>
-    </p:extLst>
-  </p:cSld>
-  <p:clrMapOvr>
-    <a:masterClrMapping/>
-  </p:clrMapOvr>
-</p:sld>
-</file>
-
-<file path=ppt/slides/slide6.xml><?xml version="1.0" encoding="utf-8"?>
-<p:sld xmlns:a="http://schemas.openxmlformats.org/drawingml/2006/main" xmlns:r="http://schemas.openxmlformats.org/officeDocument/2006/relationships" xmlns:p="http://schemas.openxmlformats.org/presentationml/2006/main">
-  <p:cSld>
-    <p:spTree>
-      <p:nvGrpSpPr>
-        <p:cNvPr id="1" name=""/>
-        <p:cNvGrpSpPr/>
-        <p:nvPr/>
-      </p:nvGrpSpPr>
-      <p:grpSpPr>
-        <a:xfrm>
-          <a:off x="0" y="0"/>
-          <a:ext cx="0" cy="0"/>
-          <a:chOff x="0" y="0"/>
-          <a:chExt cx="0" cy="0"/>
-        </a:xfrm>
-      </p:grpSpPr>
-      <p:sp>
-        <p:nvSpPr>
-          <p:cNvPr id="4" name="Retângulo 3">
-            <a:extLst>
-              <a:ext uri="{FF2B5EF4-FFF2-40B4-BE49-F238E27FC236}">
-                <a16:creationId xmlns:a16="http://schemas.microsoft.com/office/drawing/2014/main" id="{EA0E46D5-C427-2231-6072-F05B6C7E4BBF}"/>
-              </a:ext>
-            </a:extLst>
-          </p:cNvPr>
-          <p:cNvSpPr/>
-          <p:nvPr/>
-        </p:nvSpPr>
-        <p:spPr>
-          <a:xfrm>
-            <a:off x="199350" y="212846"/>
-            <a:ext cx="3845925" cy="923330"/>
-          </a:xfrm>
-          <a:prstGeom prst="rect">
-            <a:avLst/>
-          </a:prstGeom>
-          <a:noFill/>
-        </p:spPr>
-        <p:txBody>
-          <a:bodyPr wrap="none" lIns="91440" tIns="45720" rIns="91440" bIns="45720">
-            <a:spAutoFit/>
-          </a:bodyPr>
-          <a:lstStyle/>
-          <a:p>
-            <a:pPr algn="ctr"/>
-            <a:r>
-              <a:rPr lang="pt-BR" sz="5400" b="1" cap="none" spc="0" dirty="0">
-                <a:ln w="10160">
-                  <a:solidFill>
-                    <a:schemeClr val="accent5"/>
-                  </a:solidFill>
-                  <a:prstDash val="solid"/>
-                </a:ln>
-                <a:solidFill>
-                  <a:srgbClr val="FFFFFF"/>
-                </a:solidFill>
-                <a:effectLst>
-                  <a:outerShdw blurRad="38100" dist="22860" dir="5400000" algn="tl" rotWithShape="0">
-                    <a:srgbClr val="000000">
-                      <a:alpha val="30000"/>
-                    </a:srgbClr>
-                  </a:outerShdw>
-                </a:effectLst>
-              </a:rPr>
-              <a:t>Exercício 4</a:t>
-            </a:r>
-          </a:p>
-        </p:txBody>
-      </p:sp>
-      <p:sp>
-        <p:nvSpPr>
-          <p:cNvPr id="5" name="Espaço Reservado para Conteúdo 2">
-            <a:extLst>
-              <a:ext uri="{FF2B5EF4-FFF2-40B4-BE49-F238E27FC236}">
-                <a16:creationId xmlns:a16="http://schemas.microsoft.com/office/drawing/2014/main" id="{E5AC051A-DFD9-6193-3127-2A5C308D2BB0}"/>
-              </a:ext>
-            </a:extLst>
-          </p:cNvPr>
-          <p:cNvSpPr txBox="1">
-            <a:spLocks/>
-          </p:cNvSpPr>
-          <p:nvPr/>
-        </p:nvSpPr>
-        <p:spPr>
-          <a:xfrm>
-            <a:off x="818712" y="2222287"/>
-            <a:ext cx="10554574" cy="3636511"/>
-          </a:xfrm>
-          <a:prstGeom prst="rect">
-            <a:avLst/>
-          </a:prstGeom>
-        </p:spPr>
-        <p:txBody>
-          <a:bodyPr/>
-          <a:lstStyle>
-            <a:lvl1pPr marL="342900" indent="-342900" algn="l" defTabSz="457200" rtl="0" eaLnBrk="1" latinLnBrk="0" hangingPunct="1">
-              <a:spcBef>
-                <a:spcPct val="20000"/>
-              </a:spcBef>
-              <a:spcAft>
-                <a:spcPts val="600"/>
-              </a:spcAft>
-              <a:buClr>
-                <a:schemeClr val="accent1"/>
-              </a:buClr>
-              <a:buFont typeface="Wingdings 2" charset="2"/>
-              <a:buChar char=""/>
-              <a:defRPr sz="1800" kern="1200">
-                <a:solidFill>
-                  <a:schemeClr val="tx1"/>
-                </a:solidFill>
-                <a:latin typeface="+mn-lt"/>
-                <a:ea typeface="+mn-ea"/>
-                <a:cs typeface="+mn-cs"/>
-              </a:defRPr>
-            </a:lvl1pPr>
-            <a:lvl2pPr marL="742950" indent="-285750" algn="l" defTabSz="457200" rtl="0" eaLnBrk="1" latinLnBrk="0" hangingPunct="1">
-              <a:spcBef>
-                <a:spcPct val="20000"/>
-              </a:spcBef>
-              <a:spcAft>
-                <a:spcPts val="600"/>
-              </a:spcAft>
-              <a:buClr>
-                <a:schemeClr val="accent1"/>
-              </a:buClr>
-              <a:buFont typeface="Wingdings 2" charset="2"/>
-              <a:buChar char=""/>
-              <a:defRPr sz="1600" kern="1200">
-                <a:solidFill>
-                  <a:schemeClr val="tx1"/>
-                </a:solidFill>
-                <a:latin typeface="+mn-lt"/>
-                <a:ea typeface="+mn-ea"/>
-                <a:cs typeface="+mn-cs"/>
-              </a:defRPr>
-            </a:lvl2pPr>
-            <a:lvl3pPr marL="1143000" indent="-228600" algn="l" defTabSz="457200" rtl="0" eaLnBrk="1" latinLnBrk="0" hangingPunct="1">
-              <a:spcBef>
-                <a:spcPct val="20000"/>
-              </a:spcBef>
-              <a:spcAft>
-                <a:spcPts val="600"/>
-              </a:spcAft>
-              <a:buClr>
-                <a:schemeClr val="accent1"/>
-              </a:buClr>
-              <a:buFont typeface="Wingdings 2" charset="2"/>
-              <a:buChar char=""/>
-              <a:defRPr sz="1400" kern="1200">
-                <a:solidFill>
-                  <a:schemeClr val="tx1"/>
-                </a:solidFill>
-                <a:latin typeface="+mn-lt"/>
-                <a:ea typeface="+mn-ea"/>
-                <a:cs typeface="+mn-cs"/>
-              </a:defRPr>
-            </a:lvl3pPr>
-            <a:lvl4pPr marL="1600200" indent="-228600" algn="l" defTabSz="457200" rtl="0" eaLnBrk="1" latinLnBrk="0" hangingPunct="1">
-              <a:spcBef>
-                <a:spcPct val="20000"/>
-              </a:spcBef>
-              <a:spcAft>
-                <a:spcPts val="600"/>
-              </a:spcAft>
-              <a:buClr>
-                <a:schemeClr val="accent1"/>
-              </a:buClr>
-              <a:buFont typeface="Wingdings 2" charset="2"/>
-              <a:buChar char=""/>
-              <a:defRPr sz="1200" kern="1200">
-                <a:solidFill>
-                  <a:schemeClr val="tx1"/>
-                </a:solidFill>
-                <a:latin typeface="+mn-lt"/>
-                <a:ea typeface="+mn-ea"/>
-                <a:cs typeface="+mn-cs"/>
-              </a:defRPr>
-            </a:lvl4pPr>
-            <a:lvl5pPr marL="2057400" indent="-228600" algn="l" defTabSz="457200" rtl="0" eaLnBrk="1" latinLnBrk="0" hangingPunct="1">
-              <a:spcBef>
-                <a:spcPct val="20000"/>
-              </a:spcBef>
-              <a:spcAft>
-                <a:spcPts val="600"/>
-              </a:spcAft>
-              <a:buClr>
-                <a:schemeClr val="accent1"/>
-              </a:buClr>
-              <a:buFont typeface="Wingdings 2" charset="2"/>
-              <a:buChar char=""/>
-              <a:defRPr sz="1200" kern="1200">
-                <a:solidFill>
-                  <a:schemeClr val="tx1"/>
-                </a:solidFill>
-                <a:latin typeface="+mn-lt"/>
-                <a:ea typeface="+mn-ea"/>
-                <a:cs typeface="+mn-cs"/>
-              </a:defRPr>
-            </a:lvl5pPr>
-            <a:lvl6pPr marL="2400000" indent="-228600" algn="l" defTabSz="457200" rtl="0" eaLnBrk="1" latinLnBrk="0" hangingPunct="1">
-              <a:spcBef>
-                <a:spcPct val="20000"/>
-              </a:spcBef>
-              <a:spcAft>
-                <a:spcPts val="600"/>
-              </a:spcAft>
-              <a:buClr>
-                <a:schemeClr val="accent1"/>
-              </a:buClr>
-              <a:buFont typeface="Wingdings 2" charset="2"/>
-              <a:buChar char=""/>
-              <a:defRPr sz="1200" kern="1200">
-                <a:solidFill>
-                  <a:schemeClr val="tx1"/>
-                </a:solidFill>
-                <a:latin typeface="+mn-lt"/>
-                <a:ea typeface="+mn-ea"/>
-                <a:cs typeface="+mn-cs"/>
-              </a:defRPr>
-            </a:lvl6pPr>
-            <a:lvl7pPr marL="2800000" indent="-228600" algn="l" defTabSz="457200" rtl="0" eaLnBrk="1" latinLnBrk="0" hangingPunct="1">
-              <a:spcBef>
-                <a:spcPct val="20000"/>
-              </a:spcBef>
-              <a:spcAft>
-                <a:spcPts val="600"/>
-              </a:spcAft>
-              <a:buClr>
-                <a:schemeClr val="accent1"/>
-              </a:buClr>
-              <a:buFont typeface="Wingdings 2" charset="2"/>
-              <a:buChar char=""/>
-              <a:defRPr sz="1200" kern="1200">
-                <a:solidFill>
-                  <a:schemeClr val="tx1"/>
-                </a:solidFill>
-                <a:latin typeface="+mn-lt"/>
-                <a:ea typeface="+mn-ea"/>
-                <a:cs typeface="+mn-cs"/>
-              </a:defRPr>
-            </a:lvl7pPr>
-            <a:lvl8pPr marL="3200000" indent="-228600" algn="l" defTabSz="457200" rtl="0" eaLnBrk="1" latinLnBrk="0" hangingPunct="1">
-              <a:spcBef>
-                <a:spcPct val="20000"/>
-              </a:spcBef>
-              <a:spcAft>
-                <a:spcPts val="600"/>
-              </a:spcAft>
-              <a:buClr>
-                <a:schemeClr val="accent1"/>
-              </a:buClr>
-              <a:buFont typeface="Wingdings 2" charset="2"/>
-              <a:buChar char=""/>
-              <a:defRPr sz="1200" kern="1200">
-                <a:solidFill>
-                  <a:schemeClr val="tx1"/>
-                </a:solidFill>
-                <a:latin typeface="+mn-lt"/>
-                <a:ea typeface="+mn-ea"/>
-                <a:cs typeface="+mn-cs"/>
-              </a:defRPr>
-            </a:lvl8pPr>
-            <a:lvl9pPr marL="3600000" indent="-228600" algn="l" defTabSz="457200" rtl="0" eaLnBrk="1" latinLnBrk="0" hangingPunct="1">
-              <a:spcBef>
-                <a:spcPct val="20000"/>
-              </a:spcBef>
-              <a:spcAft>
-                <a:spcPts val="600"/>
-              </a:spcAft>
-              <a:buClr>
-                <a:schemeClr val="accent1"/>
-              </a:buClr>
-              <a:buFont typeface="Wingdings 2" charset="2"/>
-              <a:buChar char=""/>
-              <a:defRPr sz="1200" kern="1200">
-                <a:solidFill>
-                  <a:schemeClr val="tx1"/>
-                </a:solidFill>
-                <a:latin typeface="+mn-lt"/>
-                <a:ea typeface="+mn-ea"/>
-                <a:cs typeface="+mn-cs"/>
-              </a:defRPr>
-            </a:lvl9pPr>
-          </a:lstStyle>
-          <a:p>
-            <a:pPr>
-              <a:buFont typeface="+mj-lt"/>
-              <a:buAutoNum type="arabicPeriod"/>
-            </a:pPr>
-            <a:r>
-              <a:rPr lang="pt-BR" dirty="0"/>
-              <a:t>Criar Html.</a:t>
-            </a:r>
-          </a:p>
-          <a:p>
-            <a:pPr>
-              <a:buFont typeface="+mj-lt"/>
-              <a:buAutoNum type="arabicPeriod"/>
-            </a:pPr>
-            <a:r>
-              <a:rPr lang="pt-BR" dirty="0"/>
-              <a:t> Colocar um titulo Produto a Venda</a:t>
-            </a:r>
-          </a:p>
-          <a:p>
-            <a:pPr>
-              <a:buFont typeface="+mj-lt"/>
-              <a:buAutoNum type="arabicPeriod"/>
-            </a:pPr>
-            <a:r>
-              <a:rPr lang="pt-BR" dirty="0"/>
-              <a:t>Colocar um subtítulo com o nome do produto</a:t>
-            </a:r>
-          </a:p>
-          <a:p>
-            <a:pPr>
-              <a:buFont typeface="+mj-lt"/>
-              <a:buAutoNum type="arabicPeriod"/>
-            </a:pPr>
-            <a:r>
-              <a:rPr lang="pt-BR" dirty="0"/>
-              <a:t>Colocar uma imagem do produto</a:t>
-            </a:r>
-          </a:p>
-          <a:p>
-            <a:pPr>
-              <a:buFont typeface="+mj-lt"/>
-              <a:buAutoNum type="arabicPeriod"/>
-            </a:pPr>
-            <a:r>
-              <a:rPr lang="pt-BR" dirty="0"/>
-              <a:t>Colocar tamanho da imagem com 200px </a:t>
-            </a:r>
-            <a:r>
-              <a:rPr lang="pt-BR" dirty="0" err="1"/>
-              <a:t>tag</a:t>
-            </a:r>
-            <a:r>
-              <a:rPr lang="pt-BR" dirty="0"/>
-              <a:t> </a:t>
-            </a:r>
-            <a:r>
-              <a:rPr lang="pt-BR" dirty="0" err="1"/>
-              <a:t>style</a:t>
-            </a:r>
-            <a:endParaRPr lang="pt-BR" dirty="0"/>
-          </a:p>
-          <a:p>
-            <a:pPr>
-              <a:buFont typeface="+mj-lt"/>
-              <a:buAutoNum type="arabicPeriod"/>
-            </a:pPr>
-            <a:r>
-              <a:rPr lang="pt-BR" dirty="0"/>
-              <a:t>Colocar um parágrafo com descrição do produto</a:t>
-            </a:r>
-          </a:p>
-          <a:p>
-            <a:pPr>
-              <a:buFont typeface="+mj-lt"/>
-              <a:buAutoNum type="arabicPeriod"/>
-            </a:pPr>
-            <a:r>
-              <a:rPr lang="pt-BR" dirty="0"/>
-              <a:t>Colocar um parágrafo com preço do produto</a:t>
-            </a:r>
-          </a:p>
-        </p:txBody>
-      </p:sp>
-    </p:spTree>
-    <p:extLst>
-      <p:ext uri="{BB962C8B-B14F-4D97-AF65-F5344CB8AC3E}">
-        <p14:creationId xmlns:p14="http://schemas.microsoft.com/office/powerpoint/2010/main" val="190238477"/>
-      </p:ext>
-    </p:extLst>
-  </p:cSld>
-  <p:clrMapOvr>
-    <a:masterClrMapping/>
-  </p:clrMapOvr>
-</p:sld>
-</file>
-
-<file path=ppt/slides/slide7.xml><?xml version="1.0" encoding="utf-8"?>
-<p:sld xmlns:a="http://schemas.openxmlformats.org/drawingml/2006/main" xmlns:r="http://schemas.openxmlformats.org/officeDocument/2006/relationships" xmlns:p="http://schemas.openxmlformats.org/presentationml/2006/main">
-  <p:cSld>
-    <p:spTree>
-      <p:nvGrpSpPr>
-        <p:cNvPr id="1" name=""/>
-        <p:cNvGrpSpPr/>
-        <p:nvPr/>
-      </p:nvGrpSpPr>
-      <p:grpSpPr>
-        <a:xfrm>
-          <a:off x="0" y="0"/>
-          <a:ext cx="0" cy="0"/>
-          <a:chOff x="0" y="0"/>
-          <a:chExt cx="0" cy="0"/>
-        </a:xfrm>
-      </p:grpSpPr>
-      <p:sp>
-        <p:nvSpPr>
-          <p:cNvPr id="2" name="Título 1">
-            <a:extLst>
-              <a:ext uri="{FF2B5EF4-FFF2-40B4-BE49-F238E27FC236}">
-                <a16:creationId xmlns:a16="http://schemas.microsoft.com/office/drawing/2014/main" id="{C7E3F66C-3E58-FA1A-CC60-111D2EA0E710}"/>
-              </a:ext>
-            </a:extLst>
-          </p:cNvPr>
-          <p:cNvSpPr>
-            <a:spLocks noGrp="1"/>
-          </p:cNvSpPr>
-          <p:nvPr>
-            <p:ph type="title"/>
-          </p:nvPr>
-        </p:nvSpPr>
-        <p:spPr/>
-        <p:txBody>
-          <a:bodyPr/>
-          <a:lstStyle/>
-          <a:p>
-            <a:r>
-              <a:rPr lang="pt-BR" dirty="0" err="1"/>
-              <a:t>Tags</a:t>
-            </a:r>
-            <a:r>
-              <a:rPr lang="pt-BR" dirty="0"/>
-              <a:t> – Link e Imagens</a:t>
-            </a:r>
-          </a:p>
-        </p:txBody>
-      </p:sp>
-      <p:pic>
-        <p:nvPicPr>
-          <p:cNvPr id="1026" name="Picture 2" descr="Html png images | PNGEgg">
-            <a:extLst>
-              <a:ext uri="{FF2B5EF4-FFF2-40B4-BE49-F238E27FC236}">
-                <a16:creationId xmlns:a16="http://schemas.microsoft.com/office/drawing/2014/main" id="{5D553EE5-2811-1B13-81C3-CBDD3DD6D304}"/>
-              </a:ext>
-            </a:extLst>
-          </p:cNvPr>
-          <p:cNvPicPr>
-            <a:picLocks noChangeAspect="1" noChangeArrowheads="1"/>
-          </p:cNvPicPr>
-          <p:nvPr/>
-        </p:nvPicPr>
-        <p:blipFill>
-          <a:blip r:embed="rId2">
-            <a:extLst>
-              <a:ext uri="{BEBA8EAE-BF5A-486C-A8C5-ECC9F3942E4B}">
-                <a14:imgProps xmlns:a14="http://schemas.microsoft.com/office/drawing/2010/main">
-                  <a14:imgLayer r:embed="rId3">
-                    <a14:imgEffect>
-                      <a14:backgroundRemoval t="3324" b="95112" l="10000" r="90000">
-                        <a14:foregroundMark x1="22333" y1="11046" x2="22333" y2="11046"/>
-                        <a14:foregroundMark x1="30222" y1="12121" x2="30222" y2="12121"/>
-                        <a14:foregroundMark x1="27778" y1="12121" x2="27778" y2="12121"/>
-                        <a14:foregroundMark x1="40444" y1="10459" x2="40444" y2="10459"/>
-                        <a14:foregroundMark x1="43111" y1="8700" x2="43111" y2="8700"/>
-                        <a14:foregroundMark x1="41778" y1="12805" x2="41778" y2="12805"/>
-                        <a14:foregroundMark x1="59222" y1="11046" x2="59222" y2="11046"/>
-                        <a14:foregroundMark x1="54889" y1="12023" x2="54889" y2="12023"/>
-                        <a14:foregroundMark x1="51889" y1="14174" x2="51889" y2="14174"/>
-                        <a14:foregroundMark x1="62222" y1="13685" x2="62222" y2="13685"/>
-                        <a14:foregroundMark x1="61556" y1="8700" x2="61556" y2="8700"/>
-                        <a14:foregroundMark x1="51667" y1="9677" x2="51667" y2="9677"/>
-                        <a14:foregroundMark x1="53778" y1="9873" x2="53778" y2="9873"/>
-                        <a14:foregroundMark x1="46000" y1="8798" x2="46000" y2="8798"/>
-                        <a14:foregroundMark x1="67333" y1="9971" x2="67333" y2="9971"/>
-                        <a14:foregroundMark x1="69889" y1="16031" x2="69889" y2="16031"/>
-                        <a14:foregroundMark x1="74222" y1="16813" x2="74222" y2="16813"/>
-                        <a14:foregroundMark x1="68111" y1="13978" x2="68111" y2="13978"/>
-                        <a14:foregroundMark x1="68667" y1="8504" x2="68667" y2="8504"/>
-                        <a14:foregroundMark x1="61889" y1="11046" x2="61889" y2="11046"/>
-                        <a14:foregroundMark x1="62111" y1="16325" x2="62111" y2="16325"/>
-                        <a14:foregroundMark x1="52222" y1="13001" x2="52222" y2="13001"/>
-                        <a14:foregroundMark x1="57333" y1="13294" x2="57333" y2="13294"/>
-                        <a14:foregroundMark x1="52222" y1="16325" x2="52222" y2="16325"/>
-                        <a14:foregroundMark x1="41778" y1="15640" x2="41778" y2="15640"/>
-                        <a14:foregroundMark x1="37667" y1="8798" x2="37667" y2="8798"/>
-                        <a14:foregroundMark x1="39556" y1="8700" x2="39556" y2="8700"/>
-                        <a14:foregroundMark x1="30444" y1="9971" x2="30444" y2="9971"/>
-                        <a14:foregroundMark x1="32556" y1="15543" x2="32556" y2="15543"/>
-                      </a14:backgroundRemoval>
-                    </a14:imgEffect>
-                  </a14:imgLayer>
-                </a14:imgProps>
-              </a:ext>
-              <a:ext uri="{28A0092B-C50C-407E-A947-70E740481C1C}">
-                <a14:useLocalDpi xmlns:a14="http://schemas.microsoft.com/office/drawing/2010/main" val="0"/>
-              </a:ext>
-            </a:extLst>
-          </a:blip>
-          <a:srcRect/>
-          <a:stretch>
-            <a:fillRect/>
-          </a:stretch>
-        </p:blipFill>
-        <p:spPr bwMode="auto">
-          <a:xfrm>
-            <a:off x="0" y="4952339"/>
-            <a:ext cx="1676717" cy="1905661"/>
-          </a:xfrm>
-          <a:prstGeom prst="rect">
-            <a:avLst/>
-          </a:prstGeom>
-          <a:noFill/>
-          <a:extLst>
-            <a:ext uri="{909E8E84-426E-40DD-AFC4-6F175D3DCCD1}">
-              <a14:hiddenFill xmlns:a14="http://schemas.microsoft.com/office/drawing/2010/main">
-                <a:solidFill>
-                  <a:srgbClr val="FFFFFF"/>
-                </a:solidFill>
-              </a14:hiddenFill>
-            </a:ext>
-          </a:extLst>
-        </p:spPr>
-      </p:pic>
-    </p:spTree>
-    <p:extLst>
-      <p:ext uri="{BB962C8B-B14F-4D97-AF65-F5344CB8AC3E}">
-        <p14:creationId xmlns:p14="http://schemas.microsoft.com/office/powerpoint/2010/main" val="3283624474"/>
-      </p:ext>
-    </p:extLst>
-  </p:cSld>
-  <p:clrMapOvr>
-    <a:masterClrMapping/>
-  </p:clrMapOvr>
-</p:sld>
-</file>
-
-<file path=ppt/slides/slide8.xml><?xml version="1.0" encoding="utf-8"?>
-<p:sld xmlns:a="http://schemas.openxmlformats.org/drawingml/2006/main" xmlns:r="http://schemas.openxmlformats.org/officeDocument/2006/relationships" xmlns:p="http://schemas.openxmlformats.org/presentationml/2006/main">
-  <p:cSld>
-    <p:spTree>
-      <p:nvGrpSpPr>
-        <p:cNvPr id="1" name=""/>
-        <p:cNvGrpSpPr/>
-        <p:nvPr/>
-      </p:nvGrpSpPr>
-      <p:grpSpPr>
-        <a:xfrm>
-          <a:off x="0" y="0"/>
-          <a:ext cx="0" cy="0"/>
-          <a:chOff x="0" y="0"/>
-          <a:chExt cx="0" cy="0"/>
-        </a:xfrm>
-      </p:grpSpPr>
-      <p:sp>
-        <p:nvSpPr>
-          <p:cNvPr id="2" name="Título 1">
-            <a:extLst>
-              <a:ext uri="{FF2B5EF4-FFF2-40B4-BE49-F238E27FC236}">
-                <a16:creationId xmlns:a16="http://schemas.microsoft.com/office/drawing/2014/main" id="{5C56EF69-D93E-FFD4-1D56-2AFD31211897}"/>
-              </a:ext>
-            </a:extLst>
-          </p:cNvPr>
-          <p:cNvSpPr>
-            <a:spLocks noGrp="1"/>
-          </p:cNvSpPr>
-          <p:nvPr>
-            <p:ph type="title"/>
-          </p:nvPr>
-        </p:nvSpPr>
-        <p:spPr/>
-        <p:txBody>
-          <a:bodyPr/>
-          <a:lstStyle/>
-          <a:p>
-            <a:r>
-              <a:rPr lang="pt-BR" dirty="0" err="1"/>
-              <a:t>Tags</a:t>
-            </a:r>
-            <a:r>
-              <a:rPr lang="pt-BR" dirty="0"/>
-              <a:t> – </a:t>
-            </a:r>
-            <a:r>
-              <a:rPr lang="pt-BR" dirty="0" err="1"/>
-              <a:t>Semantica</a:t>
-            </a:r>
-            <a:r>
-              <a:rPr lang="pt-BR" dirty="0"/>
-              <a:t>	</a:t>
-            </a:r>
-          </a:p>
-        </p:txBody>
-      </p:sp>
-      <p:sp>
-        <p:nvSpPr>
-          <p:cNvPr id="3" name="Espaço Reservado para Conteúdo 2">
-            <a:extLst>
-              <a:ext uri="{FF2B5EF4-FFF2-40B4-BE49-F238E27FC236}">
-                <a16:creationId xmlns:a16="http://schemas.microsoft.com/office/drawing/2014/main" id="{3E3C2894-A558-2430-CF85-D37FAA3C3B2B}"/>
-              </a:ext>
-            </a:extLst>
-          </p:cNvPr>
-          <p:cNvSpPr>
-            <a:spLocks noGrp="1"/>
-          </p:cNvSpPr>
-          <p:nvPr>
-            <p:ph idx="1"/>
-          </p:nvPr>
-        </p:nvSpPr>
-        <p:spPr>
-          <a:xfrm>
-            <a:off x="818712" y="2348089"/>
-            <a:ext cx="10554574" cy="3863580"/>
-          </a:xfrm>
-        </p:spPr>
-        <p:txBody>
-          <a:bodyPr>
-            <a:normAutofit lnSpcReduction="10000"/>
-          </a:bodyPr>
-          <a:lstStyle/>
-          <a:p>
-            <a:r>
-              <a:rPr lang="pt-BR" b="0" dirty="0">
-                <a:solidFill>
-                  <a:srgbClr val="808080"/>
-                </a:solidFill>
-                <a:effectLst/>
-                <a:latin typeface="Consolas" panose="020B0609020204030204" pitchFamily="49" charset="0"/>
-              </a:rPr>
-              <a:t>&lt;</a:t>
-            </a:r>
-            <a:r>
-              <a:rPr lang="pt-BR" b="0" dirty="0">
-                <a:solidFill>
-                  <a:srgbClr val="569CD6"/>
-                </a:solidFill>
-                <a:effectLst/>
-                <a:latin typeface="Consolas" panose="020B0609020204030204" pitchFamily="49" charset="0"/>
-              </a:rPr>
-              <a:t>p</a:t>
-            </a:r>
-            <a:r>
-              <a:rPr lang="pt-BR" b="0" dirty="0">
-                <a:solidFill>
-                  <a:srgbClr val="808080"/>
-                </a:solidFill>
-                <a:effectLst/>
-                <a:latin typeface="Consolas" panose="020B0609020204030204" pitchFamily="49" charset="0"/>
-              </a:rPr>
-              <a:t>&gt;</a:t>
-            </a:r>
-            <a:r>
-              <a:rPr lang="pt-BR" dirty="0">
-                <a:solidFill>
-                  <a:srgbClr val="CCCCCC"/>
-                </a:solidFill>
-                <a:latin typeface="Consolas" panose="020B0609020204030204" pitchFamily="49" charset="0"/>
-              </a:rPr>
-              <a:t> </a:t>
-            </a:r>
-            <a:r>
-              <a:rPr lang="pt-BR" dirty="0">
-                <a:solidFill>
-                  <a:srgbClr val="CE9178"/>
-                </a:solidFill>
-                <a:latin typeface="Consolas" panose="020B0609020204030204" pitchFamily="49" charset="0"/>
-              </a:rPr>
-              <a:t>Parágrafo</a:t>
-            </a:r>
-          </a:p>
-          <a:p>
-            <a:r>
-              <a:rPr lang="pt-BR" b="0" dirty="0">
-                <a:solidFill>
-                  <a:srgbClr val="808080"/>
-                </a:solidFill>
-                <a:effectLst/>
-                <a:latin typeface="Consolas" panose="020B0609020204030204" pitchFamily="49" charset="0"/>
-              </a:rPr>
-              <a:t>&lt;</a:t>
-            </a:r>
-            <a:r>
-              <a:rPr lang="pt-BR" b="0" dirty="0">
-                <a:solidFill>
-                  <a:srgbClr val="569CD6"/>
-                </a:solidFill>
-                <a:effectLst/>
-                <a:latin typeface="Consolas" panose="020B0609020204030204" pitchFamily="49" charset="0"/>
-              </a:rPr>
-              <a:t>b</a:t>
-            </a:r>
-            <a:r>
-              <a:rPr lang="pt-BR" b="0" dirty="0">
-                <a:solidFill>
-                  <a:srgbClr val="808080"/>
-                </a:solidFill>
-                <a:effectLst/>
-                <a:latin typeface="Consolas" panose="020B0609020204030204" pitchFamily="49" charset="0"/>
-              </a:rPr>
-              <a:t>&gt;</a:t>
-            </a:r>
-            <a:r>
-              <a:rPr lang="pt-BR" dirty="0">
-                <a:solidFill>
-                  <a:srgbClr val="CCCCCC"/>
-                </a:solidFill>
-                <a:latin typeface="Consolas" panose="020B0609020204030204" pitchFamily="49" charset="0"/>
-              </a:rPr>
-              <a:t> </a:t>
-            </a:r>
-            <a:r>
-              <a:rPr lang="pt-BR" dirty="0">
-                <a:solidFill>
-                  <a:srgbClr val="CE9178"/>
-                </a:solidFill>
-                <a:latin typeface="Consolas" panose="020B0609020204030204" pitchFamily="49" charset="0"/>
-              </a:rPr>
-              <a:t>Negrito</a:t>
-            </a:r>
-          </a:p>
-          <a:p>
-            <a:r>
-              <a:rPr lang="pt-BR" b="0" dirty="0">
-                <a:solidFill>
-                  <a:srgbClr val="808080"/>
-                </a:solidFill>
-                <a:effectLst/>
-                <a:latin typeface="Consolas" panose="020B0609020204030204" pitchFamily="49" charset="0"/>
-              </a:rPr>
-              <a:t>&lt;</a:t>
-            </a:r>
-            <a:r>
-              <a:rPr lang="pt-BR" b="0" dirty="0">
-                <a:solidFill>
-                  <a:srgbClr val="569CD6"/>
-                </a:solidFill>
-                <a:effectLst/>
-                <a:latin typeface="Consolas" panose="020B0609020204030204" pitchFamily="49" charset="0"/>
-              </a:rPr>
-              <a:t>i</a:t>
-            </a:r>
-            <a:r>
-              <a:rPr lang="pt-BR" b="0" dirty="0">
-                <a:solidFill>
-                  <a:srgbClr val="808080"/>
-                </a:solidFill>
-                <a:effectLst/>
-                <a:latin typeface="Consolas" panose="020B0609020204030204" pitchFamily="49" charset="0"/>
-              </a:rPr>
-              <a:t>&gt;</a:t>
-            </a:r>
-            <a:r>
-              <a:rPr lang="pt-BR" dirty="0">
-                <a:solidFill>
-                  <a:srgbClr val="CCCCCC"/>
-                </a:solidFill>
-                <a:latin typeface="Consolas" panose="020B0609020204030204" pitchFamily="49" charset="0"/>
-              </a:rPr>
-              <a:t> </a:t>
-            </a:r>
-            <a:r>
-              <a:rPr lang="pt-BR" dirty="0">
-                <a:solidFill>
-                  <a:srgbClr val="CE9178"/>
-                </a:solidFill>
-                <a:latin typeface="Consolas" panose="020B0609020204030204" pitchFamily="49" charset="0"/>
-              </a:rPr>
-              <a:t>Itálico</a:t>
-            </a:r>
-          </a:p>
-          <a:p>
-            <a:r>
-              <a:rPr lang="pt-BR" b="0" dirty="0">
-                <a:solidFill>
-                  <a:srgbClr val="808080"/>
-                </a:solidFill>
-                <a:effectLst/>
-                <a:latin typeface="Consolas" panose="020B0609020204030204" pitchFamily="49" charset="0"/>
-              </a:rPr>
-              <a:t>&lt;</a:t>
-            </a:r>
-            <a:r>
-              <a:rPr lang="pt-BR" b="0" dirty="0">
-                <a:solidFill>
-                  <a:srgbClr val="569CD6"/>
-                </a:solidFill>
-                <a:effectLst/>
-                <a:latin typeface="Consolas" panose="020B0609020204030204" pitchFamily="49" charset="0"/>
-              </a:rPr>
-              <a:t>em</a:t>
-            </a:r>
-            <a:r>
-              <a:rPr lang="pt-BR" b="0" dirty="0">
-                <a:solidFill>
-                  <a:srgbClr val="808080"/>
-                </a:solidFill>
-                <a:effectLst/>
-                <a:latin typeface="Consolas" panose="020B0609020204030204" pitchFamily="49" charset="0"/>
-              </a:rPr>
-              <a:t>&gt;</a:t>
-            </a:r>
-            <a:r>
-              <a:rPr lang="pt-BR" dirty="0">
-                <a:solidFill>
-                  <a:srgbClr val="CCCCCC"/>
-                </a:solidFill>
-                <a:latin typeface="Consolas" panose="020B0609020204030204" pitchFamily="49" charset="0"/>
-              </a:rPr>
-              <a:t> </a:t>
-            </a:r>
-            <a:r>
-              <a:rPr lang="pt-BR" dirty="0">
-                <a:solidFill>
-                  <a:srgbClr val="CE9178"/>
-                </a:solidFill>
-                <a:latin typeface="Consolas" panose="020B0609020204030204" pitchFamily="49" charset="0"/>
-              </a:rPr>
-              <a:t>Ênfase “Também deixa o texto em itálico leitor de tela a lê com Ênfase”</a:t>
-            </a:r>
-          </a:p>
-          <a:p>
-            <a:r>
-              <a:rPr lang="pt-BR" b="0" dirty="0">
-                <a:solidFill>
-                  <a:srgbClr val="808080"/>
-                </a:solidFill>
-                <a:effectLst/>
-                <a:latin typeface="Consolas" panose="020B0609020204030204" pitchFamily="49" charset="0"/>
-              </a:rPr>
-              <a:t>&lt;</a:t>
-            </a:r>
-            <a:r>
-              <a:rPr lang="pt-BR" b="0" dirty="0" err="1">
-                <a:solidFill>
-                  <a:srgbClr val="569CD6"/>
-                </a:solidFill>
-                <a:effectLst/>
-                <a:latin typeface="Consolas" panose="020B0609020204030204" pitchFamily="49" charset="0"/>
-              </a:rPr>
-              <a:t>strong</a:t>
-            </a:r>
-            <a:r>
-              <a:rPr lang="pt-BR" b="0" dirty="0">
-                <a:solidFill>
-                  <a:srgbClr val="808080"/>
-                </a:solidFill>
-                <a:effectLst/>
-                <a:latin typeface="Consolas" panose="020B0609020204030204" pitchFamily="49" charset="0"/>
-              </a:rPr>
-              <a:t>&gt;</a:t>
-            </a:r>
-            <a:r>
-              <a:rPr lang="pt-BR" dirty="0">
-                <a:solidFill>
-                  <a:srgbClr val="CCCCCC"/>
-                </a:solidFill>
-                <a:latin typeface="Consolas" panose="020B0609020204030204" pitchFamily="49" charset="0"/>
-              </a:rPr>
-              <a:t> </a:t>
-            </a:r>
-            <a:r>
-              <a:rPr lang="pt-BR" dirty="0">
-                <a:solidFill>
-                  <a:srgbClr val="CE9178"/>
-                </a:solidFill>
-                <a:latin typeface="Consolas" panose="020B0609020204030204" pitchFamily="49" charset="0"/>
-              </a:rPr>
-              <a:t>Mais forte “Pense que está falando mais forte”</a:t>
-            </a:r>
-          </a:p>
-          <a:p>
-            <a:r>
-              <a:rPr lang="pt-BR" b="0" dirty="0">
-                <a:solidFill>
-                  <a:srgbClr val="808080"/>
-                </a:solidFill>
-                <a:effectLst/>
-                <a:latin typeface="Consolas" panose="020B0609020204030204" pitchFamily="49" charset="0"/>
-              </a:rPr>
-              <a:t>&lt;</a:t>
-            </a:r>
-            <a:r>
-              <a:rPr lang="pt-BR" b="0" dirty="0">
-                <a:solidFill>
-                  <a:srgbClr val="569CD6"/>
-                </a:solidFill>
-                <a:effectLst/>
-                <a:latin typeface="Consolas" panose="020B0609020204030204" pitchFamily="49" charset="0"/>
-              </a:rPr>
-              <a:t>h1&gt;</a:t>
-            </a:r>
-            <a:r>
-              <a:rPr lang="pt-BR" dirty="0">
-                <a:solidFill>
-                  <a:srgbClr val="CCCCCC"/>
-                </a:solidFill>
-                <a:latin typeface="Consolas" panose="020B0609020204030204" pitchFamily="49" charset="0"/>
-              </a:rPr>
-              <a:t> </a:t>
-            </a:r>
-            <a:r>
-              <a:rPr lang="pt-BR" dirty="0">
-                <a:solidFill>
-                  <a:srgbClr val="CE9178"/>
-                </a:solidFill>
-                <a:latin typeface="Consolas" panose="020B0609020204030204" pitchFamily="49" charset="0"/>
-              </a:rPr>
-              <a:t>Cabeçario</a:t>
-            </a:r>
-          </a:p>
-          <a:p>
-            <a:r>
-              <a:rPr lang="pt-BR" b="0" dirty="0">
-                <a:solidFill>
-                  <a:srgbClr val="808080"/>
-                </a:solidFill>
-                <a:effectLst/>
-                <a:latin typeface="Consolas" panose="020B0609020204030204" pitchFamily="49" charset="0"/>
-              </a:rPr>
-              <a:t>&lt;</a:t>
-            </a:r>
-            <a:r>
-              <a:rPr lang="pt-BR" b="0" dirty="0" err="1">
-                <a:solidFill>
-                  <a:srgbClr val="569CD6"/>
-                </a:solidFill>
-                <a:effectLst/>
-                <a:latin typeface="Consolas" panose="020B0609020204030204" pitchFamily="49" charset="0"/>
-              </a:rPr>
-              <a:t>del</a:t>
-            </a:r>
-            <a:r>
-              <a:rPr lang="pt-BR" b="0" dirty="0">
-                <a:solidFill>
-                  <a:srgbClr val="808080"/>
-                </a:solidFill>
-                <a:effectLst/>
-                <a:latin typeface="Consolas" panose="020B0609020204030204" pitchFamily="49" charset="0"/>
-              </a:rPr>
-              <a:t>&gt; </a:t>
-            </a:r>
-            <a:r>
-              <a:rPr lang="pt-BR" dirty="0">
-                <a:solidFill>
-                  <a:srgbClr val="CE9178"/>
-                </a:solidFill>
-                <a:latin typeface="Consolas" panose="020B0609020204030204" pitchFamily="49" charset="0"/>
-              </a:rPr>
-              <a:t>Remover - Semântica</a:t>
-            </a:r>
-          </a:p>
-          <a:p>
-            <a:r>
-              <a:rPr lang="pt-BR" b="0" dirty="0">
-                <a:solidFill>
-                  <a:srgbClr val="808080"/>
-                </a:solidFill>
-                <a:effectLst/>
-                <a:latin typeface="Consolas" panose="020B0609020204030204" pitchFamily="49" charset="0"/>
-              </a:rPr>
-              <a:t>&lt;</a:t>
-            </a:r>
-            <a:r>
-              <a:rPr lang="pt-BR" b="0" dirty="0" err="1">
-                <a:solidFill>
-                  <a:srgbClr val="569CD6"/>
-                </a:solidFill>
-                <a:effectLst/>
-                <a:latin typeface="Consolas" panose="020B0609020204030204" pitchFamily="49" charset="0"/>
-              </a:rPr>
-              <a:t>ins</a:t>
-            </a:r>
-            <a:r>
-              <a:rPr lang="pt-BR" b="0" dirty="0">
-                <a:solidFill>
-                  <a:srgbClr val="808080"/>
-                </a:solidFill>
-                <a:effectLst/>
-                <a:latin typeface="Consolas" panose="020B0609020204030204" pitchFamily="49" charset="0"/>
-              </a:rPr>
-              <a:t>&gt; </a:t>
-            </a:r>
-            <a:r>
-              <a:rPr lang="pt-BR" dirty="0">
-                <a:solidFill>
-                  <a:srgbClr val="CE9178"/>
-                </a:solidFill>
-                <a:latin typeface="Consolas" panose="020B0609020204030204" pitchFamily="49" charset="0"/>
-              </a:rPr>
-              <a:t>Inserir - Semântica</a:t>
-            </a:r>
-          </a:p>
-          <a:p>
-            <a:r>
-              <a:rPr lang="pt-BR" b="0" dirty="0">
-                <a:solidFill>
-                  <a:srgbClr val="808080"/>
-                </a:solidFill>
-                <a:effectLst/>
-                <a:latin typeface="Consolas" panose="020B0609020204030204" pitchFamily="49" charset="0"/>
-              </a:rPr>
-              <a:t>&lt;</a:t>
-            </a:r>
-            <a:r>
-              <a:rPr lang="pt-BR" b="0" dirty="0">
-                <a:solidFill>
-                  <a:srgbClr val="569CD6"/>
-                </a:solidFill>
-                <a:effectLst/>
-                <a:latin typeface="Consolas" panose="020B0609020204030204" pitchFamily="49" charset="0"/>
-              </a:rPr>
-              <a:t>s</a:t>
-            </a:r>
-            <a:r>
-              <a:rPr lang="pt-BR" b="0" dirty="0">
-                <a:solidFill>
-                  <a:srgbClr val="808080"/>
-                </a:solidFill>
-                <a:effectLst/>
-                <a:latin typeface="Consolas" panose="020B0609020204030204" pitchFamily="49" charset="0"/>
-              </a:rPr>
-              <a:t>&gt; </a:t>
-            </a:r>
-            <a:r>
-              <a:rPr lang="pt-BR" dirty="0">
-                <a:solidFill>
-                  <a:srgbClr val="CE9178"/>
-                </a:solidFill>
-                <a:latin typeface="Consolas" panose="020B0609020204030204" pitchFamily="49" charset="0"/>
-              </a:rPr>
-              <a:t>Tachado</a:t>
-            </a:r>
-          </a:p>
-          <a:p>
-            <a:r>
-              <a:rPr lang="pt-BR" b="0" dirty="0">
-                <a:solidFill>
-                  <a:srgbClr val="808080"/>
-                </a:solidFill>
-                <a:effectLst/>
-                <a:latin typeface="Consolas" panose="020B0609020204030204" pitchFamily="49" charset="0"/>
-              </a:rPr>
-              <a:t>&lt;</a:t>
-            </a:r>
-            <a:r>
-              <a:rPr lang="pt-BR" dirty="0">
-                <a:solidFill>
-                  <a:srgbClr val="569CD6"/>
-                </a:solidFill>
-                <a:latin typeface="Consolas" panose="020B0609020204030204" pitchFamily="49" charset="0"/>
-              </a:rPr>
-              <a:t>u</a:t>
-            </a:r>
-            <a:r>
-              <a:rPr lang="pt-BR" b="0" dirty="0">
-                <a:solidFill>
-                  <a:srgbClr val="808080"/>
-                </a:solidFill>
-                <a:effectLst/>
-                <a:latin typeface="Consolas" panose="020B0609020204030204" pitchFamily="49" charset="0"/>
-              </a:rPr>
-              <a:t>&gt; </a:t>
-            </a:r>
-            <a:r>
-              <a:rPr lang="pt-BR" dirty="0">
-                <a:solidFill>
-                  <a:srgbClr val="CE9178"/>
-                </a:solidFill>
-                <a:latin typeface="Consolas" panose="020B0609020204030204" pitchFamily="49" charset="0"/>
-              </a:rPr>
-              <a:t>Sublinhado</a:t>
-            </a:r>
-          </a:p>
-        </p:txBody>
-      </p:sp>
-      <p:sp>
-        <p:nvSpPr>
-          <p:cNvPr id="4" name="CaixaDeTexto 3">
-            <a:extLst>
-              <a:ext uri="{FF2B5EF4-FFF2-40B4-BE49-F238E27FC236}">
-                <a16:creationId xmlns:a16="http://schemas.microsoft.com/office/drawing/2014/main" id="{AAF3499D-94AF-97BB-808B-01AAE3EE6788}"/>
-              </a:ext>
-            </a:extLst>
-          </p:cNvPr>
-          <p:cNvSpPr txBox="1"/>
-          <p:nvPr/>
-        </p:nvSpPr>
-        <p:spPr>
-          <a:xfrm>
-            <a:off x="6671734" y="6211669"/>
-            <a:ext cx="5520266" cy="646331"/>
-          </a:xfrm>
-          <a:prstGeom prst="rect">
-            <a:avLst/>
-          </a:prstGeom>
-          <a:noFill/>
-        </p:spPr>
-        <p:txBody>
-          <a:bodyPr wrap="square" rtlCol="0">
-            <a:spAutoFit/>
-          </a:bodyPr>
-          <a:lstStyle/>
-          <a:p>
-            <a:r>
-              <a:rPr lang="pt-BR" dirty="0" err="1"/>
-              <a:t>Tag</a:t>
-            </a:r>
-            <a:r>
-              <a:rPr lang="pt-BR" dirty="0"/>
-              <a:t> correta no lugar correto, para melhorar a leitura do seu site.</a:t>
-            </a:r>
-          </a:p>
-        </p:txBody>
-      </p:sp>
-    </p:spTree>
-    <p:extLst>
-      <p:ext uri="{BB962C8B-B14F-4D97-AF65-F5344CB8AC3E}">
-        <p14:creationId xmlns:p14="http://schemas.microsoft.com/office/powerpoint/2010/main" val="2116017889"/>
-      </p:ext>
-    </p:extLst>
-  </p:cSld>
-  <p:clrMapOvr>
-    <a:masterClrMapping/>
-  </p:clrMapOvr>
-</p:sld>
-</file>
-
-<file path=ppt/slides/slide9.xml><?xml version="1.0" encoding="utf-8"?>
-<p:sld xmlns:a="http://schemas.openxmlformats.org/drawingml/2006/main" xmlns:r="http://schemas.openxmlformats.org/officeDocument/2006/relationships" xmlns:p="http://schemas.openxmlformats.org/presentationml/2006/main">
-  <p:cSld>
-    <p:spTree>
-      <p:nvGrpSpPr>
-        <p:cNvPr id="1" name=""/>
-        <p:cNvGrpSpPr/>
-        <p:nvPr/>
-      </p:nvGrpSpPr>
-      <p:grpSpPr>
-        <a:xfrm>
-          <a:off x="0" y="0"/>
-          <a:ext cx="0" cy="0"/>
-          <a:chOff x="0" y="0"/>
-          <a:chExt cx="0" cy="0"/>
-        </a:xfrm>
-      </p:grpSpPr>
-      <p:sp>
-        <p:nvSpPr>
-          <p:cNvPr id="2" name="Título 1">
-            <a:extLst>
-              <a:ext uri="{FF2B5EF4-FFF2-40B4-BE49-F238E27FC236}">
-                <a16:creationId xmlns:a16="http://schemas.microsoft.com/office/drawing/2014/main" id="{5C56EF69-D93E-FFD4-1D56-2AFD31211897}"/>
-              </a:ext>
-            </a:extLst>
-          </p:cNvPr>
-          <p:cNvSpPr>
-            <a:spLocks noGrp="1"/>
-          </p:cNvSpPr>
-          <p:nvPr>
-            <p:ph type="title"/>
-          </p:nvPr>
-        </p:nvSpPr>
-        <p:spPr/>
-        <p:txBody>
-          <a:bodyPr/>
-          <a:lstStyle/>
-          <a:p>
-            <a:r>
-              <a:rPr lang="pt-BR" dirty="0" err="1"/>
-              <a:t>Tags</a:t>
-            </a:r>
-            <a:r>
-              <a:rPr lang="pt-BR" dirty="0"/>
-              <a:t> – </a:t>
-            </a:r>
-            <a:r>
-              <a:rPr lang="pt-BR" dirty="0" err="1"/>
-              <a:t>Semantica</a:t>
-            </a:r>
-            <a:r>
-              <a:rPr lang="pt-BR" dirty="0"/>
-              <a:t>	</a:t>
-            </a:r>
-          </a:p>
-        </p:txBody>
-      </p:sp>
-      <p:sp>
-        <p:nvSpPr>
-          <p:cNvPr id="3" name="Espaço Reservado para Conteúdo 2">
-            <a:extLst>
-              <a:ext uri="{FF2B5EF4-FFF2-40B4-BE49-F238E27FC236}">
-                <a16:creationId xmlns:a16="http://schemas.microsoft.com/office/drawing/2014/main" id="{3E3C2894-A558-2430-CF85-D37FAA3C3B2B}"/>
-              </a:ext>
-            </a:extLst>
-          </p:cNvPr>
-          <p:cNvSpPr>
-            <a:spLocks noGrp="1"/>
-          </p:cNvSpPr>
-          <p:nvPr>
-            <p:ph idx="1"/>
-          </p:nvPr>
-        </p:nvSpPr>
-        <p:spPr>
-          <a:xfrm>
-            <a:off x="818712" y="2348089"/>
-            <a:ext cx="10554574" cy="3863580"/>
-          </a:xfrm>
-        </p:spPr>
-        <p:txBody>
-          <a:bodyPr>
-            <a:normAutofit/>
-          </a:bodyPr>
-          <a:lstStyle/>
-          <a:p>
-            <a:r>
-              <a:rPr lang="pt-BR" b="0" dirty="0">
-                <a:solidFill>
-                  <a:srgbClr val="808080"/>
-                </a:solidFill>
-                <a:effectLst/>
-                <a:latin typeface="Consolas" panose="020B0609020204030204" pitchFamily="49" charset="0"/>
-              </a:rPr>
-              <a:t>&lt;</a:t>
-            </a:r>
-            <a:r>
-              <a:rPr lang="pt-BR" b="0" dirty="0" err="1">
-                <a:solidFill>
-                  <a:srgbClr val="569CD6"/>
-                </a:solidFill>
-                <a:effectLst/>
-                <a:latin typeface="Consolas" panose="020B0609020204030204" pitchFamily="49" charset="0"/>
-              </a:rPr>
-              <a:t>sup</a:t>
-            </a:r>
-            <a:r>
-              <a:rPr lang="pt-BR" b="0" dirty="0">
-                <a:solidFill>
-                  <a:srgbClr val="808080"/>
-                </a:solidFill>
-                <a:effectLst/>
-                <a:latin typeface="Consolas" panose="020B0609020204030204" pitchFamily="49" charset="0"/>
-              </a:rPr>
-              <a:t>&gt;</a:t>
-            </a:r>
-            <a:r>
-              <a:rPr lang="pt-BR" dirty="0">
-                <a:solidFill>
-                  <a:srgbClr val="CCCCCC"/>
-                </a:solidFill>
-                <a:latin typeface="Consolas" panose="020B0609020204030204" pitchFamily="49" charset="0"/>
-              </a:rPr>
-              <a:t> </a:t>
-            </a:r>
-            <a:r>
-              <a:rPr lang="pt-BR" dirty="0">
-                <a:solidFill>
-                  <a:srgbClr val="CE9178"/>
-                </a:solidFill>
-                <a:latin typeface="Consolas" panose="020B0609020204030204" pitchFamily="49" charset="0"/>
-              </a:rPr>
-              <a:t>Cria numero ou letra acima da linha ex:2² </a:t>
-            </a:r>
-          </a:p>
-          <a:p>
-            <a:r>
-              <a:rPr lang="pt-BR" b="0" dirty="0">
-                <a:solidFill>
-                  <a:srgbClr val="808080"/>
-                </a:solidFill>
-                <a:effectLst/>
-                <a:latin typeface="Consolas" panose="020B0609020204030204" pitchFamily="49" charset="0"/>
-              </a:rPr>
-              <a:t>&lt;</a:t>
-            </a:r>
-            <a:r>
-              <a:rPr lang="pt-BR" b="0" dirty="0" err="1">
-                <a:solidFill>
-                  <a:srgbClr val="569CD6"/>
-                </a:solidFill>
-                <a:effectLst/>
-                <a:latin typeface="Consolas" panose="020B0609020204030204" pitchFamily="49" charset="0"/>
-              </a:rPr>
-              <a:t>small</a:t>
-            </a:r>
-            <a:r>
-              <a:rPr lang="pt-BR" b="0" dirty="0">
-                <a:solidFill>
-                  <a:srgbClr val="808080"/>
-                </a:solidFill>
-                <a:effectLst/>
-                <a:latin typeface="Consolas" panose="020B0609020204030204" pitchFamily="49" charset="0"/>
-              </a:rPr>
-              <a:t>&gt;</a:t>
-            </a:r>
-            <a:r>
-              <a:rPr lang="pt-BR" dirty="0">
-                <a:solidFill>
-                  <a:srgbClr val="CCCCCC"/>
-                </a:solidFill>
-                <a:latin typeface="Consolas" panose="020B0609020204030204" pitchFamily="49" charset="0"/>
-              </a:rPr>
-              <a:t> </a:t>
-            </a:r>
-            <a:r>
-              <a:rPr lang="pt-BR" dirty="0">
-                <a:solidFill>
-                  <a:srgbClr val="CE9178"/>
-                </a:solidFill>
-                <a:latin typeface="Consolas" panose="020B0609020204030204" pitchFamily="49" charset="0"/>
-              </a:rPr>
-              <a:t>Texto com fonte menor</a:t>
-            </a:r>
-          </a:p>
-          <a:p>
-            <a:r>
-              <a:rPr lang="pt-BR" b="0" dirty="0">
-                <a:solidFill>
-                  <a:srgbClr val="808080"/>
-                </a:solidFill>
-                <a:effectLst/>
-                <a:latin typeface="Consolas" panose="020B0609020204030204" pitchFamily="49" charset="0"/>
-              </a:rPr>
-              <a:t>&lt;</a:t>
-            </a:r>
-            <a:r>
-              <a:rPr lang="pt-BR" b="0" dirty="0">
-                <a:solidFill>
-                  <a:srgbClr val="569CD6"/>
-                </a:solidFill>
-                <a:effectLst/>
-                <a:latin typeface="Consolas" panose="020B0609020204030204" pitchFamily="49" charset="0"/>
-              </a:rPr>
-              <a:t>sub</a:t>
-            </a:r>
-            <a:r>
-              <a:rPr lang="pt-BR" b="0" dirty="0">
-                <a:solidFill>
-                  <a:srgbClr val="808080"/>
-                </a:solidFill>
-                <a:effectLst/>
-                <a:latin typeface="Consolas" panose="020B0609020204030204" pitchFamily="49" charset="0"/>
-              </a:rPr>
-              <a:t>&gt;</a:t>
-            </a:r>
-            <a:r>
-              <a:rPr lang="pt-BR" dirty="0">
-                <a:solidFill>
-                  <a:srgbClr val="CCCCCC"/>
-                </a:solidFill>
-                <a:latin typeface="Consolas" panose="020B0609020204030204" pitchFamily="49" charset="0"/>
-              </a:rPr>
-              <a:t> </a:t>
-            </a:r>
-            <a:r>
-              <a:rPr lang="pt-BR" dirty="0">
-                <a:solidFill>
-                  <a:srgbClr val="CE9178"/>
-                </a:solidFill>
-                <a:latin typeface="Consolas" panose="020B0609020204030204" pitchFamily="49" charset="0"/>
-              </a:rPr>
-              <a:t>Cria numero ou letra abaixo da linha ex: H²0</a:t>
-            </a:r>
-          </a:p>
-          <a:p>
-            <a:r>
-              <a:rPr lang="pt-BR" b="0" dirty="0">
-                <a:solidFill>
-                  <a:srgbClr val="808080"/>
-                </a:solidFill>
-                <a:effectLst/>
-                <a:latin typeface="Consolas" panose="020B0609020204030204" pitchFamily="49" charset="0"/>
-              </a:rPr>
-              <a:t>&lt;</a:t>
-            </a:r>
-            <a:r>
-              <a:rPr lang="pt-BR" b="0" dirty="0" err="1">
-                <a:solidFill>
-                  <a:srgbClr val="569CD6"/>
-                </a:solidFill>
-                <a:effectLst/>
-                <a:latin typeface="Consolas" panose="020B0609020204030204" pitchFamily="49" charset="0"/>
-              </a:rPr>
-              <a:t>br</a:t>
-            </a:r>
-            <a:r>
-              <a:rPr lang="pt-BR" b="0" dirty="0">
-                <a:solidFill>
-                  <a:srgbClr val="808080"/>
-                </a:solidFill>
-                <a:effectLst/>
-                <a:latin typeface="Consolas" panose="020B0609020204030204" pitchFamily="49" charset="0"/>
-              </a:rPr>
-              <a:t>&gt;</a:t>
-            </a:r>
-            <a:r>
-              <a:rPr lang="pt-BR" dirty="0">
-                <a:solidFill>
-                  <a:srgbClr val="CCCCCC"/>
-                </a:solidFill>
-                <a:latin typeface="Consolas" panose="020B0609020204030204" pitchFamily="49" charset="0"/>
-              </a:rPr>
-              <a:t> </a:t>
-            </a:r>
-            <a:r>
-              <a:rPr lang="pt-BR" dirty="0">
-                <a:solidFill>
-                  <a:srgbClr val="CE9178"/>
-                </a:solidFill>
-                <a:latin typeface="Consolas" panose="020B0609020204030204" pitchFamily="49" charset="0"/>
-              </a:rPr>
-              <a:t>Quebra de linha</a:t>
-            </a:r>
-          </a:p>
-          <a:p>
-            <a:r>
-              <a:rPr lang="pt-BR" b="0" dirty="0">
-                <a:solidFill>
-                  <a:srgbClr val="808080"/>
-                </a:solidFill>
-                <a:effectLst/>
-                <a:latin typeface="Consolas" panose="020B0609020204030204" pitchFamily="49" charset="0"/>
-              </a:rPr>
-              <a:t>&lt;</a:t>
-            </a:r>
-            <a:r>
-              <a:rPr lang="pt-BR" b="0" dirty="0" err="1">
-                <a:solidFill>
-                  <a:srgbClr val="569CD6"/>
-                </a:solidFill>
-                <a:effectLst/>
-                <a:latin typeface="Consolas" panose="020B0609020204030204" pitchFamily="49" charset="0"/>
-              </a:rPr>
-              <a:t>hr</a:t>
-            </a:r>
-            <a:r>
-              <a:rPr lang="pt-BR" b="0" dirty="0">
-                <a:solidFill>
-                  <a:srgbClr val="808080"/>
-                </a:solidFill>
-                <a:effectLst/>
-                <a:latin typeface="Consolas" panose="020B0609020204030204" pitchFamily="49" charset="0"/>
-              </a:rPr>
-              <a:t>&gt;</a:t>
-            </a:r>
-            <a:r>
-              <a:rPr lang="pt-BR" dirty="0">
-                <a:solidFill>
-                  <a:srgbClr val="CCCCCC"/>
-                </a:solidFill>
-                <a:latin typeface="Consolas" panose="020B0609020204030204" pitchFamily="49" charset="0"/>
-              </a:rPr>
-              <a:t> </a:t>
-            </a:r>
-            <a:r>
-              <a:rPr lang="pt-BR" dirty="0">
-                <a:solidFill>
-                  <a:srgbClr val="CE9178"/>
-                </a:solidFill>
-                <a:latin typeface="Consolas" panose="020B0609020204030204" pitchFamily="49" charset="0"/>
-              </a:rPr>
-              <a:t>Linha horizontal</a:t>
-            </a:r>
-          </a:p>
-          <a:p>
-            <a:r>
-              <a:rPr lang="pt-BR" b="0" dirty="0">
-                <a:solidFill>
-                  <a:srgbClr val="808080"/>
-                </a:solidFill>
-                <a:effectLst/>
-                <a:latin typeface="Consolas" panose="020B0609020204030204" pitchFamily="49" charset="0"/>
-              </a:rPr>
-              <a:t>&lt;</a:t>
-            </a:r>
-            <a:r>
-              <a:rPr lang="pt-BR" b="0" dirty="0" err="1">
-                <a:solidFill>
-                  <a:srgbClr val="569CD6"/>
-                </a:solidFill>
-                <a:effectLst/>
-                <a:latin typeface="Consolas" panose="020B0609020204030204" pitchFamily="49" charset="0"/>
-              </a:rPr>
-              <a:t>span</a:t>
-            </a:r>
-            <a:r>
-              <a:rPr lang="pt-BR" b="0" dirty="0">
-                <a:solidFill>
-                  <a:srgbClr val="808080"/>
-                </a:solidFill>
-                <a:effectLst/>
-                <a:latin typeface="Consolas" panose="020B0609020204030204" pitchFamily="49" charset="0"/>
-              </a:rPr>
-              <a:t>&gt;</a:t>
-            </a:r>
-            <a:r>
-              <a:rPr lang="pt-BR" dirty="0">
-                <a:solidFill>
-                  <a:srgbClr val="CCCCCC"/>
-                </a:solidFill>
-                <a:latin typeface="Consolas" panose="020B0609020204030204" pitchFamily="49" charset="0"/>
-              </a:rPr>
-              <a:t> </a:t>
-            </a:r>
-            <a:r>
-              <a:rPr lang="pt-BR" dirty="0">
-                <a:solidFill>
-                  <a:srgbClr val="CE9178"/>
-                </a:solidFill>
-                <a:latin typeface="Consolas" panose="020B0609020204030204" pitchFamily="49" charset="0"/>
-              </a:rPr>
-              <a:t>Pode ser usada dentro de outras </a:t>
-            </a:r>
-            <a:r>
-              <a:rPr lang="pt-BR" dirty="0" err="1">
-                <a:solidFill>
-                  <a:srgbClr val="CE9178"/>
-                </a:solidFill>
-                <a:latin typeface="Consolas" panose="020B0609020204030204" pitchFamily="49" charset="0"/>
-              </a:rPr>
-              <a:t>tags</a:t>
-            </a:r>
-            <a:r>
-              <a:rPr lang="pt-BR" dirty="0">
-                <a:solidFill>
-                  <a:srgbClr val="CE9178"/>
-                </a:solidFill>
-                <a:latin typeface="Consolas" panose="020B0609020204030204" pitchFamily="49" charset="0"/>
-              </a:rPr>
-              <a:t> - </a:t>
-            </a:r>
-            <a:r>
-              <a:rPr lang="pt-BR" dirty="0" err="1">
-                <a:solidFill>
-                  <a:srgbClr val="CE9178"/>
-                </a:solidFill>
-                <a:latin typeface="Consolas" panose="020B0609020204030204" pitchFamily="49" charset="0"/>
-              </a:rPr>
-              <a:t>Inline</a:t>
-            </a:r>
-            <a:endParaRPr lang="pt-BR" dirty="0">
-              <a:solidFill>
-                <a:srgbClr val="CE9178"/>
-              </a:solidFill>
-              <a:latin typeface="Consolas" panose="020B0609020204030204" pitchFamily="49" charset="0"/>
-            </a:endParaRPr>
-          </a:p>
-          <a:p>
-            <a:r>
-              <a:rPr lang="pt-BR" b="0" dirty="0">
-                <a:solidFill>
-                  <a:srgbClr val="808080"/>
-                </a:solidFill>
-                <a:effectLst/>
-                <a:latin typeface="Consolas" panose="020B0609020204030204" pitchFamily="49" charset="0"/>
-              </a:rPr>
-              <a:t>&lt;</a:t>
-            </a:r>
-            <a:r>
-              <a:rPr lang="pt-BR" b="0" dirty="0" err="1">
-                <a:solidFill>
-                  <a:srgbClr val="569CD6"/>
-                </a:solidFill>
-                <a:effectLst/>
-                <a:latin typeface="Consolas" panose="020B0609020204030204" pitchFamily="49" charset="0"/>
-              </a:rPr>
-              <a:t>div</a:t>
-            </a:r>
-            <a:r>
-              <a:rPr lang="pt-BR" b="0" dirty="0">
-                <a:solidFill>
-                  <a:srgbClr val="808080"/>
-                </a:solidFill>
-                <a:effectLst/>
-                <a:latin typeface="Consolas" panose="020B0609020204030204" pitchFamily="49" charset="0"/>
-              </a:rPr>
-              <a:t>&gt;</a:t>
-            </a:r>
-            <a:r>
-              <a:rPr lang="pt-BR" dirty="0">
-                <a:solidFill>
-                  <a:srgbClr val="CCCCCC"/>
-                </a:solidFill>
-                <a:latin typeface="Consolas" panose="020B0609020204030204" pitchFamily="49" charset="0"/>
-              </a:rPr>
-              <a:t> </a:t>
-            </a:r>
-            <a:r>
-              <a:rPr lang="pt-BR" dirty="0">
-                <a:solidFill>
-                  <a:srgbClr val="CE9178"/>
-                </a:solidFill>
-                <a:latin typeface="Consolas" panose="020B0609020204030204" pitchFamily="49" charset="0"/>
-              </a:rPr>
-              <a:t>Não pode ser usada dentro de outras </a:t>
-            </a:r>
-            <a:r>
-              <a:rPr lang="pt-BR" dirty="0" err="1">
-                <a:solidFill>
-                  <a:srgbClr val="CE9178"/>
-                </a:solidFill>
-                <a:latin typeface="Consolas" panose="020B0609020204030204" pitchFamily="49" charset="0"/>
-              </a:rPr>
-              <a:t>tags</a:t>
-            </a:r>
-            <a:r>
-              <a:rPr lang="pt-BR" dirty="0">
-                <a:solidFill>
-                  <a:srgbClr val="CE9178"/>
-                </a:solidFill>
-                <a:latin typeface="Consolas" panose="020B0609020204030204" pitchFamily="49" charset="0"/>
-              </a:rPr>
-              <a:t> - Block</a:t>
-            </a:r>
-          </a:p>
-          <a:p>
-            <a:endParaRPr lang="pt-BR" dirty="0">
-              <a:solidFill>
-                <a:srgbClr val="CE9178"/>
-              </a:solidFill>
-              <a:latin typeface="Consolas" panose="020B0609020204030204" pitchFamily="49" charset="0"/>
-            </a:endParaRPr>
-          </a:p>
-          <a:p>
-            <a:endParaRPr lang="pt-BR" dirty="0">
-              <a:solidFill>
-                <a:srgbClr val="CE9178"/>
-              </a:solidFill>
-              <a:latin typeface="Consolas" panose="020B0609020204030204" pitchFamily="49" charset="0"/>
-            </a:endParaRPr>
-          </a:p>
-        </p:txBody>
-      </p:sp>
-      <p:sp>
-        <p:nvSpPr>
-          <p:cNvPr id="4" name="CaixaDeTexto 3">
-            <a:extLst>
-              <a:ext uri="{FF2B5EF4-FFF2-40B4-BE49-F238E27FC236}">
-                <a16:creationId xmlns:a16="http://schemas.microsoft.com/office/drawing/2014/main" id="{AAF3499D-94AF-97BB-808B-01AAE3EE6788}"/>
-              </a:ext>
-            </a:extLst>
-          </p:cNvPr>
-          <p:cNvSpPr txBox="1"/>
-          <p:nvPr/>
-        </p:nvSpPr>
-        <p:spPr>
-          <a:xfrm>
-            <a:off x="6671734" y="6211669"/>
-            <a:ext cx="5520266" cy="646331"/>
-          </a:xfrm>
-          <a:prstGeom prst="rect">
-            <a:avLst/>
-          </a:prstGeom>
-          <a:noFill/>
-        </p:spPr>
-        <p:txBody>
-          <a:bodyPr wrap="square" rtlCol="0">
-            <a:spAutoFit/>
-          </a:bodyPr>
-          <a:lstStyle/>
-          <a:p>
-            <a:r>
-              <a:rPr lang="pt-BR" dirty="0" err="1"/>
-              <a:t>Tag</a:t>
-            </a:r>
-            <a:r>
-              <a:rPr lang="pt-BR" dirty="0"/>
-              <a:t> correta no lugar correto, para melhorar a leitura do seu site.</a:t>
-            </a:r>
-          </a:p>
-        </p:txBody>
-      </p:sp>
-    </p:spTree>
-    <p:extLst>
-      <p:ext uri="{BB962C8B-B14F-4D97-AF65-F5344CB8AC3E}">
-        <p14:creationId xmlns:p14="http://schemas.microsoft.com/office/powerpoint/2010/main" val="2614465504"/>
+        <p14:creationId xmlns:p14="http://schemas.microsoft.com/office/powerpoint/2010/main" val="1621605524"/>
       </p:ext>
     </p:extLst>
   </p:cSld>
